--- a/StateDenoisedRNNs.pptx
+++ b/StateDenoisedRNNs.pptx
@@ -5,7 +5,7 @@
     <p:sldMasterId id="2147483660" r:id="rId1"/>
   </p:sldMasterIdLst>
   <p:notesMasterIdLst>
-    <p:notesMasterId r:id="rId11"/>
+    <p:notesMasterId r:id="rId13"/>
   </p:notesMasterIdLst>
   <p:sldIdLst>
     <p:sldId id="436" r:id="rId2"/>
@@ -16,7 +16,9 @@
     <p:sldId id="444" r:id="rId7"/>
     <p:sldId id="445" r:id="rId8"/>
     <p:sldId id="446" r:id="rId9"/>
-    <p:sldId id="464" r:id="rId10"/>
+    <p:sldId id="465" r:id="rId10"/>
+    <p:sldId id="466" r:id="rId11"/>
+    <p:sldId id="464" r:id="rId12"/>
   </p:sldIdLst>
   <p:sldSz cx="12192000" cy="6858000"/>
   <p:notesSz cx="6858000" cy="9144000"/>
@@ -216,7 +218,7 @@
           <a:p>
             <a:fld id="{BF044F71-2A91-C84A-869D-4F4E1A19AFF8}" type="datetimeFigureOut">
               <a:rPr lang="en-US" smtClean="0"/>
-              <a:t>11/28/17</a:t>
+              <a:t>11/30/17</a:t>
             </a:fld>
             <a:endParaRPr lang="en-US"/>
           </a:p>
@@ -683,7 +685,7 @@
                 </a:solidFill>
               </a:rPr>
               <a:pPr/>
-              <a:t>11/28/17</a:t>
+              <a:t>11/30/17</a:t>
             </a:fld>
             <a:endParaRPr lang="en-US">
               <a:solidFill>
@@ -892,7 +894,7 @@
                 </a:solidFill>
               </a:rPr>
               <a:pPr/>
-              <a:t>11/28/17</a:t>
+              <a:t>11/30/17</a:t>
             </a:fld>
             <a:endParaRPr lang="en-US">
               <a:solidFill>
@@ -1108,7 +1110,7 @@
                 </a:solidFill>
               </a:rPr>
               <a:pPr/>
-              <a:t>11/28/17</a:t>
+              <a:t>11/30/17</a:t>
             </a:fld>
             <a:endParaRPr lang="en-US">
               <a:solidFill>
@@ -1805,7 +1807,7 @@
                 </a:solidFill>
               </a:rPr>
               <a:pPr/>
-              <a:t>11/28/17</a:t>
+              <a:t>11/30/17</a:t>
             </a:fld>
             <a:endParaRPr lang="en-US">
               <a:solidFill>
@@ -2090,7 +2092,7 @@
                 </a:solidFill>
               </a:rPr>
               <a:pPr/>
-              <a:t>11/28/17</a:t>
+              <a:t>11/30/17</a:t>
             </a:fld>
             <a:endParaRPr lang="en-US">
               <a:solidFill>
@@ -2417,7 +2419,7 @@
                 </a:solidFill>
               </a:rPr>
               <a:pPr/>
-              <a:t>11/28/17</a:t>
+              <a:t>11/30/17</a:t>
             </a:fld>
             <a:endParaRPr lang="en-US">
               <a:solidFill>
@@ -2878,7 +2880,7 @@
                 </a:solidFill>
               </a:rPr>
               <a:pPr/>
-              <a:t>11/28/17</a:t>
+              <a:t>11/30/17</a:t>
             </a:fld>
             <a:endParaRPr lang="en-US">
               <a:solidFill>
@@ -3032,7 +3034,7 @@
                 </a:solidFill>
               </a:rPr>
               <a:pPr/>
-              <a:t>11/28/17</a:t>
+              <a:t>11/30/17</a:t>
             </a:fld>
             <a:endParaRPr lang="en-US">
               <a:solidFill>
@@ -3159,7 +3161,7 @@
                 </a:solidFill>
               </a:rPr>
               <a:pPr/>
-              <a:t>11/28/17</a:t>
+              <a:t>11/30/17</a:t>
             </a:fld>
             <a:endParaRPr lang="en-US">
               <a:solidFill>
@@ -3468,7 +3470,7 @@
                 </a:solidFill>
               </a:rPr>
               <a:pPr/>
-              <a:t>11/28/17</a:t>
+              <a:t>11/30/17</a:t>
             </a:fld>
             <a:endParaRPr lang="en-US">
               <a:solidFill>
@@ -3757,7 +3759,7 @@
                 </a:solidFill>
               </a:rPr>
               <a:pPr/>
-              <a:t>11/28/17</a:t>
+              <a:t>11/30/17</a:t>
             </a:fld>
             <a:endParaRPr lang="en-US">
               <a:solidFill>
@@ -4011,7 +4013,7 @@
                   <a:spcPct val="41000"/>
                 </a:lnSpc>
               </a:pPr>
-              <a:t>11/28/17</a:t>
+              <a:t>11/30/17</a:t>
             </a:fld>
             <a:endParaRPr lang="en-US">
               <a:solidFill>
@@ -4545,6 +4547,4203 @@
     <p:extLst>
       <p:ext uri="{BB962C8B-B14F-4D97-AF65-F5344CB8AC3E}">
         <p14:creationId xmlns:p14="http://schemas.microsoft.com/office/powerpoint/2010/main" val="834465896"/>
+      </p:ext>
+    </p:extLst>
+  </p:cSld>
+  <p:clrMapOvr>
+    <a:masterClrMapping/>
+  </p:clrMapOvr>
+  <p:timing>
+    <p:tnLst>
+      <p:par>
+        <p:cTn id="1" dur="indefinite" restart="never" nodeType="tmRoot"/>
+      </p:par>
+    </p:tnLst>
+  </p:timing>
+</p:sld>
+</file>
+
+<file path=ppt/slides/slide10.xml><?xml version="1.0" encoding="utf-8"?>
+<p:sld xmlns:a="http://schemas.openxmlformats.org/drawingml/2006/main" xmlns:r="http://schemas.openxmlformats.org/officeDocument/2006/relationships" xmlns:p="http://schemas.openxmlformats.org/presentationml/2006/main">
+  <p:cSld>
+    <p:spTree>
+      <p:nvGrpSpPr>
+        <p:cNvPr id="1" name=""/>
+        <p:cNvGrpSpPr/>
+        <p:nvPr/>
+      </p:nvGrpSpPr>
+      <p:grpSpPr>
+        <a:xfrm>
+          <a:off x="0" y="0"/>
+          <a:ext cx="0" cy="0"/>
+          <a:chOff x="0" y="0"/>
+          <a:chExt cx="0" cy="0"/>
+        </a:xfrm>
+      </p:grpSpPr>
+      <p:sp>
+        <p:nvSpPr>
+          <p:cNvPr id="2" name="Title 1"/>
+          <p:cNvSpPr>
+            <a:spLocks noGrp="1"/>
+          </p:cNvSpPr>
+          <p:nvPr>
+            <p:ph type="title"/>
+          </p:nvPr>
+        </p:nvSpPr>
+        <p:spPr/>
+        <p:txBody>
+          <a:bodyPr/>
+          <a:lstStyle/>
+          <a:p>
+            <a:r>
+              <a:rPr lang="en-US" dirty="0" smtClean="0"/>
+              <a:t>Training Attractor Net</a:t>
+            </a:r>
+            <a:endParaRPr lang="en-US" dirty="0"/>
+          </a:p>
+        </p:txBody>
+      </p:sp>
+      <mc:AlternateContent xmlns:mc="http://schemas.openxmlformats.org/markup-compatibility/2006">
+        <mc:Choice xmlns:a14="http://schemas.microsoft.com/office/drawing/2010/main" Requires="a14">
+          <p:sp>
+            <p:nvSpPr>
+              <p:cNvPr id="3" name="Content Placeholder 2"/>
+              <p:cNvSpPr>
+                <a:spLocks noGrp="1"/>
+              </p:cNvSpPr>
+              <p:nvPr>
+                <p:ph idx="1"/>
+              </p:nvPr>
+            </p:nvSpPr>
+            <p:spPr/>
+            <p:txBody>
+              <a:bodyPr/>
+              <a:lstStyle/>
+              <a:p>
+                <a:r>
+                  <a:rPr lang="en-US" dirty="0" smtClean="0">
+                    <a:solidFill>
+                      <a:schemeClr val="tx1"/>
+                    </a:solidFill>
+                  </a:rPr>
+                  <a:t>Given set of target attractors, </a:t>
+                </a:r>
+                <a14:m>
+                  <m:oMath xmlns:m="http://schemas.openxmlformats.org/officeDocument/2006/math">
+                    <m:d>
+                      <m:dPr>
+                        <m:begChr m:val="{"/>
+                        <m:endChr m:val="}"/>
+                        <m:ctrlPr>
+                          <a:rPr lang="en-US" b="1" i="1" smtClean="0">
+                            <a:solidFill>
+                              <a:schemeClr val="tx1"/>
+                            </a:solidFill>
+                            <a:latin typeface="Cambria Math" charset="0"/>
+                          </a:rPr>
+                        </m:ctrlPr>
+                      </m:dPr>
+                      <m:e>
+                        <m:sSub>
+                          <m:sSubPr>
+                            <m:ctrlPr>
+                              <a:rPr lang="en-US" b="1" i="1" smtClean="0">
+                                <a:solidFill>
+                                  <a:schemeClr val="tx1"/>
+                                </a:solidFill>
+                                <a:latin typeface="Cambria Math" charset="0"/>
+                              </a:rPr>
+                            </m:ctrlPr>
+                          </m:sSubPr>
+                          <m:e>
+                            <m:r>
+                              <a:rPr lang="en-US" b="1" i="1" smtClean="0">
+                                <a:solidFill>
+                                  <a:schemeClr val="tx1"/>
+                                </a:solidFill>
+                                <a:latin typeface="Cambria Math" charset="0"/>
+                              </a:rPr>
+                              <m:t>𝝃</m:t>
+                            </m:r>
+                          </m:e>
+                          <m:sub>
+                            <m:r>
+                              <a:rPr lang="en-US" b="1" i="1" smtClean="0">
+                                <a:solidFill>
+                                  <a:schemeClr val="tx1"/>
+                                </a:solidFill>
+                                <a:latin typeface="Cambria Math" charset="0"/>
+                              </a:rPr>
+                              <m:t>𝟏</m:t>
+                            </m:r>
+                          </m:sub>
+                        </m:sSub>
+                        <m:r>
+                          <a:rPr lang="en-US" b="1" i="1" smtClean="0">
+                            <a:solidFill>
+                              <a:schemeClr val="tx1"/>
+                            </a:solidFill>
+                            <a:latin typeface="Cambria Math" charset="0"/>
+                          </a:rPr>
+                          <m:t>, …, </m:t>
+                        </m:r>
+                        <m:sSub>
+                          <m:sSubPr>
+                            <m:ctrlPr>
+                              <a:rPr lang="en-US" b="1" i="1" smtClean="0">
+                                <a:solidFill>
+                                  <a:schemeClr val="tx1"/>
+                                </a:solidFill>
+                                <a:latin typeface="Cambria Math" charset="0"/>
+                              </a:rPr>
+                            </m:ctrlPr>
+                          </m:sSubPr>
+                          <m:e>
+                            <m:r>
+                              <a:rPr lang="en-US" b="1" i="1" smtClean="0">
+                                <a:solidFill>
+                                  <a:schemeClr val="tx1"/>
+                                </a:solidFill>
+                                <a:latin typeface="Cambria Math" charset="0"/>
+                              </a:rPr>
+                              <m:t>𝝃</m:t>
+                            </m:r>
+                          </m:e>
+                          <m:sub>
+                            <m:r>
+                              <a:rPr lang="en-US" b="1" i="1" smtClean="0">
+                                <a:solidFill>
+                                  <a:schemeClr val="tx1"/>
+                                </a:solidFill>
+                                <a:latin typeface="Cambria Math" charset="0"/>
+                              </a:rPr>
+                              <m:t>𝒏</m:t>
+                            </m:r>
+                          </m:sub>
+                        </m:sSub>
+                      </m:e>
+                    </m:d>
+                  </m:oMath>
+                </a14:m>
+                <a:endParaRPr lang="en-US" b="1" dirty="0" smtClean="0">
+                  <a:solidFill>
+                    <a:schemeClr val="tx1"/>
+                  </a:solidFill>
+                </a:endParaRPr>
+              </a:p>
+              <a:p>
+                <a:r>
+                  <a:rPr lang="en-US" dirty="0" smtClean="0">
+                    <a:solidFill>
+                      <a:schemeClr val="tx1"/>
+                    </a:solidFill>
+                  </a:rPr>
+                  <a:t>Input is corrupted attractor state</a:t>
+                </a:r>
+              </a:p>
+              <a:p>
+                <a:pPr lvl="1"/>
+                <a14:m>
+                  <m:oMath xmlns:m="http://schemas.openxmlformats.org/officeDocument/2006/math">
+                    <m:r>
+                      <a:rPr lang="en-US" b="1" i="1" smtClean="0">
+                        <a:solidFill>
+                          <a:srgbClr val="A50002"/>
+                        </a:solidFill>
+                        <a:latin typeface="Cambria Math" charset="0"/>
+                      </a:rPr>
+                      <m:t>𝒙</m:t>
+                    </m:r>
+                    <m:r>
+                      <a:rPr lang="en-US" b="1" i="1" smtClean="0">
+                        <a:latin typeface="Cambria Math" charset="0"/>
+                      </a:rPr>
+                      <m:t>=</m:t>
+                    </m:r>
+                    <m:sSup>
+                      <m:sSupPr>
+                        <m:ctrlPr>
+                          <a:rPr lang="en-US" i="1">
+                            <a:latin typeface="Cambria Math" charset="0"/>
+                          </a:rPr>
+                        </m:ctrlPr>
+                      </m:sSupPr>
+                      <m:e>
+                        <m:r>
+                          <a:rPr lang="en-US" b="1" i="1" smtClean="0">
+                            <a:latin typeface="Cambria Math" charset="0"/>
+                          </a:rPr>
+                          <m:t>𝝈</m:t>
+                        </m:r>
+                        <m:r>
+                          <a:rPr lang="en-US" b="1" i="1" smtClean="0">
+                            <a:latin typeface="Cambria Math" charset="0"/>
+                          </a:rPr>
+                          <m:t>(</m:t>
+                        </m:r>
+                        <m:r>
+                          <a:rPr lang="en-US" i="1">
+                            <a:latin typeface="Cambria Math" charset="0"/>
+                          </a:rPr>
+                          <m:t>𝝈</m:t>
+                        </m:r>
+                      </m:e>
+                      <m:sup>
+                        <m:r>
+                          <a:rPr lang="en-US" i="1">
+                            <a:latin typeface="Cambria Math" charset="0"/>
+                          </a:rPr>
+                          <m:t>−</m:t>
+                        </m:r>
+                        <m:r>
+                          <a:rPr lang="en-US" i="1">
+                            <a:latin typeface="Cambria Math" charset="0"/>
+                          </a:rPr>
+                          <m:t>𝟏</m:t>
+                        </m:r>
+                      </m:sup>
+                    </m:sSup>
+                    <m:r>
+                      <a:rPr lang="en-US" i="1">
+                        <a:latin typeface="Cambria Math" charset="0"/>
+                      </a:rPr>
+                      <m:t>(</m:t>
+                    </m:r>
+                    <m:r>
+                      <a:rPr lang="en-US" b="1" i="1" smtClean="0">
+                        <a:solidFill>
+                          <a:srgbClr val="0000FF"/>
+                        </a:solidFill>
+                        <a:latin typeface="Cambria Math" charset="0"/>
+                      </a:rPr>
+                      <m:t>𝝃</m:t>
+                    </m:r>
+                    <m:r>
+                      <a:rPr lang="en-US" i="1">
+                        <a:latin typeface="Cambria Math" charset="0"/>
+                      </a:rPr>
+                      <m:t>)</m:t>
+                    </m:r>
+                    <m:r>
+                      <a:rPr lang="en-US" b="1" i="1" smtClean="0">
+                        <a:latin typeface="Cambria Math" charset="0"/>
+                      </a:rPr>
+                      <m:t>+</m:t>
+                    </m:r>
+                    <m:r>
+                      <a:rPr lang="en-US" b="1" i="1" smtClean="0">
+                        <a:latin typeface="Cambria Math" charset="0"/>
+                      </a:rPr>
+                      <m:t>𝜼</m:t>
+                    </m:r>
+                    <m:r>
+                      <a:rPr lang="en-US" b="1" i="0" smtClean="0">
+                        <a:latin typeface="Cambria Math" charset="0"/>
+                      </a:rPr>
+                      <m:t>)</m:t>
+                    </m:r>
+                  </m:oMath>
+                </a14:m>
+                <a:r>
+                  <a:rPr lang="en-US" dirty="0" smtClean="0"/>
+                  <a:t>  where  </a:t>
+                </a:r>
+                <a14:m>
+                  <m:oMath xmlns:m="http://schemas.openxmlformats.org/officeDocument/2006/math">
+                    <m:r>
+                      <a:rPr lang="en-US" b="1" i="1" smtClean="0">
+                        <a:latin typeface="Cambria Math" charset="0"/>
+                      </a:rPr>
+                      <m:t>𝜼</m:t>
+                    </m:r>
+                    <m:r>
+                      <a:rPr lang="en-US" b="1" i="1" smtClean="0">
+                        <a:latin typeface="Cambria Math" charset="0"/>
+                      </a:rPr>
+                      <m:t> ~ </m:t>
+                    </m:r>
+                    <m:r>
+                      <a:rPr lang="en-US" i="1">
+                        <a:latin typeface="Cambria Math" charset="0"/>
+                        <a:ea typeface="Cambria Math" charset="0"/>
+                        <a:cs typeface="Cambria Math" charset="0"/>
+                      </a:rPr>
+                      <m:t>𝓝</m:t>
+                    </m:r>
+                    <m:r>
+                      <a:rPr lang="en-US" i="1">
+                        <a:latin typeface="Cambria Math" charset="0"/>
+                      </a:rPr>
+                      <m:t>(</m:t>
+                    </m:r>
+                    <m:r>
+                      <a:rPr lang="en-US" i="1">
+                        <a:latin typeface="Cambria Math" charset="0"/>
+                      </a:rPr>
+                      <m:t>𝟎</m:t>
+                    </m:r>
+                    <m:r>
+                      <a:rPr lang="en-US" i="1">
+                        <a:latin typeface="Cambria Math" charset="0"/>
+                      </a:rPr>
+                      <m:t>,</m:t>
+                    </m:r>
+                    <m:r>
+                      <a:rPr lang="en-US" b="1" i="1" smtClean="0">
+                        <a:latin typeface="Cambria Math" charset="0"/>
+                      </a:rPr>
+                      <m:t>.</m:t>
+                    </m:r>
+                    <m:r>
+                      <a:rPr lang="en-US" b="1" i="1" smtClean="0">
+                        <a:latin typeface="Cambria Math" charset="0"/>
+                      </a:rPr>
+                      <m:t>𝟐</m:t>
+                    </m:r>
+                    <m:sSup>
+                      <m:sSupPr>
+                        <m:ctrlPr>
+                          <a:rPr lang="en-US" b="1" i="1" smtClean="0">
+                            <a:latin typeface="Cambria Math" charset="0"/>
+                          </a:rPr>
+                        </m:ctrlPr>
+                      </m:sSupPr>
+                      <m:e>
+                        <m:r>
+                          <a:rPr lang="en-US" b="1" i="1" smtClean="0">
+                            <a:latin typeface="Cambria Math" charset="0"/>
+                          </a:rPr>
+                          <m:t>𝟓</m:t>
+                        </m:r>
+                      </m:e>
+                      <m:sup>
+                        <m:r>
+                          <a:rPr lang="en-US" b="1" i="1" smtClean="0">
+                            <a:latin typeface="Cambria Math" charset="0"/>
+                          </a:rPr>
+                          <m:t>𝟐</m:t>
+                        </m:r>
+                      </m:sup>
+                    </m:sSup>
+                    <m:r>
+                      <a:rPr lang="en-US" i="1">
+                        <a:latin typeface="Cambria Math" charset="0"/>
+                      </a:rPr>
+                      <m:t>)</m:t>
+                    </m:r>
+                  </m:oMath>
+                </a14:m>
+                <a:endParaRPr lang="en-US" dirty="0" smtClean="0"/>
+              </a:p>
+              <a:p>
+                <a:r>
+                  <a:rPr lang="en-US" dirty="0" smtClean="0">
+                    <a:solidFill>
+                      <a:schemeClr val="tx1"/>
+                    </a:solidFill>
+                  </a:rPr>
+                  <a:t>Training objective</a:t>
+                </a:r>
+              </a:p>
+              <a:p>
+                <a:pPr lvl="1"/>
+                <a14:m>
+                  <m:oMath xmlns:m="http://schemas.openxmlformats.org/officeDocument/2006/math">
+                    <m:r>
+                      <a:rPr lang="en-US" b="1" i="1" smtClean="0">
+                        <a:latin typeface="Cambria Math" charset="0"/>
+                      </a:rPr>
+                      <m:t>𝑬</m:t>
+                    </m:r>
+                    <m:r>
+                      <a:rPr lang="en-US" b="1" i="1" smtClean="0">
+                        <a:latin typeface="Cambria Math" charset="0"/>
+                      </a:rPr>
+                      <m:t>=</m:t>
+                    </m:r>
+                    <m:sSup>
+                      <m:sSupPr>
+                        <m:ctrlPr>
+                          <a:rPr lang="en-US" i="1">
+                            <a:latin typeface="Cambria Math" charset="0"/>
+                          </a:rPr>
+                        </m:ctrlPr>
+                      </m:sSupPr>
+                      <m:e>
+                        <m:d>
+                          <m:dPr>
+                            <m:begChr m:val="|"/>
+                            <m:endChr m:val="|"/>
+                            <m:ctrlPr>
+                              <a:rPr lang="hr-HR" i="1">
+                                <a:latin typeface="Cambria Math" charset="0"/>
+                              </a:rPr>
+                            </m:ctrlPr>
+                          </m:dPr>
+                          <m:e>
+                            <m:sSub>
+                              <m:sSubPr>
+                                <m:ctrlPr>
+                                  <a:rPr lang="en-US" b="1" i="1" smtClean="0">
+                                    <a:solidFill>
+                                      <a:srgbClr val="7030A0"/>
+                                    </a:solidFill>
+                                    <a:latin typeface="Cambria Math" charset="0"/>
+                                  </a:rPr>
+                                </m:ctrlPr>
+                              </m:sSubPr>
+                              <m:e>
+                                <m:r>
+                                  <a:rPr lang="en-US" b="1" i="1" smtClean="0">
+                                    <a:solidFill>
+                                      <a:srgbClr val="7030A0"/>
+                                    </a:solidFill>
+                                    <a:latin typeface="Cambria Math" charset="0"/>
+                                  </a:rPr>
+                                  <m:t>𝒂</m:t>
+                                </m:r>
+                              </m:e>
+                              <m:sub>
+                                <m:r>
+                                  <a:rPr lang="en-US" b="1" i="1" smtClean="0">
+                                    <a:solidFill>
+                                      <a:srgbClr val="7030A0"/>
+                                    </a:solidFill>
+                                    <a:latin typeface="Cambria Math" charset="0"/>
+                                  </a:rPr>
+                                  <m:t>∞</m:t>
+                                </m:r>
+                              </m:sub>
+                            </m:sSub>
+                            <m:r>
+                              <a:rPr lang="en-US" i="1">
+                                <a:latin typeface="Cambria Math" charset="0"/>
+                              </a:rPr>
+                              <m:t>−</m:t>
+                            </m:r>
+                            <m:r>
+                              <a:rPr lang="en-US" b="1" i="1" smtClean="0">
+                                <a:solidFill>
+                                  <a:srgbClr val="0000FF"/>
+                                </a:solidFill>
+                                <a:latin typeface="Cambria Math" charset="0"/>
+                              </a:rPr>
+                              <m:t>𝝃</m:t>
+                            </m:r>
+                          </m:e>
+                        </m:d>
+                      </m:e>
+                      <m:sup>
+                        <m:r>
+                          <a:rPr lang="en-US" i="1">
+                            <a:latin typeface="Cambria Math" charset="0"/>
+                          </a:rPr>
+                          <m:t>𝟐</m:t>
+                        </m:r>
+                      </m:sup>
+                    </m:sSup>
+                    <m:r>
+                      <a:rPr lang="en-US" b="1" i="1" smtClean="0">
+                        <a:latin typeface="Cambria Math" charset="0"/>
+                      </a:rPr>
+                      <m:t>/</m:t>
+                    </m:r>
+                    <m:sSup>
+                      <m:sSupPr>
+                        <m:ctrlPr>
+                          <a:rPr lang="en-US" i="1">
+                            <a:latin typeface="Cambria Math" charset="0"/>
+                          </a:rPr>
+                        </m:ctrlPr>
+                      </m:sSupPr>
+                      <m:e>
+                        <m:d>
+                          <m:dPr>
+                            <m:begChr m:val="|"/>
+                            <m:endChr m:val="|"/>
+                            <m:ctrlPr>
+                              <a:rPr lang="hr-HR" i="1">
+                                <a:latin typeface="Cambria Math" charset="0"/>
+                              </a:rPr>
+                            </m:ctrlPr>
+                          </m:dPr>
+                          <m:e>
+                            <m:r>
+                              <a:rPr lang="en-US" b="1" i="1" smtClean="0">
+                                <a:solidFill>
+                                  <a:srgbClr val="C00000"/>
+                                </a:solidFill>
+                                <a:latin typeface="Cambria Math" charset="0"/>
+                              </a:rPr>
+                              <m:t>𝒙</m:t>
+                            </m:r>
+                            <m:r>
+                              <a:rPr lang="en-US" i="1">
+                                <a:latin typeface="Cambria Math" charset="0"/>
+                              </a:rPr>
+                              <m:t>−</m:t>
+                            </m:r>
+                            <m:r>
+                              <a:rPr lang="en-US" i="1">
+                                <a:solidFill>
+                                  <a:srgbClr val="0000FF"/>
+                                </a:solidFill>
+                                <a:latin typeface="Cambria Math" charset="0"/>
+                              </a:rPr>
+                              <m:t>𝝃</m:t>
+                            </m:r>
+                          </m:e>
+                        </m:d>
+                      </m:e>
+                      <m:sup>
+                        <m:r>
+                          <a:rPr lang="en-US" i="1">
+                            <a:latin typeface="Cambria Math" charset="0"/>
+                          </a:rPr>
+                          <m:t>𝟐</m:t>
+                        </m:r>
+                      </m:sup>
+                    </m:sSup>
+                  </m:oMath>
+                </a14:m>
+                <a:endParaRPr lang="en-US" dirty="0"/>
+              </a:p>
+              <a:p>
+                <a:pPr lvl="1"/>
+                <a:endParaRPr lang="en-US" dirty="0"/>
+              </a:p>
+            </p:txBody>
+          </p:sp>
+        </mc:Choice>
+        <mc:Fallback>
+          <p:sp>
+            <p:nvSpPr>
+              <p:cNvPr id="3" name="Content Placeholder 2"/>
+              <p:cNvSpPr>
+                <a:spLocks noGrp="1" noRot="1" noChangeAspect="1" noMove="1" noResize="1" noEditPoints="1" noAdjustHandles="1" noChangeArrowheads="1" noChangeShapeType="1" noTextEdit="1"/>
+              </p:cNvSpPr>
+              <p:nvPr>
+                <p:ph idx="1"/>
+              </p:nvPr>
+            </p:nvSpPr>
+            <p:spPr>
+              <a:blipFill rotWithShape="0">
+                <a:blip r:embed="rId2"/>
+                <a:stretch>
+                  <a:fillRect l="-164" t="-1026"/>
+                </a:stretch>
+              </a:blipFill>
+            </p:spPr>
+            <p:txBody>
+              <a:bodyPr/>
+              <a:lstStyle/>
+              <a:p>
+                <a:r>
+                  <a:rPr lang="en-US">
+                    <a:noFill/>
+                  </a:rPr>
+                  <a:t> </a:t>
+                </a:r>
+              </a:p>
+            </p:txBody>
+          </p:sp>
+        </mc:Fallback>
+      </mc:AlternateContent>
+      <p:grpSp>
+        <p:nvGrpSpPr>
+          <p:cNvPr id="77" name="Group 76"/>
+          <p:cNvGrpSpPr/>
+          <p:nvPr/>
+        </p:nvGrpSpPr>
+        <p:grpSpPr>
+          <a:xfrm>
+            <a:off x="4983974" y="3303485"/>
+            <a:ext cx="2266500" cy="2645263"/>
+            <a:chOff x="12287600" y="3288759"/>
+            <a:chExt cx="2266500" cy="2645252"/>
+          </a:xfrm>
+        </p:grpSpPr>
+        <p:grpSp>
+          <p:nvGrpSpPr>
+            <p:cNvPr id="4" name="Group 3"/>
+            <p:cNvGrpSpPr/>
+            <p:nvPr/>
+          </p:nvGrpSpPr>
+          <p:grpSpPr>
+            <a:xfrm>
+              <a:off x="12299424" y="5576645"/>
+              <a:ext cx="1755761" cy="357366"/>
+              <a:chOff x="5838484" y="4644073"/>
+              <a:chExt cx="2169328" cy="441544"/>
+            </a:xfrm>
+          </p:grpSpPr>
+          <p:sp>
+            <p:nvSpPr>
+              <p:cNvPr id="5" name="Oval 4"/>
+              <p:cNvSpPr/>
+              <p:nvPr/>
+            </p:nvSpPr>
+            <p:spPr>
+              <a:xfrm>
+                <a:off x="6305845" y="4677248"/>
+                <a:ext cx="365663" cy="365663"/>
+              </a:xfrm>
+              <a:prstGeom prst="ellipse">
+                <a:avLst/>
+              </a:prstGeom>
+              <a:noFill/>
+              <a:ln w="25400">
+                <a:solidFill>
+                  <a:srgbClr val="C00000"/>
+                </a:solidFill>
+              </a:ln>
+            </p:spPr>
+            <p:style>
+              <a:lnRef idx="2">
+                <a:schemeClr val="accent1">
+                  <a:shade val="50000"/>
+                </a:schemeClr>
+              </a:lnRef>
+              <a:fillRef idx="1">
+                <a:schemeClr val="accent1"/>
+              </a:fillRef>
+              <a:effectRef idx="0">
+                <a:schemeClr val="accent1"/>
+              </a:effectRef>
+              <a:fontRef idx="minor">
+                <a:schemeClr val="lt1"/>
+              </a:fontRef>
+            </p:style>
+            <p:txBody>
+              <a:bodyPr rtlCol="0" anchor="ctr"/>
+              <a:lstStyle/>
+              <a:p>
+                <a:pPr algn="ctr"/>
+                <a:endParaRPr lang="en-US">
+                  <a:solidFill>
+                    <a:schemeClr val="tx1"/>
+                  </a:solidFill>
+                </a:endParaRPr>
+              </a:p>
+            </p:txBody>
+          </p:sp>
+          <p:sp>
+            <p:nvSpPr>
+              <p:cNvPr id="6" name="Oval 5"/>
+              <p:cNvSpPr/>
+              <p:nvPr/>
+            </p:nvSpPr>
+            <p:spPr>
+              <a:xfrm>
+                <a:off x="6738431" y="4677248"/>
+                <a:ext cx="365663" cy="365663"/>
+              </a:xfrm>
+              <a:prstGeom prst="ellipse">
+                <a:avLst/>
+              </a:prstGeom>
+              <a:noFill/>
+              <a:ln w="25400">
+                <a:solidFill>
+                  <a:srgbClr val="C00000"/>
+                </a:solidFill>
+              </a:ln>
+            </p:spPr>
+            <p:style>
+              <a:lnRef idx="2">
+                <a:schemeClr val="accent1">
+                  <a:shade val="50000"/>
+                </a:schemeClr>
+              </a:lnRef>
+              <a:fillRef idx="1">
+                <a:schemeClr val="accent1"/>
+              </a:fillRef>
+              <a:effectRef idx="0">
+                <a:schemeClr val="accent1"/>
+              </a:effectRef>
+              <a:fontRef idx="minor">
+                <a:schemeClr val="lt1"/>
+              </a:fontRef>
+            </p:style>
+            <p:txBody>
+              <a:bodyPr rtlCol="0" anchor="ctr"/>
+              <a:lstStyle/>
+              <a:p>
+                <a:pPr algn="ctr"/>
+                <a:endParaRPr lang="en-US">
+                  <a:solidFill>
+                    <a:schemeClr val="tx1"/>
+                  </a:solidFill>
+                </a:endParaRPr>
+              </a:p>
+            </p:txBody>
+          </p:sp>
+          <p:sp>
+            <p:nvSpPr>
+              <p:cNvPr id="7" name="Oval 6"/>
+              <p:cNvSpPr/>
+              <p:nvPr/>
+            </p:nvSpPr>
+            <p:spPr>
+              <a:xfrm>
+                <a:off x="7171017" y="4677260"/>
+                <a:ext cx="365663" cy="365664"/>
+              </a:xfrm>
+              <a:prstGeom prst="ellipse">
+                <a:avLst/>
+              </a:prstGeom>
+              <a:noFill/>
+              <a:ln w="25400">
+                <a:solidFill>
+                  <a:srgbClr val="C00000"/>
+                </a:solidFill>
+              </a:ln>
+            </p:spPr>
+            <p:style>
+              <a:lnRef idx="2">
+                <a:schemeClr val="accent1">
+                  <a:shade val="50000"/>
+                </a:schemeClr>
+              </a:lnRef>
+              <a:fillRef idx="1">
+                <a:schemeClr val="accent1"/>
+              </a:fillRef>
+              <a:effectRef idx="0">
+                <a:schemeClr val="accent1"/>
+              </a:effectRef>
+              <a:fontRef idx="minor">
+                <a:schemeClr val="lt1"/>
+              </a:fontRef>
+            </p:style>
+            <p:txBody>
+              <a:bodyPr rtlCol="0" anchor="ctr"/>
+              <a:lstStyle/>
+              <a:p>
+                <a:pPr algn="ctr"/>
+                <a:endParaRPr lang="en-US">
+                  <a:solidFill>
+                    <a:schemeClr val="tx1"/>
+                  </a:solidFill>
+                </a:endParaRPr>
+              </a:p>
+            </p:txBody>
+          </p:sp>
+          <p:sp>
+            <p:nvSpPr>
+              <p:cNvPr id="8" name="Oval 7"/>
+              <p:cNvSpPr/>
+              <p:nvPr/>
+            </p:nvSpPr>
+            <p:spPr>
+              <a:xfrm>
+                <a:off x="7603603" y="4677248"/>
+                <a:ext cx="365663" cy="365663"/>
+              </a:xfrm>
+              <a:prstGeom prst="ellipse">
+                <a:avLst/>
+              </a:prstGeom>
+              <a:noFill/>
+              <a:ln w="25400">
+                <a:solidFill>
+                  <a:srgbClr val="C00000"/>
+                </a:solidFill>
+              </a:ln>
+            </p:spPr>
+            <p:style>
+              <a:lnRef idx="2">
+                <a:schemeClr val="accent1">
+                  <a:shade val="50000"/>
+                </a:schemeClr>
+              </a:lnRef>
+              <a:fillRef idx="1">
+                <a:schemeClr val="accent1"/>
+              </a:fillRef>
+              <a:effectRef idx="0">
+                <a:schemeClr val="accent1"/>
+              </a:effectRef>
+              <a:fontRef idx="minor">
+                <a:schemeClr val="lt1"/>
+              </a:fontRef>
+            </p:style>
+            <p:txBody>
+              <a:bodyPr rtlCol="0" anchor="ctr"/>
+              <a:lstStyle/>
+              <a:p>
+                <a:pPr algn="ctr"/>
+                <a:endParaRPr lang="en-US">
+                  <a:solidFill>
+                    <a:schemeClr val="tx1"/>
+                  </a:solidFill>
+                </a:endParaRPr>
+              </a:p>
+            </p:txBody>
+          </p:sp>
+          <p:sp>
+            <p:nvSpPr>
+              <p:cNvPr id="9" name="Oval 8"/>
+              <p:cNvSpPr/>
+              <p:nvPr/>
+            </p:nvSpPr>
+            <p:spPr>
+              <a:xfrm>
+                <a:off x="5873259" y="4677248"/>
+                <a:ext cx="365663" cy="365663"/>
+              </a:xfrm>
+              <a:prstGeom prst="ellipse">
+                <a:avLst/>
+              </a:prstGeom>
+              <a:noFill/>
+              <a:ln w="25400">
+                <a:solidFill>
+                  <a:srgbClr val="C00000"/>
+                </a:solidFill>
+              </a:ln>
+            </p:spPr>
+            <p:style>
+              <a:lnRef idx="2">
+                <a:schemeClr val="accent1">
+                  <a:shade val="50000"/>
+                </a:schemeClr>
+              </a:lnRef>
+              <a:fillRef idx="1">
+                <a:schemeClr val="accent1"/>
+              </a:fillRef>
+              <a:effectRef idx="0">
+                <a:schemeClr val="accent1"/>
+              </a:effectRef>
+              <a:fontRef idx="minor">
+                <a:schemeClr val="lt1"/>
+              </a:fontRef>
+            </p:style>
+            <p:txBody>
+              <a:bodyPr rtlCol="0" anchor="ctr"/>
+              <a:lstStyle/>
+              <a:p>
+                <a:pPr algn="ctr"/>
+                <a:endParaRPr lang="en-US">
+                  <a:solidFill>
+                    <a:schemeClr val="tx1"/>
+                  </a:solidFill>
+                </a:endParaRPr>
+              </a:p>
+            </p:txBody>
+          </p:sp>
+          <p:sp>
+            <p:nvSpPr>
+              <p:cNvPr id="10" name="Rectangle 9"/>
+              <p:cNvSpPr/>
+              <p:nvPr/>
+            </p:nvSpPr>
+            <p:spPr>
+              <a:xfrm>
+                <a:off x="5838484" y="4644073"/>
+                <a:ext cx="2169328" cy="441544"/>
+              </a:xfrm>
+              <a:prstGeom prst="rect">
+                <a:avLst/>
+              </a:prstGeom>
+              <a:noFill/>
+              <a:ln w="25400">
+                <a:solidFill>
+                  <a:srgbClr val="C00000"/>
+                </a:solidFill>
+              </a:ln>
+            </p:spPr>
+            <p:style>
+              <a:lnRef idx="2">
+                <a:schemeClr val="accent1">
+                  <a:shade val="50000"/>
+                </a:schemeClr>
+              </a:lnRef>
+              <a:fillRef idx="1">
+                <a:schemeClr val="accent1"/>
+              </a:fillRef>
+              <a:effectRef idx="0">
+                <a:schemeClr val="accent1"/>
+              </a:effectRef>
+              <a:fontRef idx="minor">
+                <a:schemeClr val="lt1"/>
+              </a:fontRef>
+            </p:style>
+            <p:txBody>
+              <a:bodyPr rtlCol="0" anchor="ctr"/>
+              <a:lstStyle/>
+              <a:p>
+                <a:pPr algn="ctr"/>
+                <a:endParaRPr lang="en-US">
+                  <a:solidFill>
+                    <a:schemeClr val="tx1"/>
+                  </a:solidFill>
+                </a:endParaRPr>
+              </a:p>
+            </p:txBody>
+          </p:sp>
+        </p:grpSp>
+        <p:cxnSp>
+          <p:nvCxnSpPr>
+            <p:cNvPr id="11" name="Straight Arrow Connector 10"/>
+            <p:cNvCxnSpPr>
+              <a:stCxn id="10" idx="0"/>
+              <a:endCxn id="15" idx="4"/>
+            </p:cNvCxnSpPr>
+            <p:nvPr/>
+          </p:nvCxnSpPr>
+          <p:spPr>
+            <a:xfrm flipH="1" flipV="1">
+              <a:off x="13163954" y="3919618"/>
+              <a:ext cx="13351" cy="1657037"/>
+            </a:xfrm>
+            <a:prstGeom prst="straightConnector1">
+              <a:avLst/>
+            </a:prstGeom>
+            <a:ln w="50800">
+              <a:solidFill>
+                <a:srgbClr val="C00000"/>
+              </a:solidFill>
+              <a:tailEnd type="triangle"/>
+            </a:ln>
+            <a:effectLst/>
+          </p:spPr>
+          <p:style>
+            <a:lnRef idx="2">
+              <a:schemeClr val="accent1"/>
+            </a:lnRef>
+            <a:fillRef idx="0">
+              <a:schemeClr val="accent1"/>
+            </a:fillRef>
+            <a:effectRef idx="1">
+              <a:schemeClr val="accent1"/>
+            </a:effectRef>
+            <a:fontRef idx="minor">
+              <a:schemeClr val="tx1"/>
+            </a:fontRef>
+          </p:style>
+        </p:cxnSp>
+        <p:cxnSp>
+          <p:nvCxnSpPr>
+            <p:cNvPr id="12" name="Straight Arrow Connector 11"/>
+            <p:cNvCxnSpPr>
+              <a:stCxn id="15" idx="0"/>
+            </p:cNvCxnSpPr>
+            <p:nvPr/>
+          </p:nvCxnSpPr>
+          <p:spPr>
+            <a:xfrm flipV="1">
+              <a:off x="13163954" y="3288759"/>
+              <a:ext cx="0" cy="334907"/>
+            </a:xfrm>
+            <a:prstGeom prst="straightConnector1">
+              <a:avLst/>
+            </a:prstGeom>
+            <a:ln w="50800">
+              <a:solidFill>
+                <a:srgbClr val="7030A0"/>
+              </a:solidFill>
+              <a:tailEnd type="triangle"/>
+            </a:ln>
+            <a:effectLst/>
+          </p:spPr>
+          <p:style>
+            <a:lnRef idx="2">
+              <a:schemeClr val="accent1"/>
+            </a:lnRef>
+            <a:fillRef idx="0">
+              <a:schemeClr val="accent1"/>
+            </a:fillRef>
+            <a:effectRef idx="1">
+              <a:schemeClr val="accent1"/>
+            </a:effectRef>
+            <a:fontRef idx="minor">
+              <a:schemeClr val="tx1"/>
+            </a:fontRef>
+          </p:style>
+        </p:cxnSp>
+        <p:grpSp>
+          <p:nvGrpSpPr>
+            <p:cNvPr id="71" name="Group 70"/>
+            <p:cNvGrpSpPr/>
+            <p:nvPr/>
+          </p:nvGrpSpPr>
+          <p:grpSpPr>
+            <a:xfrm>
+              <a:off x="12287600" y="3594784"/>
+              <a:ext cx="2266500" cy="359399"/>
+              <a:chOff x="4874465" y="4696004"/>
+              <a:chExt cx="2266500" cy="359399"/>
+            </a:xfrm>
+          </p:grpSpPr>
+          <p:grpSp>
+            <p:nvGrpSpPr>
+              <p:cNvPr id="13" name="Group 12"/>
+              <p:cNvGrpSpPr/>
+              <p:nvPr/>
+            </p:nvGrpSpPr>
+            <p:grpSpPr>
+              <a:xfrm>
+                <a:off x="4874465" y="4698036"/>
+                <a:ext cx="1755761" cy="357367"/>
+                <a:chOff x="5838484" y="3917173"/>
+                <a:chExt cx="2169328" cy="441544"/>
+              </a:xfrm>
+            </p:grpSpPr>
+            <p:sp>
+              <p:nvSpPr>
+                <p:cNvPr id="14" name="Oval 13"/>
+                <p:cNvSpPr/>
+                <p:nvPr/>
+              </p:nvSpPr>
+              <p:spPr>
+                <a:xfrm>
+                  <a:off x="6305845" y="3950348"/>
+                  <a:ext cx="365663" cy="365663"/>
+                </a:xfrm>
+                <a:prstGeom prst="ellipse">
+                  <a:avLst/>
+                </a:prstGeom>
+                <a:noFill/>
+                <a:ln w="25400">
+                  <a:solidFill>
+                    <a:srgbClr val="7030A0"/>
+                  </a:solidFill>
+                </a:ln>
+              </p:spPr>
+              <p:style>
+                <a:lnRef idx="2">
+                  <a:schemeClr val="accent1">
+                    <a:shade val="50000"/>
+                  </a:schemeClr>
+                </a:lnRef>
+                <a:fillRef idx="1">
+                  <a:schemeClr val="accent1"/>
+                </a:fillRef>
+                <a:effectRef idx="0">
+                  <a:schemeClr val="accent1"/>
+                </a:effectRef>
+                <a:fontRef idx="minor">
+                  <a:schemeClr val="lt1"/>
+                </a:fontRef>
+              </p:style>
+              <p:txBody>
+                <a:bodyPr rtlCol="0" anchor="ctr"/>
+                <a:lstStyle/>
+                <a:p>
+                  <a:pPr algn="ctr"/>
+                  <a:endParaRPr lang="en-US">
+                    <a:solidFill>
+                      <a:schemeClr val="tx1"/>
+                    </a:solidFill>
+                  </a:endParaRPr>
+                </a:p>
+              </p:txBody>
+            </p:sp>
+            <p:sp>
+              <p:nvSpPr>
+                <p:cNvPr id="15" name="Oval 14"/>
+                <p:cNvSpPr/>
+                <p:nvPr/>
+              </p:nvSpPr>
+              <p:spPr>
+                <a:xfrm>
+                  <a:off x="6738431" y="3950348"/>
+                  <a:ext cx="365663" cy="365663"/>
+                </a:xfrm>
+                <a:prstGeom prst="ellipse">
+                  <a:avLst/>
+                </a:prstGeom>
+                <a:noFill/>
+                <a:ln w="25400">
+                  <a:solidFill>
+                    <a:srgbClr val="7030A0"/>
+                  </a:solidFill>
+                </a:ln>
+              </p:spPr>
+              <p:style>
+                <a:lnRef idx="2">
+                  <a:schemeClr val="accent1">
+                    <a:shade val="50000"/>
+                  </a:schemeClr>
+                </a:lnRef>
+                <a:fillRef idx="1">
+                  <a:schemeClr val="accent1"/>
+                </a:fillRef>
+                <a:effectRef idx="0">
+                  <a:schemeClr val="accent1"/>
+                </a:effectRef>
+                <a:fontRef idx="minor">
+                  <a:schemeClr val="lt1"/>
+                </a:fontRef>
+              </p:style>
+              <p:txBody>
+                <a:bodyPr rtlCol="0" anchor="ctr"/>
+                <a:lstStyle/>
+                <a:p>
+                  <a:pPr algn="ctr"/>
+                  <a:endParaRPr lang="en-US">
+                    <a:solidFill>
+                      <a:schemeClr val="tx1"/>
+                    </a:solidFill>
+                  </a:endParaRPr>
+                </a:p>
+              </p:txBody>
+            </p:sp>
+            <p:sp>
+              <p:nvSpPr>
+                <p:cNvPr id="16" name="Oval 15"/>
+                <p:cNvSpPr/>
+                <p:nvPr/>
+              </p:nvSpPr>
+              <p:spPr>
+                <a:xfrm>
+                  <a:off x="7171017" y="3950348"/>
+                  <a:ext cx="365663" cy="365663"/>
+                </a:xfrm>
+                <a:prstGeom prst="ellipse">
+                  <a:avLst/>
+                </a:prstGeom>
+                <a:noFill/>
+                <a:ln w="25400">
+                  <a:solidFill>
+                    <a:srgbClr val="7030A0"/>
+                  </a:solidFill>
+                </a:ln>
+              </p:spPr>
+              <p:style>
+                <a:lnRef idx="2">
+                  <a:schemeClr val="accent1">
+                    <a:shade val="50000"/>
+                  </a:schemeClr>
+                </a:lnRef>
+                <a:fillRef idx="1">
+                  <a:schemeClr val="accent1"/>
+                </a:fillRef>
+                <a:effectRef idx="0">
+                  <a:schemeClr val="accent1"/>
+                </a:effectRef>
+                <a:fontRef idx="minor">
+                  <a:schemeClr val="lt1"/>
+                </a:fontRef>
+              </p:style>
+              <p:txBody>
+                <a:bodyPr rtlCol="0" anchor="ctr"/>
+                <a:lstStyle/>
+                <a:p>
+                  <a:pPr algn="ctr"/>
+                  <a:endParaRPr lang="en-US">
+                    <a:solidFill>
+                      <a:schemeClr val="tx1"/>
+                    </a:solidFill>
+                  </a:endParaRPr>
+                </a:p>
+              </p:txBody>
+            </p:sp>
+            <p:sp>
+              <p:nvSpPr>
+                <p:cNvPr id="17" name="Oval 16"/>
+                <p:cNvSpPr/>
+                <p:nvPr/>
+              </p:nvSpPr>
+              <p:spPr>
+                <a:xfrm>
+                  <a:off x="7603603" y="3950348"/>
+                  <a:ext cx="365663" cy="365663"/>
+                </a:xfrm>
+                <a:prstGeom prst="ellipse">
+                  <a:avLst/>
+                </a:prstGeom>
+                <a:noFill/>
+                <a:ln w="25400">
+                  <a:solidFill>
+                    <a:srgbClr val="7030A0"/>
+                  </a:solidFill>
+                </a:ln>
+              </p:spPr>
+              <p:style>
+                <a:lnRef idx="2">
+                  <a:schemeClr val="accent1">
+                    <a:shade val="50000"/>
+                  </a:schemeClr>
+                </a:lnRef>
+                <a:fillRef idx="1">
+                  <a:schemeClr val="accent1"/>
+                </a:fillRef>
+                <a:effectRef idx="0">
+                  <a:schemeClr val="accent1"/>
+                </a:effectRef>
+                <a:fontRef idx="minor">
+                  <a:schemeClr val="lt1"/>
+                </a:fontRef>
+              </p:style>
+              <p:txBody>
+                <a:bodyPr rtlCol="0" anchor="ctr"/>
+                <a:lstStyle/>
+                <a:p>
+                  <a:pPr algn="ctr"/>
+                  <a:endParaRPr lang="en-US">
+                    <a:solidFill>
+                      <a:schemeClr val="tx1"/>
+                    </a:solidFill>
+                  </a:endParaRPr>
+                </a:p>
+              </p:txBody>
+            </p:sp>
+            <p:sp>
+              <p:nvSpPr>
+                <p:cNvPr id="18" name="Oval 17"/>
+                <p:cNvSpPr/>
+                <p:nvPr/>
+              </p:nvSpPr>
+              <p:spPr>
+                <a:xfrm>
+                  <a:off x="5873259" y="3950348"/>
+                  <a:ext cx="365663" cy="365663"/>
+                </a:xfrm>
+                <a:prstGeom prst="ellipse">
+                  <a:avLst/>
+                </a:prstGeom>
+                <a:noFill/>
+                <a:ln w="25400">
+                  <a:solidFill>
+                    <a:srgbClr val="7030A0"/>
+                  </a:solidFill>
+                </a:ln>
+              </p:spPr>
+              <p:style>
+                <a:lnRef idx="2">
+                  <a:schemeClr val="accent1">
+                    <a:shade val="50000"/>
+                  </a:schemeClr>
+                </a:lnRef>
+                <a:fillRef idx="1">
+                  <a:schemeClr val="accent1"/>
+                </a:fillRef>
+                <a:effectRef idx="0">
+                  <a:schemeClr val="accent1"/>
+                </a:effectRef>
+                <a:fontRef idx="minor">
+                  <a:schemeClr val="lt1"/>
+                </a:fontRef>
+              </p:style>
+              <p:txBody>
+                <a:bodyPr rtlCol="0" anchor="ctr"/>
+                <a:lstStyle/>
+                <a:p>
+                  <a:pPr algn="ctr"/>
+                  <a:endParaRPr lang="en-US">
+                    <a:solidFill>
+                      <a:schemeClr val="tx1"/>
+                    </a:solidFill>
+                  </a:endParaRPr>
+                </a:p>
+              </p:txBody>
+            </p:sp>
+            <p:sp>
+              <p:nvSpPr>
+                <p:cNvPr id="19" name="Rectangle 18"/>
+                <p:cNvSpPr/>
+                <p:nvPr/>
+              </p:nvSpPr>
+              <p:spPr>
+                <a:xfrm>
+                  <a:off x="5838484" y="3917173"/>
+                  <a:ext cx="2169328" cy="441544"/>
+                </a:xfrm>
+                <a:prstGeom prst="rect">
+                  <a:avLst/>
+                </a:prstGeom>
+                <a:noFill/>
+                <a:ln w="25400">
+                  <a:solidFill>
+                    <a:srgbClr val="7030A0"/>
+                  </a:solidFill>
+                </a:ln>
+              </p:spPr>
+              <p:style>
+                <a:lnRef idx="2">
+                  <a:schemeClr val="accent1">
+                    <a:shade val="50000"/>
+                  </a:schemeClr>
+                </a:lnRef>
+                <a:fillRef idx="1">
+                  <a:schemeClr val="accent1"/>
+                </a:fillRef>
+                <a:effectRef idx="0">
+                  <a:schemeClr val="accent1"/>
+                </a:effectRef>
+                <a:fontRef idx="minor">
+                  <a:schemeClr val="lt1"/>
+                </a:fontRef>
+              </p:style>
+              <p:txBody>
+                <a:bodyPr rtlCol="0" anchor="ctr"/>
+                <a:lstStyle/>
+                <a:p>
+                  <a:pPr algn="ctr"/>
+                  <a:endParaRPr lang="en-US">
+                    <a:solidFill>
+                      <a:schemeClr val="tx1"/>
+                    </a:solidFill>
+                  </a:endParaRPr>
+                </a:p>
+              </p:txBody>
+            </p:sp>
+          </p:grpSp>
+          <p:sp>
+            <p:nvSpPr>
+              <p:cNvPr id="20" name="Curved Left Arrow 19"/>
+              <p:cNvSpPr/>
+              <p:nvPr/>
+            </p:nvSpPr>
+            <p:spPr>
+              <a:xfrm>
+                <a:off x="6653194" y="4696004"/>
+                <a:ext cx="487771" cy="359399"/>
+              </a:xfrm>
+              <a:prstGeom prst="curvedLeftArrow">
+                <a:avLst>
+                  <a:gd name="adj1" fmla="val 14052"/>
+                  <a:gd name="adj2" fmla="val 50000"/>
+                  <a:gd name="adj3" fmla="val 23783"/>
+                </a:avLst>
+              </a:prstGeom>
+              <a:solidFill>
+                <a:srgbClr val="00B2B2"/>
+              </a:solidFill>
+              <a:ln w="25400">
+                <a:solidFill>
+                  <a:srgbClr val="00C6BA"/>
+                </a:solidFill>
+              </a:ln>
+            </p:spPr>
+            <p:style>
+              <a:lnRef idx="2">
+                <a:schemeClr val="accent1">
+                  <a:shade val="50000"/>
+                </a:schemeClr>
+              </a:lnRef>
+              <a:fillRef idx="1">
+                <a:schemeClr val="accent1"/>
+              </a:fillRef>
+              <a:effectRef idx="0">
+                <a:schemeClr val="accent1"/>
+              </a:effectRef>
+              <a:fontRef idx="minor">
+                <a:schemeClr val="lt1"/>
+              </a:fontRef>
+            </p:style>
+            <p:txBody>
+              <a:bodyPr rtlCol="0" anchor="ctr"/>
+              <a:lstStyle/>
+              <a:p>
+                <a:pPr algn="ctr"/>
+                <a:endParaRPr lang="en-US">
+                  <a:solidFill>
+                    <a:schemeClr val="tx1"/>
+                  </a:solidFill>
+                </a:endParaRPr>
+              </a:p>
+            </p:txBody>
+          </p:sp>
+        </p:grpSp>
+      </p:grpSp>
+      <p:grpSp>
+        <p:nvGrpSpPr>
+          <p:cNvPr id="80" name="Group 79"/>
+          <p:cNvGrpSpPr/>
+          <p:nvPr/>
+        </p:nvGrpSpPr>
+        <p:grpSpPr>
+          <a:xfrm>
+            <a:off x="8128028" y="3600082"/>
+            <a:ext cx="4063972" cy="2993258"/>
+            <a:chOff x="8128028" y="3600082"/>
+            <a:chExt cx="4063972" cy="2993258"/>
+          </a:xfrm>
+        </p:grpSpPr>
+        <p:grpSp>
+          <p:nvGrpSpPr>
+            <p:cNvPr id="23" name="Group 22"/>
+            <p:cNvGrpSpPr/>
+            <p:nvPr/>
+          </p:nvGrpSpPr>
+          <p:grpSpPr>
+            <a:xfrm>
+              <a:off x="9480007" y="5575466"/>
+              <a:ext cx="1755761" cy="357367"/>
+              <a:chOff x="5838484" y="4644073"/>
+              <a:chExt cx="2169328" cy="441544"/>
+            </a:xfrm>
+          </p:grpSpPr>
+          <p:sp>
+            <p:nvSpPr>
+              <p:cNvPr id="50" name="Oval 49"/>
+              <p:cNvSpPr/>
+              <p:nvPr/>
+            </p:nvSpPr>
+            <p:spPr>
+              <a:xfrm>
+                <a:off x="6305845" y="4677248"/>
+                <a:ext cx="365663" cy="365663"/>
+              </a:xfrm>
+              <a:prstGeom prst="ellipse">
+                <a:avLst/>
+              </a:prstGeom>
+              <a:noFill/>
+              <a:ln w="25400">
+                <a:solidFill>
+                  <a:srgbClr val="C00000"/>
+                </a:solidFill>
+              </a:ln>
+            </p:spPr>
+            <p:style>
+              <a:lnRef idx="2">
+                <a:schemeClr val="accent1">
+                  <a:shade val="50000"/>
+                </a:schemeClr>
+              </a:lnRef>
+              <a:fillRef idx="1">
+                <a:schemeClr val="accent1"/>
+              </a:fillRef>
+              <a:effectRef idx="0">
+                <a:schemeClr val="accent1"/>
+              </a:effectRef>
+              <a:fontRef idx="minor">
+                <a:schemeClr val="lt1"/>
+              </a:fontRef>
+            </p:style>
+            <p:txBody>
+              <a:bodyPr rtlCol="0" anchor="ctr"/>
+              <a:lstStyle/>
+              <a:p>
+                <a:pPr algn="ctr"/>
+                <a:endParaRPr lang="en-US">
+                  <a:solidFill>
+                    <a:schemeClr val="tx1"/>
+                  </a:solidFill>
+                </a:endParaRPr>
+              </a:p>
+            </p:txBody>
+          </p:sp>
+          <p:sp>
+            <p:nvSpPr>
+              <p:cNvPr id="51" name="Oval 50"/>
+              <p:cNvSpPr/>
+              <p:nvPr/>
+            </p:nvSpPr>
+            <p:spPr>
+              <a:xfrm>
+                <a:off x="6738431" y="4677248"/>
+                <a:ext cx="365663" cy="365663"/>
+              </a:xfrm>
+              <a:prstGeom prst="ellipse">
+                <a:avLst/>
+              </a:prstGeom>
+              <a:noFill/>
+              <a:ln w="25400">
+                <a:solidFill>
+                  <a:srgbClr val="C00000"/>
+                </a:solidFill>
+              </a:ln>
+            </p:spPr>
+            <p:style>
+              <a:lnRef idx="2">
+                <a:schemeClr val="accent1">
+                  <a:shade val="50000"/>
+                </a:schemeClr>
+              </a:lnRef>
+              <a:fillRef idx="1">
+                <a:schemeClr val="accent1"/>
+              </a:fillRef>
+              <a:effectRef idx="0">
+                <a:schemeClr val="accent1"/>
+              </a:effectRef>
+              <a:fontRef idx="minor">
+                <a:schemeClr val="lt1"/>
+              </a:fontRef>
+            </p:style>
+            <p:txBody>
+              <a:bodyPr rtlCol="0" anchor="ctr"/>
+              <a:lstStyle/>
+              <a:p>
+                <a:pPr algn="ctr"/>
+                <a:endParaRPr lang="en-US">
+                  <a:solidFill>
+                    <a:schemeClr val="tx1"/>
+                  </a:solidFill>
+                </a:endParaRPr>
+              </a:p>
+            </p:txBody>
+          </p:sp>
+          <p:sp>
+            <p:nvSpPr>
+              <p:cNvPr id="52" name="Oval 51"/>
+              <p:cNvSpPr/>
+              <p:nvPr/>
+            </p:nvSpPr>
+            <p:spPr>
+              <a:xfrm>
+                <a:off x="7171017" y="4677248"/>
+                <a:ext cx="365663" cy="365663"/>
+              </a:xfrm>
+              <a:prstGeom prst="ellipse">
+                <a:avLst/>
+              </a:prstGeom>
+              <a:noFill/>
+              <a:ln w="25400">
+                <a:solidFill>
+                  <a:srgbClr val="C00000"/>
+                </a:solidFill>
+              </a:ln>
+            </p:spPr>
+            <p:style>
+              <a:lnRef idx="2">
+                <a:schemeClr val="accent1">
+                  <a:shade val="50000"/>
+                </a:schemeClr>
+              </a:lnRef>
+              <a:fillRef idx="1">
+                <a:schemeClr val="accent1"/>
+              </a:fillRef>
+              <a:effectRef idx="0">
+                <a:schemeClr val="accent1"/>
+              </a:effectRef>
+              <a:fontRef idx="minor">
+                <a:schemeClr val="lt1"/>
+              </a:fontRef>
+            </p:style>
+            <p:txBody>
+              <a:bodyPr rtlCol="0" anchor="ctr"/>
+              <a:lstStyle/>
+              <a:p>
+                <a:pPr algn="ctr"/>
+                <a:endParaRPr lang="en-US">
+                  <a:solidFill>
+                    <a:schemeClr val="tx1"/>
+                  </a:solidFill>
+                </a:endParaRPr>
+              </a:p>
+            </p:txBody>
+          </p:sp>
+          <p:sp>
+            <p:nvSpPr>
+              <p:cNvPr id="53" name="Oval 52"/>
+              <p:cNvSpPr/>
+              <p:nvPr/>
+            </p:nvSpPr>
+            <p:spPr>
+              <a:xfrm>
+                <a:off x="7603603" y="4677248"/>
+                <a:ext cx="365663" cy="365663"/>
+              </a:xfrm>
+              <a:prstGeom prst="ellipse">
+                <a:avLst/>
+              </a:prstGeom>
+              <a:noFill/>
+              <a:ln w="25400">
+                <a:solidFill>
+                  <a:srgbClr val="C00000"/>
+                </a:solidFill>
+              </a:ln>
+            </p:spPr>
+            <p:style>
+              <a:lnRef idx="2">
+                <a:schemeClr val="accent1">
+                  <a:shade val="50000"/>
+                </a:schemeClr>
+              </a:lnRef>
+              <a:fillRef idx="1">
+                <a:schemeClr val="accent1"/>
+              </a:fillRef>
+              <a:effectRef idx="0">
+                <a:schemeClr val="accent1"/>
+              </a:effectRef>
+              <a:fontRef idx="minor">
+                <a:schemeClr val="lt1"/>
+              </a:fontRef>
+            </p:style>
+            <p:txBody>
+              <a:bodyPr rtlCol="0" anchor="ctr"/>
+              <a:lstStyle/>
+              <a:p>
+                <a:pPr algn="ctr"/>
+                <a:endParaRPr lang="en-US">
+                  <a:solidFill>
+                    <a:schemeClr val="tx1"/>
+                  </a:solidFill>
+                </a:endParaRPr>
+              </a:p>
+            </p:txBody>
+          </p:sp>
+          <p:sp>
+            <p:nvSpPr>
+              <p:cNvPr id="54" name="Oval 53"/>
+              <p:cNvSpPr/>
+              <p:nvPr/>
+            </p:nvSpPr>
+            <p:spPr>
+              <a:xfrm>
+                <a:off x="5873259" y="4677248"/>
+                <a:ext cx="365663" cy="365663"/>
+              </a:xfrm>
+              <a:prstGeom prst="ellipse">
+                <a:avLst/>
+              </a:prstGeom>
+              <a:noFill/>
+              <a:ln w="25400">
+                <a:solidFill>
+                  <a:srgbClr val="C00000"/>
+                </a:solidFill>
+              </a:ln>
+            </p:spPr>
+            <p:style>
+              <a:lnRef idx="2">
+                <a:schemeClr val="accent1">
+                  <a:shade val="50000"/>
+                </a:schemeClr>
+              </a:lnRef>
+              <a:fillRef idx="1">
+                <a:schemeClr val="accent1"/>
+              </a:fillRef>
+              <a:effectRef idx="0">
+                <a:schemeClr val="accent1"/>
+              </a:effectRef>
+              <a:fontRef idx="minor">
+                <a:schemeClr val="lt1"/>
+              </a:fontRef>
+            </p:style>
+            <p:txBody>
+              <a:bodyPr rtlCol="0" anchor="ctr"/>
+              <a:lstStyle/>
+              <a:p>
+                <a:pPr algn="ctr"/>
+                <a:endParaRPr lang="en-US" dirty="0">
+                  <a:solidFill>
+                    <a:schemeClr val="tx1"/>
+                  </a:solidFill>
+                </a:endParaRPr>
+              </a:p>
+            </p:txBody>
+          </p:sp>
+          <p:sp>
+            <p:nvSpPr>
+              <p:cNvPr id="55" name="Rectangle 54"/>
+              <p:cNvSpPr/>
+              <p:nvPr/>
+            </p:nvSpPr>
+            <p:spPr>
+              <a:xfrm>
+                <a:off x="5838484" y="4644073"/>
+                <a:ext cx="2169328" cy="441544"/>
+              </a:xfrm>
+              <a:prstGeom prst="rect">
+                <a:avLst/>
+              </a:prstGeom>
+              <a:noFill/>
+              <a:ln w="25400">
+                <a:solidFill>
+                  <a:srgbClr val="C00000"/>
+                </a:solidFill>
+              </a:ln>
+            </p:spPr>
+            <p:style>
+              <a:lnRef idx="2">
+                <a:schemeClr val="accent1">
+                  <a:shade val="50000"/>
+                </a:schemeClr>
+              </a:lnRef>
+              <a:fillRef idx="1">
+                <a:schemeClr val="accent1"/>
+              </a:fillRef>
+              <a:effectRef idx="0">
+                <a:schemeClr val="accent1"/>
+              </a:effectRef>
+              <a:fontRef idx="minor">
+                <a:schemeClr val="lt1"/>
+              </a:fontRef>
+            </p:style>
+            <p:txBody>
+              <a:bodyPr rtlCol="0" anchor="ctr"/>
+              <a:lstStyle/>
+              <a:p>
+                <a:pPr algn="ctr"/>
+                <a:endParaRPr lang="en-US">
+                  <a:solidFill>
+                    <a:schemeClr val="tx1"/>
+                  </a:solidFill>
+                </a:endParaRPr>
+              </a:p>
+            </p:txBody>
+          </p:sp>
+        </p:grpSp>
+        <p:cxnSp>
+          <p:nvCxnSpPr>
+            <p:cNvPr id="24" name="Straight Arrow Connector 23"/>
+            <p:cNvCxnSpPr/>
+            <p:nvPr/>
+          </p:nvCxnSpPr>
+          <p:spPr>
+            <a:xfrm flipV="1">
+              <a:off x="10357888" y="5932833"/>
+              <a:ext cx="0" cy="278385"/>
+            </a:xfrm>
+            <a:prstGeom prst="straightConnector1">
+              <a:avLst/>
+            </a:prstGeom>
+            <a:ln w="50800">
+              <a:solidFill>
+                <a:srgbClr val="0000FF"/>
+              </a:solidFill>
+              <a:tailEnd type="triangle"/>
+            </a:ln>
+            <a:effectLst/>
+          </p:spPr>
+          <p:style>
+            <a:lnRef idx="2">
+              <a:schemeClr val="accent1"/>
+            </a:lnRef>
+            <a:fillRef idx="0">
+              <a:schemeClr val="accent1"/>
+            </a:fillRef>
+            <a:effectRef idx="1">
+              <a:schemeClr val="accent1"/>
+            </a:effectRef>
+            <a:fontRef idx="minor">
+              <a:schemeClr val="tx1"/>
+            </a:fontRef>
+          </p:style>
+        </p:cxnSp>
+        <p:grpSp>
+          <p:nvGrpSpPr>
+            <p:cNvPr id="25" name="Group 24"/>
+            <p:cNvGrpSpPr/>
+            <p:nvPr/>
+          </p:nvGrpSpPr>
+          <p:grpSpPr>
+            <a:xfrm>
+              <a:off x="9478481" y="4400770"/>
+              <a:ext cx="1755761" cy="357367"/>
+              <a:chOff x="5838484" y="3917173"/>
+              <a:chExt cx="2169328" cy="441544"/>
+            </a:xfrm>
+          </p:grpSpPr>
+          <p:sp>
+            <p:nvSpPr>
+              <p:cNvPr id="44" name="Oval 43"/>
+              <p:cNvSpPr/>
+              <p:nvPr/>
+            </p:nvSpPr>
+            <p:spPr>
+              <a:xfrm>
+                <a:off x="6305845" y="3950348"/>
+                <a:ext cx="365663" cy="365663"/>
+              </a:xfrm>
+              <a:prstGeom prst="ellipse">
+                <a:avLst/>
+              </a:prstGeom>
+              <a:noFill/>
+              <a:ln w="25400">
+                <a:solidFill>
+                  <a:srgbClr val="7030A0"/>
+                </a:solidFill>
+              </a:ln>
+            </p:spPr>
+            <p:style>
+              <a:lnRef idx="2">
+                <a:schemeClr val="accent1">
+                  <a:shade val="50000"/>
+                </a:schemeClr>
+              </a:lnRef>
+              <a:fillRef idx="1">
+                <a:schemeClr val="accent1"/>
+              </a:fillRef>
+              <a:effectRef idx="0">
+                <a:schemeClr val="accent1"/>
+              </a:effectRef>
+              <a:fontRef idx="minor">
+                <a:schemeClr val="lt1"/>
+              </a:fontRef>
+            </p:style>
+            <p:txBody>
+              <a:bodyPr rtlCol="0" anchor="ctr"/>
+              <a:lstStyle/>
+              <a:p>
+                <a:pPr algn="ctr"/>
+                <a:endParaRPr lang="en-US">
+                  <a:solidFill>
+                    <a:schemeClr val="tx1"/>
+                  </a:solidFill>
+                </a:endParaRPr>
+              </a:p>
+            </p:txBody>
+          </p:sp>
+          <p:sp>
+            <p:nvSpPr>
+              <p:cNvPr id="45" name="Oval 44"/>
+              <p:cNvSpPr/>
+              <p:nvPr/>
+            </p:nvSpPr>
+            <p:spPr>
+              <a:xfrm>
+                <a:off x="6738431" y="3950348"/>
+                <a:ext cx="365663" cy="365663"/>
+              </a:xfrm>
+              <a:prstGeom prst="ellipse">
+                <a:avLst/>
+              </a:prstGeom>
+              <a:noFill/>
+              <a:ln w="25400">
+                <a:solidFill>
+                  <a:srgbClr val="7030A0"/>
+                </a:solidFill>
+              </a:ln>
+            </p:spPr>
+            <p:style>
+              <a:lnRef idx="2">
+                <a:schemeClr val="accent1">
+                  <a:shade val="50000"/>
+                </a:schemeClr>
+              </a:lnRef>
+              <a:fillRef idx="1">
+                <a:schemeClr val="accent1"/>
+              </a:fillRef>
+              <a:effectRef idx="0">
+                <a:schemeClr val="accent1"/>
+              </a:effectRef>
+              <a:fontRef idx="minor">
+                <a:schemeClr val="lt1"/>
+              </a:fontRef>
+            </p:style>
+            <p:txBody>
+              <a:bodyPr rtlCol="0" anchor="ctr"/>
+              <a:lstStyle/>
+              <a:p>
+                <a:pPr algn="ctr"/>
+                <a:endParaRPr lang="en-US">
+                  <a:solidFill>
+                    <a:schemeClr val="tx1"/>
+                  </a:solidFill>
+                </a:endParaRPr>
+              </a:p>
+            </p:txBody>
+          </p:sp>
+          <p:sp>
+            <p:nvSpPr>
+              <p:cNvPr id="46" name="Oval 45"/>
+              <p:cNvSpPr/>
+              <p:nvPr/>
+            </p:nvSpPr>
+            <p:spPr>
+              <a:xfrm>
+                <a:off x="7171017" y="3950348"/>
+                <a:ext cx="365663" cy="365663"/>
+              </a:xfrm>
+              <a:prstGeom prst="ellipse">
+                <a:avLst/>
+              </a:prstGeom>
+              <a:noFill/>
+              <a:ln w="25400">
+                <a:solidFill>
+                  <a:srgbClr val="7030A0"/>
+                </a:solidFill>
+              </a:ln>
+            </p:spPr>
+            <p:style>
+              <a:lnRef idx="2">
+                <a:schemeClr val="accent1">
+                  <a:shade val="50000"/>
+                </a:schemeClr>
+              </a:lnRef>
+              <a:fillRef idx="1">
+                <a:schemeClr val="accent1"/>
+              </a:fillRef>
+              <a:effectRef idx="0">
+                <a:schemeClr val="accent1"/>
+              </a:effectRef>
+              <a:fontRef idx="minor">
+                <a:schemeClr val="lt1"/>
+              </a:fontRef>
+            </p:style>
+            <p:txBody>
+              <a:bodyPr rtlCol="0" anchor="ctr"/>
+              <a:lstStyle/>
+              <a:p>
+                <a:pPr algn="ctr"/>
+                <a:endParaRPr lang="en-US">
+                  <a:solidFill>
+                    <a:schemeClr val="tx1"/>
+                  </a:solidFill>
+                </a:endParaRPr>
+              </a:p>
+            </p:txBody>
+          </p:sp>
+          <p:sp>
+            <p:nvSpPr>
+              <p:cNvPr id="47" name="Oval 46"/>
+              <p:cNvSpPr/>
+              <p:nvPr/>
+            </p:nvSpPr>
+            <p:spPr>
+              <a:xfrm>
+                <a:off x="7603603" y="3950348"/>
+                <a:ext cx="365663" cy="365663"/>
+              </a:xfrm>
+              <a:prstGeom prst="ellipse">
+                <a:avLst/>
+              </a:prstGeom>
+              <a:noFill/>
+              <a:ln w="25400">
+                <a:solidFill>
+                  <a:srgbClr val="7030A0"/>
+                </a:solidFill>
+              </a:ln>
+            </p:spPr>
+            <p:style>
+              <a:lnRef idx="2">
+                <a:schemeClr val="accent1">
+                  <a:shade val="50000"/>
+                </a:schemeClr>
+              </a:lnRef>
+              <a:fillRef idx="1">
+                <a:schemeClr val="accent1"/>
+              </a:fillRef>
+              <a:effectRef idx="0">
+                <a:schemeClr val="accent1"/>
+              </a:effectRef>
+              <a:fontRef idx="minor">
+                <a:schemeClr val="lt1"/>
+              </a:fontRef>
+            </p:style>
+            <p:txBody>
+              <a:bodyPr rtlCol="0" anchor="ctr"/>
+              <a:lstStyle/>
+              <a:p>
+                <a:pPr algn="ctr"/>
+                <a:endParaRPr lang="en-US">
+                  <a:solidFill>
+                    <a:schemeClr val="tx1"/>
+                  </a:solidFill>
+                </a:endParaRPr>
+              </a:p>
+            </p:txBody>
+          </p:sp>
+          <p:sp>
+            <p:nvSpPr>
+              <p:cNvPr id="48" name="Oval 47"/>
+              <p:cNvSpPr/>
+              <p:nvPr/>
+            </p:nvSpPr>
+            <p:spPr>
+              <a:xfrm>
+                <a:off x="5873259" y="3950348"/>
+                <a:ext cx="365663" cy="365663"/>
+              </a:xfrm>
+              <a:prstGeom prst="ellipse">
+                <a:avLst/>
+              </a:prstGeom>
+              <a:noFill/>
+              <a:ln w="25400">
+                <a:solidFill>
+                  <a:srgbClr val="7030A0"/>
+                </a:solidFill>
+              </a:ln>
+            </p:spPr>
+            <p:style>
+              <a:lnRef idx="2">
+                <a:schemeClr val="accent1">
+                  <a:shade val="50000"/>
+                </a:schemeClr>
+              </a:lnRef>
+              <a:fillRef idx="1">
+                <a:schemeClr val="accent1"/>
+              </a:fillRef>
+              <a:effectRef idx="0">
+                <a:schemeClr val="accent1"/>
+              </a:effectRef>
+              <a:fontRef idx="minor">
+                <a:schemeClr val="lt1"/>
+              </a:fontRef>
+            </p:style>
+            <p:txBody>
+              <a:bodyPr rtlCol="0" anchor="ctr"/>
+              <a:lstStyle/>
+              <a:p>
+                <a:pPr algn="ctr"/>
+                <a:endParaRPr lang="en-US">
+                  <a:solidFill>
+                    <a:schemeClr val="tx1"/>
+                  </a:solidFill>
+                </a:endParaRPr>
+              </a:p>
+            </p:txBody>
+          </p:sp>
+          <p:sp>
+            <p:nvSpPr>
+              <p:cNvPr id="49" name="Rectangle 48"/>
+              <p:cNvSpPr/>
+              <p:nvPr/>
+            </p:nvSpPr>
+            <p:spPr>
+              <a:xfrm>
+                <a:off x="5838484" y="3917173"/>
+                <a:ext cx="2169328" cy="441544"/>
+              </a:xfrm>
+              <a:prstGeom prst="rect">
+                <a:avLst/>
+              </a:prstGeom>
+              <a:noFill/>
+              <a:ln w="25400">
+                <a:solidFill>
+                  <a:srgbClr val="7030A0"/>
+                </a:solidFill>
+              </a:ln>
+            </p:spPr>
+            <p:style>
+              <a:lnRef idx="2">
+                <a:schemeClr val="accent1">
+                  <a:shade val="50000"/>
+                </a:schemeClr>
+              </a:lnRef>
+              <a:fillRef idx="1">
+                <a:schemeClr val="accent1"/>
+              </a:fillRef>
+              <a:effectRef idx="0">
+                <a:schemeClr val="accent1"/>
+              </a:effectRef>
+              <a:fontRef idx="minor">
+                <a:schemeClr val="lt1"/>
+              </a:fontRef>
+            </p:style>
+            <p:txBody>
+              <a:bodyPr rtlCol="0" anchor="ctr"/>
+              <a:lstStyle/>
+              <a:p>
+                <a:pPr algn="ctr"/>
+                <a:endParaRPr lang="en-US">
+                  <a:solidFill>
+                    <a:schemeClr val="tx1"/>
+                  </a:solidFill>
+                </a:endParaRPr>
+              </a:p>
+            </p:txBody>
+          </p:sp>
+        </p:grpSp>
+        <p:cxnSp>
+          <p:nvCxnSpPr>
+            <p:cNvPr id="26" name="Straight Arrow Connector 25"/>
+            <p:cNvCxnSpPr/>
+            <p:nvPr/>
+          </p:nvCxnSpPr>
+          <p:spPr>
+            <a:xfrm flipV="1">
+              <a:off x="10357888" y="5344512"/>
+              <a:ext cx="0" cy="230955"/>
+            </a:xfrm>
+            <a:prstGeom prst="straightConnector1">
+              <a:avLst/>
+            </a:prstGeom>
+            <a:ln w="50800">
+              <a:solidFill>
+                <a:srgbClr val="C00000"/>
+              </a:solidFill>
+              <a:tailEnd type="triangle"/>
+            </a:ln>
+            <a:effectLst/>
+          </p:spPr>
+          <p:style>
+            <a:lnRef idx="2">
+              <a:schemeClr val="accent1"/>
+            </a:lnRef>
+            <a:fillRef idx="0">
+              <a:schemeClr val="accent1"/>
+            </a:fillRef>
+            <a:effectRef idx="1">
+              <a:schemeClr val="accent1"/>
+            </a:effectRef>
+            <a:fontRef idx="minor">
+              <a:schemeClr val="tx1"/>
+            </a:fontRef>
+          </p:style>
+        </p:cxnSp>
+        <p:cxnSp>
+          <p:nvCxnSpPr>
+            <p:cNvPr id="27" name="Straight Arrow Connector 26"/>
+            <p:cNvCxnSpPr/>
+            <p:nvPr/>
+          </p:nvCxnSpPr>
+          <p:spPr>
+            <a:xfrm flipH="1" flipV="1">
+              <a:off x="10356361" y="4758136"/>
+              <a:ext cx="1526" cy="229009"/>
+            </a:xfrm>
+            <a:prstGeom prst="straightConnector1">
+              <a:avLst/>
+            </a:prstGeom>
+            <a:ln w="50800">
+              <a:solidFill>
+                <a:srgbClr val="00C6BA"/>
+              </a:solidFill>
+              <a:tailEnd type="triangle"/>
+            </a:ln>
+            <a:effectLst/>
+          </p:spPr>
+          <p:style>
+            <a:lnRef idx="2">
+              <a:schemeClr val="accent1"/>
+            </a:lnRef>
+            <a:fillRef idx="0">
+              <a:schemeClr val="accent1"/>
+            </a:fillRef>
+            <a:effectRef idx="1">
+              <a:schemeClr val="accent1"/>
+            </a:effectRef>
+            <a:fontRef idx="minor">
+              <a:schemeClr val="tx1"/>
+            </a:fontRef>
+          </p:style>
+        </p:cxnSp>
+        <p:grpSp>
+          <p:nvGrpSpPr>
+            <p:cNvPr id="28" name="Group 27"/>
+            <p:cNvGrpSpPr/>
+            <p:nvPr/>
+          </p:nvGrpSpPr>
+          <p:grpSpPr>
+            <a:xfrm>
+              <a:off x="9480007" y="4987145"/>
+              <a:ext cx="1755761" cy="357367"/>
+              <a:chOff x="5838484" y="3917173"/>
+              <a:chExt cx="2169328" cy="441544"/>
+            </a:xfrm>
+          </p:grpSpPr>
+          <p:sp>
+            <p:nvSpPr>
+              <p:cNvPr id="38" name="Oval 37"/>
+              <p:cNvSpPr/>
+              <p:nvPr/>
+            </p:nvSpPr>
+            <p:spPr>
+              <a:xfrm>
+                <a:off x="6305845" y="3950348"/>
+                <a:ext cx="365663" cy="365663"/>
+              </a:xfrm>
+              <a:prstGeom prst="ellipse">
+                <a:avLst/>
+              </a:prstGeom>
+              <a:noFill/>
+              <a:ln w="25400">
+                <a:solidFill>
+                  <a:srgbClr val="7030A0"/>
+                </a:solidFill>
+              </a:ln>
+            </p:spPr>
+            <p:style>
+              <a:lnRef idx="2">
+                <a:schemeClr val="accent1">
+                  <a:shade val="50000"/>
+                </a:schemeClr>
+              </a:lnRef>
+              <a:fillRef idx="1">
+                <a:schemeClr val="accent1"/>
+              </a:fillRef>
+              <a:effectRef idx="0">
+                <a:schemeClr val="accent1"/>
+              </a:effectRef>
+              <a:fontRef idx="minor">
+                <a:schemeClr val="lt1"/>
+              </a:fontRef>
+            </p:style>
+            <p:txBody>
+              <a:bodyPr rtlCol="0" anchor="ctr"/>
+              <a:lstStyle/>
+              <a:p>
+                <a:pPr algn="ctr"/>
+                <a:endParaRPr lang="en-US">
+                  <a:solidFill>
+                    <a:schemeClr val="tx1"/>
+                  </a:solidFill>
+                </a:endParaRPr>
+              </a:p>
+            </p:txBody>
+          </p:sp>
+          <p:sp>
+            <p:nvSpPr>
+              <p:cNvPr id="39" name="Oval 38"/>
+              <p:cNvSpPr/>
+              <p:nvPr/>
+            </p:nvSpPr>
+            <p:spPr>
+              <a:xfrm>
+                <a:off x="6738431" y="3950348"/>
+                <a:ext cx="365663" cy="365663"/>
+              </a:xfrm>
+              <a:prstGeom prst="ellipse">
+                <a:avLst/>
+              </a:prstGeom>
+              <a:noFill/>
+              <a:ln w="25400">
+                <a:solidFill>
+                  <a:srgbClr val="7030A0"/>
+                </a:solidFill>
+              </a:ln>
+            </p:spPr>
+            <p:style>
+              <a:lnRef idx="2">
+                <a:schemeClr val="accent1">
+                  <a:shade val="50000"/>
+                </a:schemeClr>
+              </a:lnRef>
+              <a:fillRef idx="1">
+                <a:schemeClr val="accent1"/>
+              </a:fillRef>
+              <a:effectRef idx="0">
+                <a:schemeClr val="accent1"/>
+              </a:effectRef>
+              <a:fontRef idx="minor">
+                <a:schemeClr val="lt1"/>
+              </a:fontRef>
+            </p:style>
+            <p:txBody>
+              <a:bodyPr rtlCol="0" anchor="ctr"/>
+              <a:lstStyle/>
+              <a:p>
+                <a:pPr algn="ctr"/>
+                <a:endParaRPr lang="en-US">
+                  <a:solidFill>
+                    <a:schemeClr val="tx1"/>
+                  </a:solidFill>
+                </a:endParaRPr>
+              </a:p>
+            </p:txBody>
+          </p:sp>
+          <p:sp>
+            <p:nvSpPr>
+              <p:cNvPr id="40" name="Oval 39"/>
+              <p:cNvSpPr/>
+              <p:nvPr/>
+            </p:nvSpPr>
+            <p:spPr>
+              <a:xfrm>
+                <a:off x="7171017" y="3950348"/>
+                <a:ext cx="365663" cy="365663"/>
+              </a:xfrm>
+              <a:prstGeom prst="ellipse">
+                <a:avLst/>
+              </a:prstGeom>
+              <a:noFill/>
+              <a:ln w="25400">
+                <a:solidFill>
+                  <a:srgbClr val="7030A0"/>
+                </a:solidFill>
+              </a:ln>
+            </p:spPr>
+            <p:style>
+              <a:lnRef idx="2">
+                <a:schemeClr val="accent1">
+                  <a:shade val="50000"/>
+                </a:schemeClr>
+              </a:lnRef>
+              <a:fillRef idx="1">
+                <a:schemeClr val="accent1"/>
+              </a:fillRef>
+              <a:effectRef idx="0">
+                <a:schemeClr val="accent1"/>
+              </a:effectRef>
+              <a:fontRef idx="minor">
+                <a:schemeClr val="lt1"/>
+              </a:fontRef>
+            </p:style>
+            <p:txBody>
+              <a:bodyPr rtlCol="0" anchor="ctr"/>
+              <a:lstStyle/>
+              <a:p>
+                <a:pPr algn="ctr"/>
+                <a:endParaRPr lang="en-US">
+                  <a:solidFill>
+                    <a:schemeClr val="tx1"/>
+                  </a:solidFill>
+                </a:endParaRPr>
+              </a:p>
+            </p:txBody>
+          </p:sp>
+          <p:sp>
+            <p:nvSpPr>
+              <p:cNvPr id="41" name="Oval 40"/>
+              <p:cNvSpPr/>
+              <p:nvPr/>
+            </p:nvSpPr>
+            <p:spPr>
+              <a:xfrm>
+                <a:off x="7603603" y="3950348"/>
+                <a:ext cx="365663" cy="365663"/>
+              </a:xfrm>
+              <a:prstGeom prst="ellipse">
+                <a:avLst/>
+              </a:prstGeom>
+              <a:noFill/>
+              <a:ln w="25400">
+                <a:solidFill>
+                  <a:srgbClr val="7030A0"/>
+                </a:solidFill>
+              </a:ln>
+            </p:spPr>
+            <p:style>
+              <a:lnRef idx="2">
+                <a:schemeClr val="accent1">
+                  <a:shade val="50000"/>
+                </a:schemeClr>
+              </a:lnRef>
+              <a:fillRef idx="1">
+                <a:schemeClr val="accent1"/>
+              </a:fillRef>
+              <a:effectRef idx="0">
+                <a:schemeClr val="accent1"/>
+              </a:effectRef>
+              <a:fontRef idx="minor">
+                <a:schemeClr val="lt1"/>
+              </a:fontRef>
+            </p:style>
+            <p:txBody>
+              <a:bodyPr rtlCol="0" anchor="ctr"/>
+              <a:lstStyle/>
+              <a:p>
+                <a:pPr algn="ctr"/>
+                <a:endParaRPr lang="en-US">
+                  <a:solidFill>
+                    <a:schemeClr val="tx1"/>
+                  </a:solidFill>
+                </a:endParaRPr>
+              </a:p>
+            </p:txBody>
+          </p:sp>
+          <p:sp>
+            <p:nvSpPr>
+              <p:cNvPr id="42" name="Oval 41"/>
+              <p:cNvSpPr/>
+              <p:nvPr/>
+            </p:nvSpPr>
+            <p:spPr>
+              <a:xfrm>
+                <a:off x="5873259" y="3950348"/>
+                <a:ext cx="365663" cy="365663"/>
+              </a:xfrm>
+              <a:prstGeom prst="ellipse">
+                <a:avLst/>
+              </a:prstGeom>
+              <a:noFill/>
+              <a:ln w="25400">
+                <a:solidFill>
+                  <a:srgbClr val="7030A0"/>
+                </a:solidFill>
+              </a:ln>
+            </p:spPr>
+            <p:style>
+              <a:lnRef idx="2">
+                <a:schemeClr val="accent1">
+                  <a:shade val="50000"/>
+                </a:schemeClr>
+              </a:lnRef>
+              <a:fillRef idx="1">
+                <a:schemeClr val="accent1"/>
+              </a:fillRef>
+              <a:effectRef idx="0">
+                <a:schemeClr val="accent1"/>
+              </a:effectRef>
+              <a:fontRef idx="minor">
+                <a:schemeClr val="lt1"/>
+              </a:fontRef>
+            </p:style>
+            <p:txBody>
+              <a:bodyPr rtlCol="0" anchor="ctr"/>
+              <a:lstStyle/>
+              <a:p>
+                <a:pPr algn="ctr"/>
+                <a:endParaRPr lang="en-US">
+                  <a:solidFill>
+                    <a:schemeClr val="tx1"/>
+                  </a:solidFill>
+                </a:endParaRPr>
+              </a:p>
+            </p:txBody>
+          </p:sp>
+          <p:sp>
+            <p:nvSpPr>
+              <p:cNvPr id="43" name="Rectangle 42"/>
+              <p:cNvSpPr/>
+              <p:nvPr/>
+            </p:nvSpPr>
+            <p:spPr>
+              <a:xfrm>
+                <a:off x="5838484" y="3917173"/>
+                <a:ext cx="2169328" cy="441544"/>
+              </a:xfrm>
+              <a:prstGeom prst="rect">
+                <a:avLst/>
+              </a:prstGeom>
+              <a:noFill/>
+              <a:ln w="25400">
+                <a:solidFill>
+                  <a:srgbClr val="7030A0"/>
+                </a:solidFill>
+              </a:ln>
+            </p:spPr>
+            <p:style>
+              <a:lnRef idx="2">
+                <a:schemeClr val="accent1">
+                  <a:shade val="50000"/>
+                </a:schemeClr>
+              </a:lnRef>
+              <a:fillRef idx="1">
+                <a:schemeClr val="accent1"/>
+              </a:fillRef>
+              <a:effectRef idx="0">
+                <a:schemeClr val="accent1"/>
+              </a:effectRef>
+              <a:fontRef idx="minor">
+                <a:schemeClr val="lt1"/>
+              </a:fontRef>
+            </p:style>
+            <p:txBody>
+              <a:bodyPr rtlCol="0" anchor="ctr"/>
+              <a:lstStyle/>
+              <a:p>
+                <a:pPr algn="ctr"/>
+                <a:endParaRPr lang="en-US">
+                  <a:solidFill>
+                    <a:schemeClr val="tx1"/>
+                  </a:solidFill>
+                </a:endParaRPr>
+              </a:p>
+            </p:txBody>
+          </p:sp>
+        </p:grpSp>
+        <p:grpSp>
+          <p:nvGrpSpPr>
+            <p:cNvPr id="29" name="Group 28"/>
+            <p:cNvGrpSpPr/>
+            <p:nvPr/>
+          </p:nvGrpSpPr>
+          <p:grpSpPr>
+            <a:xfrm>
+              <a:off x="9478481" y="3600082"/>
+              <a:ext cx="1755761" cy="357367"/>
+              <a:chOff x="5838484" y="3917173"/>
+              <a:chExt cx="2169328" cy="441544"/>
+            </a:xfrm>
+          </p:grpSpPr>
+          <p:sp>
+            <p:nvSpPr>
+              <p:cNvPr id="32" name="Oval 31"/>
+              <p:cNvSpPr/>
+              <p:nvPr/>
+            </p:nvSpPr>
+            <p:spPr>
+              <a:xfrm>
+                <a:off x="6305845" y="3950348"/>
+                <a:ext cx="365663" cy="365663"/>
+              </a:xfrm>
+              <a:prstGeom prst="ellipse">
+                <a:avLst/>
+              </a:prstGeom>
+              <a:noFill/>
+              <a:ln w="25400">
+                <a:solidFill>
+                  <a:srgbClr val="7030A0"/>
+                </a:solidFill>
+              </a:ln>
+            </p:spPr>
+            <p:style>
+              <a:lnRef idx="2">
+                <a:schemeClr val="accent1">
+                  <a:shade val="50000"/>
+                </a:schemeClr>
+              </a:lnRef>
+              <a:fillRef idx="1">
+                <a:schemeClr val="accent1"/>
+              </a:fillRef>
+              <a:effectRef idx="0">
+                <a:schemeClr val="accent1"/>
+              </a:effectRef>
+              <a:fontRef idx="minor">
+                <a:schemeClr val="lt1"/>
+              </a:fontRef>
+            </p:style>
+            <p:txBody>
+              <a:bodyPr rtlCol="0" anchor="ctr"/>
+              <a:lstStyle/>
+              <a:p>
+                <a:pPr algn="ctr"/>
+                <a:endParaRPr lang="en-US" dirty="0" smtClean="0">
+                  <a:solidFill>
+                    <a:schemeClr val="tx1"/>
+                  </a:solidFill>
+                </a:endParaRPr>
+              </a:p>
+              <a:p>
+                <a:pPr algn="ctr"/>
+                <a:endParaRPr lang="en-US" dirty="0">
+                  <a:solidFill>
+                    <a:schemeClr val="tx1"/>
+                  </a:solidFill>
+                </a:endParaRPr>
+              </a:p>
+            </p:txBody>
+          </p:sp>
+          <p:sp>
+            <p:nvSpPr>
+              <p:cNvPr id="33" name="Oval 32"/>
+              <p:cNvSpPr/>
+              <p:nvPr/>
+            </p:nvSpPr>
+            <p:spPr>
+              <a:xfrm>
+                <a:off x="6738431" y="3950348"/>
+                <a:ext cx="365663" cy="365663"/>
+              </a:xfrm>
+              <a:prstGeom prst="ellipse">
+                <a:avLst/>
+              </a:prstGeom>
+              <a:noFill/>
+              <a:ln w="25400">
+                <a:solidFill>
+                  <a:srgbClr val="7030A0"/>
+                </a:solidFill>
+              </a:ln>
+            </p:spPr>
+            <p:style>
+              <a:lnRef idx="2">
+                <a:schemeClr val="accent1">
+                  <a:shade val="50000"/>
+                </a:schemeClr>
+              </a:lnRef>
+              <a:fillRef idx="1">
+                <a:schemeClr val="accent1"/>
+              </a:fillRef>
+              <a:effectRef idx="0">
+                <a:schemeClr val="accent1"/>
+              </a:effectRef>
+              <a:fontRef idx="minor">
+                <a:schemeClr val="lt1"/>
+              </a:fontRef>
+            </p:style>
+            <p:txBody>
+              <a:bodyPr rtlCol="0" anchor="ctr"/>
+              <a:lstStyle/>
+              <a:p>
+                <a:pPr algn="ctr"/>
+                <a:endParaRPr lang="en-US">
+                  <a:solidFill>
+                    <a:schemeClr val="tx1"/>
+                  </a:solidFill>
+                </a:endParaRPr>
+              </a:p>
+            </p:txBody>
+          </p:sp>
+          <p:sp>
+            <p:nvSpPr>
+              <p:cNvPr id="34" name="Oval 33"/>
+              <p:cNvSpPr/>
+              <p:nvPr/>
+            </p:nvSpPr>
+            <p:spPr>
+              <a:xfrm>
+                <a:off x="7171017" y="3950348"/>
+                <a:ext cx="365663" cy="365663"/>
+              </a:xfrm>
+              <a:prstGeom prst="ellipse">
+                <a:avLst/>
+              </a:prstGeom>
+              <a:noFill/>
+              <a:ln w="25400">
+                <a:solidFill>
+                  <a:srgbClr val="7030A0"/>
+                </a:solidFill>
+              </a:ln>
+            </p:spPr>
+            <p:style>
+              <a:lnRef idx="2">
+                <a:schemeClr val="accent1">
+                  <a:shade val="50000"/>
+                </a:schemeClr>
+              </a:lnRef>
+              <a:fillRef idx="1">
+                <a:schemeClr val="accent1"/>
+              </a:fillRef>
+              <a:effectRef idx="0">
+                <a:schemeClr val="accent1"/>
+              </a:effectRef>
+              <a:fontRef idx="minor">
+                <a:schemeClr val="lt1"/>
+              </a:fontRef>
+            </p:style>
+            <p:txBody>
+              <a:bodyPr rtlCol="0" anchor="ctr"/>
+              <a:lstStyle/>
+              <a:p>
+                <a:pPr algn="ctr"/>
+                <a:endParaRPr lang="en-US">
+                  <a:solidFill>
+                    <a:schemeClr val="tx1"/>
+                  </a:solidFill>
+                </a:endParaRPr>
+              </a:p>
+            </p:txBody>
+          </p:sp>
+          <p:sp>
+            <p:nvSpPr>
+              <p:cNvPr id="35" name="Oval 34"/>
+              <p:cNvSpPr/>
+              <p:nvPr/>
+            </p:nvSpPr>
+            <p:spPr>
+              <a:xfrm>
+                <a:off x="7603603" y="3950348"/>
+                <a:ext cx="365663" cy="365663"/>
+              </a:xfrm>
+              <a:prstGeom prst="ellipse">
+                <a:avLst/>
+              </a:prstGeom>
+              <a:noFill/>
+              <a:ln w="25400">
+                <a:solidFill>
+                  <a:srgbClr val="7030A0"/>
+                </a:solidFill>
+              </a:ln>
+            </p:spPr>
+            <p:style>
+              <a:lnRef idx="2">
+                <a:schemeClr val="accent1">
+                  <a:shade val="50000"/>
+                </a:schemeClr>
+              </a:lnRef>
+              <a:fillRef idx="1">
+                <a:schemeClr val="accent1"/>
+              </a:fillRef>
+              <a:effectRef idx="0">
+                <a:schemeClr val="accent1"/>
+              </a:effectRef>
+              <a:fontRef idx="minor">
+                <a:schemeClr val="lt1"/>
+              </a:fontRef>
+            </p:style>
+            <p:txBody>
+              <a:bodyPr rtlCol="0" anchor="ctr"/>
+              <a:lstStyle/>
+              <a:p>
+                <a:pPr algn="ctr"/>
+                <a:endParaRPr lang="en-US">
+                  <a:solidFill>
+                    <a:schemeClr val="tx1"/>
+                  </a:solidFill>
+                </a:endParaRPr>
+              </a:p>
+            </p:txBody>
+          </p:sp>
+          <p:sp>
+            <p:nvSpPr>
+              <p:cNvPr id="36" name="Oval 35"/>
+              <p:cNvSpPr/>
+              <p:nvPr/>
+            </p:nvSpPr>
+            <p:spPr>
+              <a:xfrm>
+                <a:off x="5873259" y="3950348"/>
+                <a:ext cx="365663" cy="365663"/>
+              </a:xfrm>
+              <a:prstGeom prst="ellipse">
+                <a:avLst/>
+              </a:prstGeom>
+              <a:noFill/>
+              <a:ln w="25400">
+                <a:solidFill>
+                  <a:srgbClr val="7030A0"/>
+                </a:solidFill>
+              </a:ln>
+            </p:spPr>
+            <p:style>
+              <a:lnRef idx="2">
+                <a:schemeClr val="accent1">
+                  <a:shade val="50000"/>
+                </a:schemeClr>
+              </a:lnRef>
+              <a:fillRef idx="1">
+                <a:schemeClr val="accent1"/>
+              </a:fillRef>
+              <a:effectRef idx="0">
+                <a:schemeClr val="accent1"/>
+              </a:effectRef>
+              <a:fontRef idx="minor">
+                <a:schemeClr val="lt1"/>
+              </a:fontRef>
+            </p:style>
+            <p:txBody>
+              <a:bodyPr rtlCol="0" anchor="ctr"/>
+              <a:lstStyle/>
+              <a:p>
+                <a:pPr algn="ctr"/>
+                <a:endParaRPr lang="en-US">
+                  <a:solidFill>
+                    <a:schemeClr val="tx1"/>
+                  </a:solidFill>
+                </a:endParaRPr>
+              </a:p>
+            </p:txBody>
+          </p:sp>
+          <p:sp>
+            <p:nvSpPr>
+              <p:cNvPr id="37" name="Rectangle 36"/>
+              <p:cNvSpPr/>
+              <p:nvPr/>
+            </p:nvSpPr>
+            <p:spPr>
+              <a:xfrm>
+                <a:off x="5838484" y="3917173"/>
+                <a:ext cx="2169328" cy="441544"/>
+              </a:xfrm>
+              <a:prstGeom prst="rect">
+                <a:avLst/>
+              </a:prstGeom>
+              <a:noFill/>
+              <a:ln w="25400">
+                <a:solidFill>
+                  <a:srgbClr val="7030A0"/>
+                </a:solidFill>
+              </a:ln>
+            </p:spPr>
+            <p:style>
+              <a:lnRef idx="2">
+                <a:schemeClr val="accent1">
+                  <a:shade val="50000"/>
+                </a:schemeClr>
+              </a:lnRef>
+              <a:fillRef idx="1">
+                <a:schemeClr val="accent1"/>
+              </a:fillRef>
+              <a:effectRef idx="0">
+                <a:schemeClr val="accent1"/>
+              </a:effectRef>
+              <a:fontRef idx="minor">
+                <a:schemeClr val="lt1"/>
+              </a:fontRef>
+            </p:style>
+            <p:txBody>
+              <a:bodyPr rtlCol="0" anchor="ctr"/>
+              <a:lstStyle/>
+              <a:p>
+                <a:pPr algn="ctr"/>
+                <a:endParaRPr lang="en-US">
+                  <a:solidFill>
+                    <a:schemeClr val="tx1"/>
+                  </a:solidFill>
+                </a:endParaRPr>
+              </a:p>
+            </p:txBody>
+          </p:sp>
+        </p:grpSp>
+        <p:cxnSp>
+          <p:nvCxnSpPr>
+            <p:cNvPr id="30" name="Straight Arrow Connector 29"/>
+            <p:cNvCxnSpPr/>
+            <p:nvPr/>
+          </p:nvCxnSpPr>
+          <p:spPr>
+            <a:xfrm flipV="1">
+              <a:off x="10356361" y="3957449"/>
+              <a:ext cx="0" cy="230954"/>
+            </a:xfrm>
+            <a:prstGeom prst="straightConnector1">
+              <a:avLst/>
+            </a:prstGeom>
+            <a:ln w="50800">
+              <a:solidFill>
+                <a:srgbClr val="00C6BA"/>
+              </a:solidFill>
+              <a:tailEnd type="triangle"/>
+            </a:ln>
+            <a:effectLst/>
+          </p:spPr>
+          <p:style>
+            <a:lnRef idx="2">
+              <a:schemeClr val="accent1"/>
+            </a:lnRef>
+            <a:fillRef idx="0">
+              <a:schemeClr val="accent1"/>
+            </a:fillRef>
+            <a:effectRef idx="1">
+              <a:schemeClr val="accent1"/>
+            </a:effectRef>
+            <a:fontRef idx="minor">
+              <a:schemeClr val="tx1"/>
+            </a:fontRef>
+          </p:style>
+        </p:cxnSp>
+        <p:sp>
+          <p:nvSpPr>
+            <p:cNvPr id="31" name="TextBox 30"/>
+            <p:cNvSpPr txBox="1"/>
+            <p:nvPr/>
+          </p:nvSpPr>
+          <p:spPr>
+            <a:xfrm>
+              <a:off x="10125683" y="3915423"/>
+              <a:ext cx="466794" cy="569387"/>
+            </a:xfrm>
+            <a:prstGeom prst="rect">
+              <a:avLst/>
+            </a:prstGeom>
+            <a:noFill/>
+            <a:ln>
+              <a:noFill/>
+            </a:ln>
+          </p:spPr>
+          <p:txBody>
+            <a:bodyPr wrap="none" rtlCol="0">
+              <a:spAutoFit/>
+            </a:bodyPr>
+            <a:lstStyle/>
+            <a:p>
+              <a:r>
+                <a:rPr lang="mr-IN" sz="3100" b="1" dirty="0" smtClean="0">
+                  <a:solidFill>
+                    <a:srgbClr val="7030A0"/>
+                  </a:solidFill>
+                  <a:latin typeface="+mn-lt"/>
+                </a:rPr>
+                <a:t>…</a:t>
+              </a:r>
+              <a:endParaRPr lang="en-US" sz="3100" b="1" dirty="0">
+                <a:solidFill>
+                  <a:srgbClr val="7030A0"/>
+                </a:solidFill>
+                <a:latin typeface="+mn-lt"/>
+              </a:endParaRPr>
+            </a:p>
+          </p:txBody>
+        </p:sp>
+        <p:sp>
+          <p:nvSpPr>
+            <p:cNvPr id="57" name="TextBox 56"/>
+            <p:cNvSpPr txBox="1"/>
+            <p:nvPr/>
+          </p:nvSpPr>
+          <p:spPr>
+            <a:xfrm>
+              <a:off x="11447886" y="6089513"/>
+              <a:ext cx="744114" cy="344710"/>
+            </a:xfrm>
+            <a:prstGeom prst="rect">
+              <a:avLst/>
+            </a:prstGeom>
+            <a:noFill/>
+            <a:ln w="28575">
+              <a:solidFill>
+                <a:schemeClr val="accent1"/>
+              </a:solidFill>
+              <a:prstDash val="sysDot"/>
+            </a:ln>
+          </p:spPr>
+          <p:txBody>
+            <a:bodyPr wrap="none" tIns="18288" rIns="91440" bIns="18288" rtlCol="0">
+              <a:spAutoFit/>
+            </a:bodyPr>
+            <a:lstStyle/>
+            <a:p>
+              <a:r>
+                <a:rPr lang="en-US" sz="2000" b="1" i="1" dirty="0" smtClean="0">
+                  <a:solidFill>
+                    <a:srgbClr val="0F6FC6"/>
+                  </a:solidFill>
+                  <a:latin typeface="+mn-lt"/>
+                </a:rPr>
+                <a:t>noise</a:t>
+              </a:r>
+              <a:endParaRPr lang="en-US" sz="2000" b="1" i="1" dirty="0">
+                <a:solidFill>
+                  <a:srgbClr val="0F6FC6"/>
+                </a:solidFill>
+                <a:latin typeface="+mn-lt"/>
+              </a:endParaRPr>
+            </a:p>
+          </p:txBody>
+        </p:sp>
+        <p:cxnSp>
+          <p:nvCxnSpPr>
+            <p:cNvPr id="58" name="Straight Arrow Connector 57"/>
+            <p:cNvCxnSpPr/>
+            <p:nvPr/>
+          </p:nvCxnSpPr>
+          <p:spPr>
+            <a:xfrm flipH="1" flipV="1">
+              <a:off x="11234242" y="5863207"/>
+              <a:ext cx="213644" cy="398661"/>
+            </a:xfrm>
+            <a:prstGeom prst="straightConnector1">
+              <a:avLst/>
+            </a:prstGeom>
+            <a:ln w="31750">
+              <a:solidFill>
+                <a:schemeClr val="accent1"/>
+              </a:solidFill>
+              <a:prstDash val="sysDot"/>
+              <a:tailEnd type="triangle"/>
+            </a:ln>
+            <a:effectLst/>
+          </p:spPr>
+          <p:style>
+            <a:lnRef idx="2">
+              <a:schemeClr val="accent1"/>
+            </a:lnRef>
+            <a:fillRef idx="0">
+              <a:schemeClr val="accent1"/>
+            </a:fillRef>
+            <a:effectRef idx="1">
+              <a:schemeClr val="accent1"/>
+            </a:effectRef>
+            <a:fontRef idx="minor">
+              <a:schemeClr val="tx1"/>
+            </a:fontRef>
+          </p:style>
+        </p:cxnSp>
+        <p:sp>
+          <p:nvSpPr>
+            <p:cNvPr id="59" name="Curved Right Arrow 58"/>
+            <p:cNvSpPr/>
+            <p:nvPr/>
+          </p:nvSpPr>
+          <p:spPr>
+            <a:xfrm rot="10800000" flipH="1">
+              <a:off x="8602126" y="3615700"/>
+              <a:ext cx="740780" cy="2891469"/>
+            </a:xfrm>
+            <a:prstGeom prst="curvedRightArrow">
+              <a:avLst/>
+            </a:prstGeom>
+            <a:solidFill>
+              <a:schemeClr val="bg1">
+                <a:lumMod val="65000"/>
+              </a:schemeClr>
+            </a:solidFill>
+            <a:ln w="25400">
+              <a:solidFill>
+                <a:schemeClr val="bg1">
+                  <a:lumMod val="65000"/>
+                </a:schemeClr>
+              </a:solidFill>
+            </a:ln>
+          </p:spPr>
+          <p:style>
+            <a:lnRef idx="2">
+              <a:schemeClr val="accent1">
+                <a:shade val="50000"/>
+              </a:schemeClr>
+            </a:lnRef>
+            <a:fillRef idx="1">
+              <a:schemeClr val="accent1"/>
+            </a:fillRef>
+            <a:effectRef idx="0">
+              <a:schemeClr val="accent1"/>
+            </a:effectRef>
+            <a:fontRef idx="minor">
+              <a:schemeClr val="lt1"/>
+            </a:fontRef>
+          </p:style>
+          <p:txBody>
+            <a:bodyPr rtlCol="0" anchor="ctr"/>
+            <a:lstStyle/>
+            <a:p>
+              <a:pPr algn="ctr"/>
+              <a:endParaRPr lang="en-US">
+                <a:solidFill>
+                  <a:schemeClr val="tx1"/>
+                </a:solidFill>
+              </a:endParaRPr>
+            </a:p>
+          </p:txBody>
+        </p:sp>
+        <p:sp>
+          <p:nvSpPr>
+            <p:cNvPr id="60" name="TextBox 59"/>
+            <p:cNvSpPr txBox="1"/>
+            <p:nvPr/>
+          </p:nvSpPr>
+          <p:spPr>
+            <a:xfrm rot="16200000">
+              <a:off x="7488237" y="4426062"/>
+              <a:ext cx="1679691" cy="400110"/>
+            </a:xfrm>
+            <a:prstGeom prst="rect">
+              <a:avLst/>
+            </a:prstGeom>
+            <a:noFill/>
+          </p:spPr>
+          <p:txBody>
+            <a:bodyPr wrap="none" rtlCol="0">
+              <a:spAutoFit/>
+            </a:bodyPr>
+            <a:lstStyle/>
+            <a:p>
+              <a:r>
+                <a:rPr lang="en-US" sz="2000" b="1" dirty="0" smtClean="0">
+                  <a:solidFill>
+                    <a:schemeClr val="bg1">
+                      <a:lumMod val="65000"/>
+                    </a:schemeClr>
+                  </a:solidFill>
+                  <a:latin typeface="+mn-lt"/>
+                </a:rPr>
+                <a:t>training signal</a:t>
+              </a:r>
+              <a:endParaRPr lang="en-US" sz="2000" b="1" dirty="0">
+                <a:solidFill>
+                  <a:schemeClr val="bg1">
+                    <a:lumMod val="65000"/>
+                  </a:schemeClr>
+                </a:solidFill>
+                <a:latin typeface="+mn-lt"/>
+              </a:endParaRPr>
+            </a:p>
+          </p:txBody>
+        </p:sp>
+        <p:grpSp>
+          <p:nvGrpSpPr>
+            <p:cNvPr id="69" name="Group 68"/>
+            <p:cNvGrpSpPr/>
+            <p:nvPr/>
+          </p:nvGrpSpPr>
+          <p:grpSpPr>
+            <a:xfrm>
+              <a:off x="9476954" y="6235973"/>
+              <a:ext cx="1755761" cy="357367"/>
+              <a:chOff x="9632407" y="5727866"/>
+              <a:chExt cx="1755761" cy="357367"/>
+            </a:xfrm>
+          </p:grpSpPr>
+          <p:sp>
+            <p:nvSpPr>
+              <p:cNvPr id="63" name="Oval 62"/>
+              <p:cNvSpPr/>
+              <p:nvPr/>
+            </p:nvSpPr>
+            <p:spPr>
+              <a:xfrm>
+                <a:off x="10010669" y="5754716"/>
+                <a:ext cx="295952" cy="295952"/>
+              </a:xfrm>
+              <a:prstGeom prst="ellipse">
+                <a:avLst/>
+              </a:prstGeom>
+              <a:noFill/>
+              <a:ln w="25400">
+                <a:solidFill>
+                  <a:srgbClr val="0000FF"/>
+                </a:solidFill>
+              </a:ln>
+            </p:spPr>
+            <p:style>
+              <a:lnRef idx="2">
+                <a:schemeClr val="accent1">
+                  <a:shade val="50000"/>
+                </a:schemeClr>
+              </a:lnRef>
+              <a:fillRef idx="1">
+                <a:schemeClr val="accent1"/>
+              </a:fillRef>
+              <a:effectRef idx="0">
+                <a:schemeClr val="accent1"/>
+              </a:effectRef>
+              <a:fontRef idx="minor">
+                <a:schemeClr val="lt1"/>
+              </a:fontRef>
+            </p:style>
+            <p:txBody>
+              <a:bodyPr rtlCol="0" anchor="ctr"/>
+              <a:lstStyle/>
+              <a:p>
+                <a:pPr algn="ctr"/>
+                <a:endParaRPr lang="en-US">
+                  <a:solidFill>
+                    <a:schemeClr val="tx1"/>
+                  </a:solidFill>
+                </a:endParaRPr>
+              </a:p>
+            </p:txBody>
+          </p:sp>
+          <p:sp>
+            <p:nvSpPr>
+              <p:cNvPr id="64" name="Oval 63"/>
+              <p:cNvSpPr/>
+              <p:nvPr/>
+            </p:nvSpPr>
+            <p:spPr>
+              <a:xfrm>
+                <a:off x="10360785" y="5754716"/>
+                <a:ext cx="295952" cy="295952"/>
+              </a:xfrm>
+              <a:prstGeom prst="ellipse">
+                <a:avLst/>
+              </a:prstGeom>
+              <a:noFill/>
+              <a:ln w="25400">
+                <a:solidFill>
+                  <a:srgbClr val="0000FF"/>
+                </a:solidFill>
+              </a:ln>
+            </p:spPr>
+            <p:style>
+              <a:lnRef idx="2">
+                <a:schemeClr val="accent1">
+                  <a:shade val="50000"/>
+                </a:schemeClr>
+              </a:lnRef>
+              <a:fillRef idx="1">
+                <a:schemeClr val="accent1"/>
+              </a:fillRef>
+              <a:effectRef idx="0">
+                <a:schemeClr val="accent1"/>
+              </a:effectRef>
+              <a:fontRef idx="minor">
+                <a:schemeClr val="lt1"/>
+              </a:fontRef>
+            </p:style>
+            <p:txBody>
+              <a:bodyPr rtlCol="0" anchor="ctr"/>
+              <a:lstStyle/>
+              <a:p>
+                <a:pPr algn="ctr"/>
+                <a:endParaRPr lang="en-US">
+                  <a:solidFill>
+                    <a:schemeClr val="tx1"/>
+                  </a:solidFill>
+                </a:endParaRPr>
+              </a:p>
+            </p:txBody>
+          </p:sp>
+          <p:sp>
+            <p:nvSpPr>
+              <p:cNvPr id="65" name="Oval 64"/>
+              <p:cNvSpPr/>
+              <p:nvPr/>
+            </p:nvSpPr>
+            <p:spPr>
+              <a:xfrm>
+                <a:off x="10710902" y="5754716"/>
+                <a:ext cx="295952" cy="295952"/>
+              </a:xfrm>
+              <a:prstGeom prst="ellipse">
+                <a:avLst/>
+              </a:prstGeom>
+              <a:noFill/>
+              <a:ln w="25400">
+                <a:solidFill>
+                  <a:srgbClr val="0000FF"/>
+                </a:solidFill>
+              </a:ln>
+            </p:spPr>
+            <p:style>
+              <a:lnRef idx="2">
+                <a:schemeClr val="accent1">
+                  <a:shade val="50000"/>
+                </a:schemeClr>
+              </a:lnRef>
+              <a:fillRef idx="1">
+                <a:schemeClr val="accent1"/>
+              </a:fillRef>
+              <a:effectRef idx="0">
+                <a:schemeClr val="accent1"/>
+              </a:effectRef>
+              <a:fontRef idx="minor">
+                <a:schemeClr val="lt1"/>
+              </a:fontRef>
+            </p:style>
+            <p:txBody>
+              <a:bodyPr rtlCol="0" anchor="ctr"/>
+              <a:lstStyle/>
+              <a:p>
+                <a:pPr algn="ctr"/>
+                <a:endParaRPr lang="en-US">
+                  <a:solidFill>
+                    <a:schemeClr val="tx1"/>
+                  </a:solidFill>
+                </a:endParaRPr>
+              </a:p>
+            </p:txBody>
+          </p:sp>
+          <p:sp>
+            <p:nvSpPr>
+              <p:cNvPr id="66" name="Oval 65"/>
+              <p:cNvSpPr/>
+              <p:nvPr/>
+            </p:nvSpPr>
+            <p:spPr>
+              <a:xfrm>
+                <a:off x="11061019" y="5754716"/>
+                <a:ext cx="295952" cy="295952"/>
+              </a:xfrm>
+              <a:prstGeom prst="ellipse">
+                <a:avLst/>
+              </a:prstGeom>
+              <a:noFill/>
+              <a:ln w="25400">
+                <a:solidFill>
+                  <a:srgbClr val="0000FF"/>
+                </a:solidFill>
+              </a:ln>
+            </p:spPr>
+            <p:style>
+              <a:lnRef idx="2">
+                <a:schemeClr val="accent1">
+                  <a:shade val="50000"/>
+                </a:schemeClr>
+              </a:lnRef>
+              <a:fillRef idx="1">
+                <a:schemeClr val="accent1"/>
+              </a:fillRef>
+              <a:effectRef idx="0">
+                <a:schemeClr val="accent1"/>
+              </a:effectRef>
+              <a:fontRef idx="minor">
+                <a:schemeClr val="lt1"/>
+              </a:fontRef>
+            </p:style>
+            <p:txBody>
+              <a:bodyPr rtlCol="0" anchor="ctr"/>
+              <a:lstStyle/>
+              <a:p>
+                <a:pPr algn="ctr"/>
+                <a:endParaRPr lang="en-US">
+                  <a:solidFill>
+                    <a:schemeClr val="tx1"/>
+                  </a:solidFill>
+                </a:endParaRPr>
+              </a:p>
+            </p:txBody>
+          </p:sp>
+          <p:sp>
+            <p:nvSpPr>
+              <p:cNvPr id="67" name="Oval 66"/>
+              <p:cNvSpPr/>
+              <p:nvPr/>
+            </p:nvSpPr>
+            <p:spPr>
+              <a:xfrm>
+                <a:off x="9660552" y="5754716"/>
+                <a:ext cx="295952" cy="295952"/>
+              </a:xfrm>
+              <a:prstGeom prst="ellipse">
+                <a:avLst/>
+              </a:prstGeom>
+              <a:noFill/>
+              <a:ln w="25400">
+                <a:solidFill>
+                  <a:srgbClr val="0000FF"/>
+                </a:solidFill>
+              </a:ln>
+            </p:spPr>
+            <p:style>
+              <a:lnRef idx="2">
+                <a:schemeClr val="accent1">
+                  <a:shade val="50000"/>
+                </a:schemeClr>
+              </a:lnRef>
+              <a:fillRef idx="1">
+                <a:schemeClr val="accent1"/>
+              </a:fillRef>
+              <a:effectRef idx="0">
+                <a:schemeClr val="accent1"/>
+              </a:effectRef>
+              <a:fontRef idx="minor">
+                <a:schemeClr val="lt1"/>
+              </a:fontRef>
+            </p:style>
+            <p:txBody>
+              <a:bodyPr rtlCol="0" anchor="ctr"/>
+              <a:lstStyle/>
+              <a:p>
+                <a:pPr algn="ctr"/>
+                <a:endParaRPr lang="en-US" dirty="0">
+                  <a:solidFill>
+                    <a:schemeClr val="tx1"/>
+                  </a:solidFill>
+                </a:endParaRPr>
+              </a:p>
+            </p:txBody>
+          </p:sp>
+          <p:sp>
+            <p:nvSpPr>
+              <p:cNvPr id="68" name="Rectangle 67"/>
+              <p:cNvSpPr/>
+              <p:nvPr/>
+            </p:nvSpPr>
+            <p:spPr>
+              <a:xfrm>
+                <a:off x="9632407" y="5727866"/>
+                <a:ext cx="1755761" cy="357367"/>
+              </a:xfrm>
+              <a:prstGeom prst="rect">
+                <a:avLst/>
+              </a:prstGeom>
+              <a:noFill/>
+              <a:ln w="25400">
+                <a:solidFill>
+                  <a:srgbClr val="0000FF"/>
+                </a:solidFill>
+              </a:ln>
+            </p:spPr>
+            <p:style>
+              <a:lnRef idx="2">
+                <a:schemeClr val="accent1">
+                  <a:shade val="50000"/>
+                </a:schemeClr>
+              </a:lnRef>
+              <a:fillRef idx="1">
+                <a:schemeClr val="accent1"/>
+              </a:fillRef>
+              <a:effectRef idx="0">
+                <a:schemeClr val="accent1"/>
+              </a:effectRef>
+              <a:fontRef idx="minor">
+                <a:schemeClr val="lt1"/>
+              </a:fontRef>
+            </p:style>
+            <p:txBody>
+              <a:bodyPr rtlCol="0" anchor="ctr"/>
+              <a:lstStyle/>
+              <a:p>
+                <a:pPr algn="ctr"/>
+                <a:endParaRPr lang="en-US">
+                  <a:solidFill>
+                    <a:schemeClr val="tx1"/>
+                  </a:solidFill>
+                </a:endParaRPr>
+              </a:p>
+            </p:txBody>
+          </p:sp>
+        </p:grpSp>
+      </p:grpSp>
+    </p:spTree>
+    <p:extLst>
+      <p:ext uri="{BB962C8B-B14F-4D97-AF65-F5344CB8AC3E}">
+        <p14:creationId xmlns:p14="http://schemas.microsoft.com/office/powerpoint/2010/main" val="529437809"/>
+      </p:ext>
+    </p:extLst>
+  </p:cSld>
+  <p:clrMapOvr>
+    <a:masterClrMapping/>
+  </p:clrMapOvr>
+</p:sld>
+</file>
+
+<file path=ppt/slides/slide11.xml><?xml version="1.0" encoding="utf-8"?>
+<p:sld xmlns:a="http://schemas.openxmlformats.org/drawingml/2006/main" xmlns:r="http://schemas.openxmlformats.org/officeDocument/2006/relationships" xmlns:p="http://schemas.openxmlformats.org/presentationml/2006/main">
+  <p:cSld>
+    <p:spTree>
+      <p:nvGrpSpPr>
+        <p:cNvPr id="1" name=""/>
+        <p:cNvGrpSpPr/>
+        <p:nvPr/>
+      </p:nvGrpSpPr>
+      <p:grpSpPr>
+        <a:xfrm>
+          <a:off x="0" y="0"/>
+          <a:ext cx="0" cy="0"/>
+          <a:chOff x="0" y="0"/>
+          <a:chExt cx="0" cy="0"/>
+        </a:xfrm>
+      </p:grpSpPr>
+      <p:sp>
+        <p:nvSpPr>
+          <p:cNvPr id="2" name="Title 1"/>
+          <p:cNvSpPr>
+            <a:spLocks noGrp="1"/>
+          </p:cNvSpPr>
+          <p:nvPr>
+            <p:ph type="title"/>
+          </p:nvPr>
+        </p:nvSpPr>
+        <p:spPr/>
+        <p:txBody>
+          <a:bodyPr/>
+          <a:lstStyle/>
+          <a:p>
+            <a:endParaRPr lang="en-US"/>
+          </a:p>
+        </p:txBody>
+      </p:sp>
+      <mc:AlternateContent xmlns:mc="http://schemas.openxmlformats.org/markup-compatibility/2006" xmlns:a14="http://schemas.microsoft.com/office/drawing/2010/main">
+        <mc:Choice Requires="a14">
+          <p:sp>
+            <p:nvSpPr>
+              <p:cNvPr id="3" name="Content Placeholder 2"/>
+              <p:cNvSpPr>
+                <a:spLocks noGrp="1"/>
+              </p:cNvSpPr>
+              <p:nvPr>
+                <p:ph idx="1"/>
+              </p:nvPr>
+            </p:nvSpPr>
+            <p:spPr/>
+            <p:txBody>
+              <a:bodyPr>
+                <a:normAutofit fontScale="62500" lnSpcReduction="20000"/>
+              </a:bodyPr>
+              <a:lstStyle/>
+              <a:p>
+                <a14:m>
+                  <m:oMath xmlns:m="http://schemas.openxmlformats.org/officeDocument/2006/math">
+                    <m:r>
+                      <a:rPr lang="en-US" b="1" i="1" smtClean="0">
+                        <a:latin typeface="Cambria Math" charset="0"/>
+                      </a:rPr>
+                      <m:t>𝒉</m:t>
+                    </m:r>
+                    <m:r>
+                      <a:rPr lang="en-US" b="1" i="1" smtClean="0">
+                        <a:latin typeface="Cambria Math" charset="0"/>
+                      </a:rPr>
+                      <m:t>:</m:t>
+                    </m:r>
+                  </m:oMath>
+                </a14:m>
+                <a:r>
+                  <a:rPr lang="en-US" dirty="0" smtClean="0"/>
+                  <a:t> activation of the </a:t>
+                </a:r>
+                <a:r>
+                  <a:rPr lang="en-US" smtClean="0"/>
+                  <a:t>hidden layer in [-1,+1]</a:t>
+                </a:r>
+                <a:endParaRPr lang="en-US" dirty="0"/>
+              </a:p>
+              <a:p>
+                <a14:m>
+                  <m:oMath xmlns:m="http://schemas.openxmlformats.org/officeDocument/2006/math">
+                    <m:r>
+                      <a:rPr lang="en-US" b="1" i="1" smtClean="0">
+                        <a:latin typeface="Cambria Math" charset="0"/>
+                      </a:rPr>
+                      <m:t>𝜼</m:t>
+                    </m:r>
+                  </m:oMath>
+                </a14:m>
+                <a:r>
+                  <a:rPr lang="en-US" dirty="0" smtClean="0"/>
+                  <a:t>: noise vector, </a:t>
+                </a:r>
+                <a14:m>
+                  <m:oMath xmlns:m="http://schemas.openxmlformats.org/officeDocument/2006/math">
+                    <m:r>
+                      <a:rPr lang="en-US" b="1" i="1" smtClean="0">
+                        <a:latin typeface="Cambria Math" charset="0"/>
+                      </a:rPr>
+                      <m:t>𝜼</m:t>
+                    </m:r>
+                    <m:r>
+                      <a:rPr lang="en-US" b="1" i="1" smtClean="0">
+                        <a:latin typeface="Cambria Math" charset="0"/>
+                      </a:rPr>
+                      <m:t>~</m:t>
+                    </m:r>
+                    <m:r>
+                      <a:rPr lang="en-US" b="1" i="1" smtClean="0">
+                        <a:latin typeface="Cambria Math" charset="0"/>
+                        <a:ea typeface="Cambria Math" charset="0"/>
+                        <a:cs typeface="Cambria Math" charset="0"/>
+                      </a:rPr>
+                      <m:t>𝓝</m:t>
+                    </m:r>
+                    <m:r>
+                      <a:rPr lang="en-US" b="1" i="1" smtClean="0">
+                        <a:latin typeface="Cambria Math" charset="0"/>
+                      </a:rPr>
+                      <m:t>(</m:t>
+                    </m:r>
+                    <m:r>
+                      <a:rPr lang="en-US" b="1" i="1" smtClean="0">
+                        <a:latin typeface="Cambria Math" charset="0"/>
+                      </a:rPr>
+                      <m:t>𝟎</m:t>
+                    </m:r>
+                    <m:r>
+                      <a:rPr lang="en-US" b="1" i="1" smtClean="0">
+                        <a:latin typeface="Cambria Math" charset="0"/>
+                      </a:rPr>
+                      <m:t>,?)</m:t>
+                    </m:r>
+                  </m:oMath>
+                </a14:m>
+                <a:endParaRPr lang="en-US" dirty="0" smtClean="0"/>
+              </a:p>
+              <a:p>
+                <a:r>
+                  <a:rPr lang="en-US" dirty="0" smtClean="0"/>
+                  <a:t>attractor net dynamics</a:t>
+                </a:r>
+              </a:p>
+              <a:p>
+                <a:pPr lvl="1"/>
+                <a14:m>
+                  <m:oMath xmlns:m="http://schemas.openxmlformats.org/officeDocument/2006/math">
+                    <m:sSub>
+                      <m:sSubPr>
+                        <m:ctrlPr>
+                          <a:rPr lang="en-US" b="1" i="1" smtClean="0">
+                            <a:latin typeface="Cambria Math" charset="0"/>
+                          </a:rPr>
+                        </m:ctrlPr>
+                      </m:sSubPr>
+                      <m:e>
+                        <m:r>
+                          <a:rPr lang="en-US" b="1" i="1" smtClean="0">
+                            <a:latin typeface="Cambria Math" charset="0"/>
+                          </a:rPr>
+                          <m:t>𝒂</m:t>
+                        </m:r>
+                      </m:e>
+                      <m:sub>
+                        <m:r>
+                          <a:rPr lang="en-US" b="1" i="1" smtClean="0">
+                            <a:latin typeface="Cambria Math" charset="0"/>
+                          </a:rPr>
+                          <m:t>𝟎</m:t>
+                        </m:r>
+                      </m:sub>
+                    </m:sSub>
+                    <m:r>
+                      <a:rPr lang="en-US" b="1" i="1" smtClean="0">
+                        <a:latin typeface="Cambria Math" charset="0"/>
+                      </a:rPr>
+                      <m:t>=</m:t>
+                    </m:r>
+                    <m:r>
+                      <a:rPr lang="en-US" b="1" i="1" smtClean="0">
+                        <a:latin typeface="Cambria Math" charset="0"/>
+                      </a:rPr>
+                      <m:t>𝟎</m:t>
+                    </m:r>
+                  </m:oMath>
+                </a14:m>
+                <a:endParaRPr lang="en-US" b="1" dirty="0" smtClean="0"/>
+              </a:p>
+              <a:p>
+                <a:pPr lvl="1"/>
+                <a14:m>
+                  <m:oMath xmlns:m="http://schemas.openxmlformats.org/officeDocument/2006/math">
+                    <m:sSub>
+                      <m:sSubPr>
+                        <m:ctrlPr>
+                          <a:rPr lang="en-US" b="1" i="1" smtClean="0">
+                            <a:latin typeface="Cambria Math" charset="0"/>
+                          </a:rPr>
+                        </m:ctrlPr>
+                      </m:sSubPr>
+                      <m:e>
+                        <m:r>
+                          <a:rPr lang="en-US" b="1" i="1" smtClean="0">
+                            <a:latin typeface="Cambria Math" charset="0"/>
+                          </a:rPr>
+                          <m:t>𝒂</m:t>
+                        </m:r>
+                      </m:e>
+                      <m:sub>
+                        <m:r>
+                          <a:rPr lang="en-US" b="1" i="1" smtClean="0">
+                            <a:latin typeface="Cambria Math" charset="0"/>
+                          </a:rPr>
+                          <m:t>𝒕</m:t>
+                        </m:r>
+                        <m:r>
+                          <a:rPr lang="en-US" b="1" i="1" smtClean="0">
+                            <a:latin typeface="Cambria Math" charset="0"/>
+                          </a:rPr>
+                          <m:t>,</m:t>
+                        </m:r>
+                        <m:r>
+                          <a:rPr lang="en-US" b="1" i="1" smtClean="0">
+                            <a:latin typeface="Cambria Math" charset="0"/>
+                          </a:rPr>
+                          <m:t>𝒋</m:t>
+                        </m:r>
+                      </m:sub>
+                    </m:sSub>
+                    <m:r>
+                      <a:rPr lang="en-US" b="1" i="1" smtClean="0">
+                        <a:latin typeface="Cambria Math" charset="0"/>
+                      </a:rPr>
+                      <m:t>=</m:t>
+                    </m:r>
+                    <m:r>
+                      <a:rPr lang="en-US" b="1" i="1" smtClean="0">
+                        <a:latin typeface="Cambria Math" charset="0"/>
+                      </a:rPr>
+                      <m:t>𝝈</m:t>
+                    </m:r>
+                    <m:d>
+                      <m:dPr>
+                        <m:ctrlPr>
+                          <a:rPr lang="mr-IN" b="1" i="1" smtClean="0">
+                            <a:latin typeface="Cambria Math" charset="0"/>
+                          </a:rPr>
+                        </m:ctrlPr>
+                      </m:dPr>
+                      <m:e>
+                        <m:nary>
+                          <m:naryPr>
+                            <m:chr m:val="∑"/>
+                            <m:supHide m:val="on"/>
+                            <m:ctrlPr>
+                              <a:rPr lang="en-US" b="1" i="1" smtClean="0">
+                                <a:latin typeface="Cambria Math" charset="0"/>
+                              </a:rPr>
+                            </m:ctrlPr>
+                          </m:naryPr>
+                          <m:sub>
+                            <m:r>
+                              <a:rPr lang="en-US" b="1" i="1" smtClean="0">
+                                <a:latin typeface="Cambria Math" charset="0"/>
+                              </a:rPr>
+                              <m:t>𝒊</m:t>
+                            </m:r>
+                          </m:sub>
+                          <m:sup/>
+                          <m:e>
+                            <m:sSub>
+                              <m:sSubPr>
+                                <m:ctrlPr>
+                                  <a:rPr lang="en-US" b="1" i="1" smtClean="0">
+                                    <a:latin typeface="Cambria Math" charset="0"/>
+                                  </a:rPr>
+                                </m:ctrlPr>
+                              </m:sSubPr>
+                              <m:e>
+                                <m:sSub>
+                                  <m:sSubPr>
+                                    <m:ctrlPr>
+                                      <a:rPr lang="en-US" b="1" i="1" smtClean="0">
+                                        <a:latin typeface="Cambria Math" charset="0"/>
+                                      </a:rPr>
+                                    </m:ctrlPr>
+                                  </m:sSubPr>
+                                  <m:e>
+                                    <m:r>
+                                      <a:rPr lang="en-US" b="1" i="1" smtClean="0">
+                                        <a:latin typeface="Cambria Math" charset="0"/>
+                                      </a:rPr>
+                                      <m:t>𝒘</m:t>
+                                    </m:r>
+                                  </m:e>
+                                  <m:sub>
+                                    <m:r>
+                                      <a:rPr lang="en-US" b="1" i="1" smtClean="0">
+                                        <a:latin typeface="Cambria Math" charset="0"/>
+                                      </a:rPr>
+                                      <m:t>𝒋𝒊</m:t>
+                                    </m:r>
+                                  </m:sub>
+                                </m:sSub>
+                                <m:r>
+                                  <a:rPr lang="en-US" b="1" i="1" smtClean="0">
+                                    <a:latin typeface="Cambria Math" charset="0"/>
+                                  </a:rPr>
+                                  <m:t>𝒂</m:t>
+                                </m:r>
+                              </m:e>
+                              <m:sub>
+                                <m:r>
+                                  <a:rPr lang="en-US" b="1" i="1" smtClean="0">
+                                    <a:latin typeface="Cambria Math" charset="0"/>
+                                  </a:rPr>
+                                  <m:t>𝒕</m:t>
+                                </m:r>
+                                <m:r>
+                                  <a:rPr lang="en-US" b="1" i="1" smtClean="0">
+                                    <a:latin typeface="Cambria Math" charset="0"/>
+                                  </a:rPr>
+                                  <m:t>−</m:t>
+                                </m:r>
+                                <m:r>
+                                  <a:rPr lang="en-US" b="1" i="1" smtClean="0">
+                                    <a:latin typeface="Cambria Math" charset="0"/>
+                                  </a:rPr>
+                                  <m:t>𝟏</m:t>
+                                </m:r>
+                                <m:r>
+                                  <a:rPr lang="en-US" b="1" i="1" smtClean="0">
+                                    <a:latin typeface="Cambria Math" charset="0"/>
+                                  </a:rPr>
+                                  <m:t>,</m:t>
+                                </m:r>
+                                <m:r>
+                                  <a:rPr lang="en-US" b="1" i="1" smtClean="0">
+                                    <a:latin typeface="Cambria Math" charset="0"/>
+                                  </a:rPr>
+                                  <m:t>𝒊</m:t>
+                                </m:r>
+                              </m:sub>
+                            </m:sSub>
+                          </m:e>
+                        </m:nary>
+                        <m:r>
+                          <a:rPr lang="en-US" b="1" i="1" smtClean="0">
+                            <a:latin typeface="Cambria Math" charset="0"/>
+                          </a:rPr>
+                          <m:t>+</m:t>
+                        </m:r>
+                        <m:sSub>
+                          <m:sSubPr>
+                            <m:ctrlPr>
+                              <a:rPr lang="en-US" b="1" i="1" smtClean="0">
+                                <a:latin typeface="Cambria Math" charset="0"/>
+                              </a:rPr>
+                            </m:ctrlPr>
+                          </m:sSubPr>
+                          <m:e>
+                            <m:r>
+                              <a:rPr lang="en-US" b="1" i="1" smtClean="0">
+                                <a:latin typeface="Cambria Math" charset="0"/>
+                              </a:rPr>
+                              <m:t>𝑩</m:t>
+                            </m:r>
+                          </m:e>
+                          <m:sub>
+                            <m:r>
+                              <a:rPr lang="en-US" b="1" i="1" smtClean="0">
+                                <a:latin typeface="Cambria Math" charset="0"/>
+                              </a:rPr>
+                              <m:t>𝒋</m:t>
+                            </m:r>
+                          </m:sub>
+                        </m:sSub>
+                      </m:e>
+                    </m:d>
+                  </m:oMath>
+                </a14:m>
+                <a:endParaRPr lang="en-US" b="1" dirty="0" smtClean="0"/>
+              </a:p>
+              <a:p>
+                <a:pPr lvl="1"/>
+                <a14:m>
+                  <m:oMath xmlns:m="http://schemas.openxmlformats.org/officeDocument/2006/math">
+                    <m:sSub>
+                      <m:sSubPr>
+                        <m:ctrlPr>
+                          <a:rPr lang="en-US" b="1" i="1" smtClean="0">
+                            <a:latin typeface="Cambria Math" charset="0"/>
+                          </a:rPr>
+                        </m:ctrlPr>
+                      </m:sSubPr>
+                      <m:e>
+                        <m:r>
+                          <a:rPr lang="en-US" b="1" i="1" smtClean="0">
+                            <a:latin typeface="Cambria Math" charset="0"/>
+                          </a:rPr>
+                          <m:t>𝑩</m:t>
+                        </m:r>
+                      </m:e>
+                      <m:sub>
+                        <m:r>
+                          <a:rPr lang="en-US" b="1" i="1" smtClean="0">
+                            <a:latin typeface="Cambria Math" charset="0"/>
+                          </a:rPr>
+                          <m:t>𝒋</m:t>
+                        </m:r>
+                      </m:sub>
+                    </m:sSub>
+                    <m:r>
+                      <a:rPr lang="en-US" b="1" i="1" smtClean="0">
+                        <a:latin typeface="Cambria Math" charset="0"/>
+                      </a:rPr>
+                      <m:t>=</m:t>
+                    </m:r>
+                    <m:sSub>
+                      <m:sSubPr>
+                        <m:ctrlPr>
+                          <a:rPr lang="en-US" b="1" i="1" smtClean="0">
+                            <a:latin typeface="Cambria Math" charset="0"/>
+                          </a:rPr>
+                        </m:ctrlPr>
+                      </m:sSubPr>
+                      <m:e>
+                        <m:r>
+                          <a:rPr lang="en-US" b="1" i="1" smtClean="0">
+                            <a:latin typeface="Cambria Math" charset="0"/>
+                          </a:rPr>
+                          <m:t>𝒗</m:t>
+                        </m:r>
+                      </m:e>
+                      <m:sub>
+                        <m:r>
+                          <a:rPr lang="en-US" b="1" i="1" smtClean="0">
+                            <a:latin typeface="Cambria Math" charset="0"/>
+                          </a:rPr>
+                          <m:t>𝒋</m:t>
+                        </m:r>
+                      </m:sub>
+                    </m:sSub>
+                    <m:r>
+                      <a:rPr lang="en-US" b="1" i="1" smtClean="0">
+                        <a:latin typeface="Cambria Math" charset="0"/>
+                      </a:rPr>
+                      <m:t>+</m:t>
+                    </m:r>
+                    <m:sSub>
+                      <m:sSubPr>
+                        <m:ctrlPr>
+                          <a:rPr lang="en-US" b="1" i="1" smtClean="0">
+                            <a:latin typeface="Cambria Math" charset="0"/>
+                          </a:rPr>
+                        </m:ctrlPr>
+                      </m:sSubPr>
+                      <m:e>
+                        <m:sSup>
+                          <m:sSupPr>
+                            <m:ctrlPr>
+                              <a:rPr lang="en-US" b="1" i="1" smtClean="0">
+                                <a:latin typeface="Cambria Math" charset="0"/>
+                              </a:rPr>
+                            </m:ctrlPr>
+                          </m:sSupPr>
+                          <m:e>
+                            <m:r>
+                              <a:rPr lang="en-US" b="1" i="1" smtClean="0">
+                                <a:latin typeface="Cambria Math" charset="0"/>
+                              </a:rPr>
+                              <m:t>𝝈</m:t>
+                            </m:r>
+                          </m:e>
+                          <m:sup>
+                            <m:r>
+                              <a:rPr lang="en-US" b="1" i="1" smtClean="0">
+                                <a:latin typeface="Cambria Math" charset="0"/>
+                              </a:rPr>
+                              <m:t>−</m:t>
+                            </m:r>
+                            <m:r>
+                              <a:rPr lang="en-US" b="1" i="1" smtClean="0">
+                                <a:latin typeface="Cambria Math" charset="0"/>
+                              </a:rPr>
+                              <m:t>𝟏</m:t>
+                            </m:r>
+                          </m:sup>
+                        </m:sSup>
+                        <m:r>
+                          <a:rPr lang="en-US" b="1" i="1" smtClean="0">
+                            <a:latin typeface="Cambria Math" charset="0"/>
+                          </a:rPr>
+                          <m:t>(</m:t>
+                        </m:r>
+                        <m:r>
+                          <a:rPr lang="en-US" b="1" i="1" smtClean="0">
+                            <a:latin typeface="Cambria Math" charset="0"/>
+                          </a:rPr>
+                          <m:t>𝒉</m:t>
+                        </m:r>
+                      </m:e>
+                      <m:sub>
+                        <m:r>
+                          <a:rPr lang="en-US" b="1" i="1" smtClean="0">
+                            <a:latin typeface="Cambria Math" charset="0"/>
+                          </a:rPr>
+                          <m:t>𝒋</m:t>
+                        </m:r>
+                      </m:sub>
+                    </m:sSub>
+                    <m:r>
+                      <a:rPr lang="en-US" b="1" i="1" smtClean="0">
+                        <a:latin typeface="Cambria Math" charset="0"/>
+                      </a:rPr>
+                      <m:t>)+</m:t>
+                    </m:r>
+                    <m:sSub>
+                      <m:sSubPr>
+                        <m:ctrlPr>
+                          <a:rPr lang="en-US" b="1" i="1" smtClean="0">
+                            <a:latin typeface="Cambria Math" charset="0"/>
+                          </a:rPr>
+                        </m:ctrlPr>
+                      </m:sSubPr>
+                      <m:e>
+                        <m:r>
+                          <a:rPr lang="en-US" b="1" i="1" smtClean="0">
+                            <a:latin typeface="Cambria Math" charset="0"/>
+                          </a:rPr>
+                          <m:t>𝜼</m:t>
+                        </m:r>
+                      </m:e>
+                      <m:sub>
+                        <m:r>
+                          <a:rPr lang="en-US" b="1" i="1" smtClean="0">
+                            <a:latin typeface="Cambria Math" charset="0"/>
+                          </a:rPr>
+                          <m:t>𝒋</m:t>
+                        </m:r>
+                      </m:sub>
+                    </m:sSub>
+                  </m:oMath>
+                </a14:m>
+                <a:endParaRPr lang="en-US" dirty="0" smtClean="0"/>
+              </a:p>
+              <a:p>
+                <a:pPr lvl="1"/>
+                <a:r>
+                  <a:rPr lang="en-US" dirty="0" smtClean="0"/>
+                  <a:t>Use </a:t>
+                </a:r>
+                <a14:m>
+                  <m:oMath xmlns:m="http://schemas.openxmlformats.org/officeDocument/2006/math">
+                    <m:r>
+                      <a:rPr lang="en-US" b="1" i="1" smtClean="0">
+                        <a:latin typeface="Cambria Math" charset="0"/>
+                      </a:rPr>
+                      <m:t>𝝈</m:t>
+                    </m:r>
+                    <m:r>
+                      <a:rPr lang="en-US" b="1" i="1" smtClean="0">
+                        <a:latin typeface="Cambria Math" charset="0"/>
+                      </a:rPr>
+                      <m:t>≡</m:t>
+                    </m:r>
+                    <m:r>
+                      <a:rPr lang="en-US" b="1" i="0" smtClean="0">
+                        <a:latin typeface="Cambria Math" charset="0"/>
+                      </a:rPr>
+                      <m:t>𝐭𝐚𝐧𝐡</m:t>
+                    </m:r>
+                  </m:oMath>
+                </a14:m>
+                <a:endParaRPr lang="en-US" b="1" dirty="0" smtClean="0"/>
+              </a:p>
+              <a:p>
+                <a:pPr lvl="1"/>
+                <a:r>
+                  <a:rPr lang="en-US" dirty="0"/>
+                  <a:t>where </a:t>
+                </a:r>
+                <a14:m>
+                  <m:oMath xmlns:m="http://schemas.openxmlformats.org/officeDocument/2006/math">
+                    <m:r>
+                      <a:rPr lang="en-US" i="1">
+                        <a:latin typeface="Cambria Math" charset="0"/>
+                      </a:rPr>
+                      <m:t>𝒘</m:t>
+                    </m:r>
+                  </m:oMath>
+                </a14:m>
+                <a:r>
+                  <a:rPr lang="en-US" dirty="0"/>
+                  <a:t> is a weight </a:t>
+                </a:r>
+                <a:r>
+                  <a:rPr lang="en-US" dirty="0" smtClean="0"/>
+                  <a:t>matrix with </a:t>
+                </a:r>
+                <a14:m>
+                  <m:oMath xmlns:m="http://schemas.openxmlformats.org/officeDocument/2006/math">
+                    <m:sSub>
+                      <m:sSubPr>
+                        <m:ctrlPr>
+                          <a:rPr lang="en-US" b="1" i="1" smtClean="0">
+                            <a:latin typeface="Cambria Math" charset="0"/>
+                          </a:rPr>
+                        </m:ctrlPr>
+                      </m:sSubPr>
+                      <m:e>
+                        <m:r>
+                          <a:rPr lang="en-US" b="1" i="1" smtClean="0">
+                            <a:latin typeface="Cambria Math" charset="0"/>
+                          </a:rPr>
+                          <m:t>𝒘</m:t>
+                        </m:r>
+                      </m:e>
+                      <m:sub>
+                        <m:r>
+                          <a:rPr lang="en-US" b="1" i="1" smtClean="0">
+                            <a:latin typeface="Cambria Math" charset="0"/>
+                          </a:rPr>
+                          <m:t>𝒊𝒋</m:t>
+                        </m:r>
+                      </m:sub>
+                    </m:sSub>
+                    <m:r>
+                      <a:rPr lang="en-US" b="1" i="1" smtClean="0">
+                        <a:latin typeface="Cambria Math" charset="0"/>
+                      </a:rPr>
+                      <m:t>=</m:t>
+                    </m:r>
+                    <m:sSub>
+                      <m:sSubPr>
+                        <m:ctrlPr>
+                          <a:rPr lang="en-US" b="1" i="1" smtClean="0">
+                            <a:latin typeface="Cambria Math" charset="0"/>
+                          </a:rPr>
+                        </m:ctrlPr>
+                      </m:sSubPr>
+                      <m:e>
+                        <m:r>
+                          <a:rPr lang="en-US" b="1" i="1" smtClean="0">
+                            <a:latin typeface="Cambria Math" charset="0"/>
+                          </a:rPr>
+                          <m:t>𝒘</m:t>
+                        </m:r>
+                      </m:e>
+                      <m:sub>
+                        <m:r>
+                          <a:rPr lang="en-US" b="1" i="1" smtClean="0">
+                            <a:latin typeface="Cambria Math" charset="0"/>
+                          </a:rPr>
+                          <m:t>𝒋𝒊</m:t>
+                        </m:r>
+                      </m:sub>
+                    </m:sSub>
+                  </m:oMath>
+                </a14:m>
+                <a:r>
+                  <a:rPr lang="en-US" dirty="0" smtClean="0"/>
+                  <a:t> and </a:t>
+                </a:r>
+                <a14:m>
+                  <m:oMath xmlns:m="http://schemas.openxmlformats.org/officeDocument/2006/math">
+                    <m:sSub>
+                      <m:sSubPr>
+                        <m:ctrlPr>
+                          <a:rPr lang="en-US" b="1" i="1" smtClean="0">
+                            <a:latin typeface="Cambria Math" charset="0"/>
+                          </a:rPr>
+                        </m:ctrlPr>
+                      </m:sSubPr>
+                      <m:e>
+                        <m:r>
+                          <a:rPr lang="en-US" b="1" i="1" smtClean="0">
+                            <a:latin typeface="Cambria Math" charset="0"/>
+                          </a:rPr>
+                          <m:t>𝒘</m:t>
+                        </m:r>
+                      </m:e>
+                      <m:sub>
+                        <m:r>
+                          <a:rPr lang="en-US" b="1" i="1" smtClean="0">
+                            <a:latin typeface="Cambria Math" charset="0"/>
+                          </a:rPr>
+                          <m:t>𝒊𝒊</m:t>
+                        </m:r>
+                      </m:sub>
+                    </m:sSub>
+                    <m:r>
+                      <a:rPr lang="en-US" b="1" i="1" smtClean="0">
+                        <a:latin typeface="Cambria Math" charset="0"/>
+                      </a:rPr>
+                      <m:t>=</m:t>
+                    </m:r>
+                    <m:r>
+                      <a:rPr lang="en-US" b="1" i="1" smtClean="0">
+                        <a:latin typeface="Cambria Math" charset="0"/>
+                      </a:rPr>
+                      <m:t>𝟎</m:t>
+                    </m:r>
+                  </m:oMath>
+                </a14:m>
+                <a:endParaRPr lang="en-US" b="1" dirty="0" smtClean="0"/>
+              </a:p>
+              <a:p>
+                <a:pPr lvl="1"/>
+                <a:r>
+                  <a:rPr lang="en-US" dirty="0" smtClean="0"/>
+                  <a:t>where </a:t>
+                </a:r>
+                <a14:m>
+                  <m:oMath xmlns:m="http://schemas.openxmlformats.org/officeDocument/2006/math">
+                    <m:r>
+                      <a:rPr lang="en-US" b="1" i="1" smtClean="0">
+                        <a:latin typeface="Cambria Math" charset="0"/>
+                      </a:rPr>
+                      <m:t>𝒗</m:t>
+                    </m:r>
+                    <m:r>
+                      <a:rPr lang="en-US" b="1" i="1" smtClean="0">
+                        <a:latin typeface="Cambria Math" charset="0"/>
+                      </a:rPr>
+                      <m:t> </m:t>
+                    </m:r>
+                  </m:oMath>
+                </a14:m>
+                <a:r>
+                  <a:rPr lang="en-US" dirty="0" smtClean="0"/>
+                  <a:t>is a bias vector</a:t>
+                </a:r>
+              </a:p>
+              <a:p>
+                <a:r>
+                  <a:rPr lang="en-US" dirty="0" smtClean="0"/>
+                  <a:t>Use layer normalization to prevent gradients from being squashed (see section 3.1 of Ba et al. 2016)</a:t>
+                </a:r>
+              </a:p>
+            </p:txBody>
+          </p:sp>
+        </mc:Choice>
+        <mc:Fallback xmlns="">
+          <p:sp>
+            <p:nvSpPr>
+              <p:cNvPr id="3" name="Content Placeholder 2"/>
+              <p:cNvSpPr>
+                <a:spLocks noGrp="1" noRot="1" noChangeAspect="1" noMove="1" noResize="1" noEditPoints="1" noAdjustHandles="1" noChangeArrowheads="1" noChangeShapeType="1" noTextEdit="1"/>
+              </p:cNvSpPr>
+              <p:nvPr>
+                <p:ph idx="1"/>
+              </p:nvPr>
+            </p:nvSpPr>
+            <p:spPr>
+              <a:blipFill rotWithShape="0">
+                <a:blip r:embed="rId2"/>
+                <a:stretch>
+                  <a:fillRect t="-1282"/>
+                </a:stretch>
+              </a:blipFill>
+            </p:spPr>
+            <p:txBody>
+              <a:bodyPr/>
+              <a:lstStyle/>
+              <a:p>
+                <a:r>
+                  <a:rPr lang="en-US">
+                    <a:noFill/>
+                  </a:rPr>
+                  <a:t> </a:t>
+                </a:r>
+              </a:p>
+            </p:txBody>
+          </p:sp>
+        </mc:Fallback>
+      </mc:AlternateContent>
+      <p:pic>
+        <p:nvPicPr>
+          <p:cNvPr id="4" name="Picture 3"/>
+          <p:cNvPicPr>
+            <a:picLocks noChangeAspect="1"/>
+          </p:cNvPicPr>
+          <p:nvPr/>
+        </p:nvPicPr>
+        <p:blipFill>
+          <a:blip r:embed="rId3">
+            <a:extLst>
+              <a:ext uri="{28A0092B-C50C-407E-A947-70E740481C1C}">
+                <a14:useLocalDpi xmlns:a14="http://schemas.microsoft.com/office/drawing/2010/main" val="0"/>
+              </a:ext>
+            </a:extLst>
+          </a:blip>
+          <a:stretch>
+            <a:fillRect/>
+          </a:stretch>
+        </p:blipFill>
+        <p:spPr>
+          <a:xfrm>
+            <a:off x="7232499" y="4476998"/>
+            <a:ext cx="3761907" cy="1152566"/>
+          </a:xfrm>
+          <a:prstGeom prst="rect">
+            <a:avLst/>
+          </a:prstGeom>
+        </p:spPr>
+      </p:pic>
+    </p:spTree>
+    <p:extLst>
+      <p:ext uri="{BB962C8B-B14F-4D97-AF65-F5344CB8AC3E}">
+        <p14:creationId xmlns:p14="http://schemas.microsoft.com/office/powerpoint/2010/main" val="2140710329"/>
       </p:ext>
     </p:extLst>
   </p:cSld>
@@ -18753,7 +22952,11 @@
           <a:bodyPr/>
           <a:lstStyle/>
           <a:p>
-            <a:endParaRPr lang="en-US"/>
+            <a:r>
+              <a:rPr lang="en-US" dirty="0" smtClean="0"/>
+              <a:t>Attractor Net</a:t>
+            </a:r>
+            <a:endParaRPr lang="en-US" dirty="0"/>
           </a:p>
         </p:txBody>
       </p:sp>
@@ -18772,7 +22975,7 @@
             <p:spPr/>
             <p:txBody>
               <a:bodyPr>
-                <a:normAutofit fontScale="62500" lnSpcReduction="20000"/>
+                <a:normAutofit lnSpcReduction="10000"/>
               </a:bodyPr>
               <a:lstStyle/>
               <a:p>
@@ -18780,12 +22983,18 @@
                   <m:oMath xmlns:m="http://schemas.openxmlformats.org/officeDocument/2006/math">
                     <m:r>
                       <a:rPr lang="en-US" b="1" i="1" smtClean="0">
+                        <a:solidFill>
+                          <a:srgbClr val="C00000"/>
+                        </a:solidFill>
                         <a:latin typeface="Cambria Math" charset="0"/>
                       </a:rPr>
-                      <m:t>𝒉</m:t>
+                      <m:t>𝒙</m:t>
                     </m:r>
                     <m:r>
                       <a:rPr lang="en-US" b="1" i="1" smtClean="0">
+                        <a:solidFill>
+                          <a:schemeClr val="tx1"/>
+                        </a:solidFill>
                         <a:latin typeface="Cambria Math" charset="0"/>
                       </a:rPr>
                       <m:t>:</m:t>
@@ -18793,82 +23002,114 @@
                   </m:oMath>
                 </a14:m>
                 <a:r>
-                  <a:rPr lang="en-US" dirty="0" smtClean="0"/>
-                  <a:t> activation of the </a:t>
+                  <a:rPr lang="en-US" dirty="0" smtClean="0">
+                    <a:solidFill>
+                      <a:schemeClr val="tx1"/>
+                    </a:solidFill>
+                  </a:rPr>
+                  <a:t> noise corrupted input vector with </a:t>
                 </a:r>
+                <a14:m>
+                  <m:oMath xmlns:m="http://schemas.openxmlformats.org/officeDocument/2006/math">
+                    <m:sSub>
+                      <m:sSubPr>
+                        <m:ctrlPr>
+                          <a:rPr lang="en-US" b="1" i="1" smtClean="0">
+                            <a:solidFill>
+                              <a:srgbClr val="C00000"/>
+                            </a:solidFill>
+                            <a:latin typeface="Cambria Math" charset="0"/>
+                          </a:rPr>
+                        </m:ctrlPr>
+                      </m:sSubPr>
+                      <m:e>
+                        <m:r>
+                          <a:rPr lang="en-US" b="1" i="1" smtClean="0">
+                            <a:solidFill>
+                              <a:srgbClr val="C00000"/>
+                            </a:solidFill>
+                            <a:latin typeface="Cambria Math" charset="0"/>
+                          </a:rPr>
+                          <m:t>𝒙</m:t>
+                        </m:r>
+                      </m:e>
+                      <m:sub>
+                        <m:r>
+                          <a:rPr lang="en-US" b="1" i="1" smtClean="0">
+                            <a:solidFill>
+                              <a:srgbClr val="C00000"/>
+                            </a:solidFill>
+                            <a:latin typeface="Cambria Math" charset="0"/>
+                          </a:rPr>
+                          <m:t>𝒋</m:t>
+                        </m:r>
+                      </m:sub>
+                    </m:sSub>
+                    <m:r>
+                      <a:rPr lang="en-US" b="1" i="1" smtClean="0">
+                        <a:solidFill>
+                          <a:srgbClr val="C00000"/>
+                        </a:solidFill>
+                        <a:latin typeface="Cambria Math" charset="0"/>
+                      </a:rPr>
+                      <m:t>∈[−</m:t>
+                    </m:r>
+                    <m:r>
+                      <a:rPr lang="en-US" b="1" i="1" smtClean="0">
+                        <a:solidFill>
+                          <a:srgbClr val="C00000"/>
+                        </a:solidFill>
+                        <a:latin typeface="Cambria Math" charset="0"/>
+                      </a:rPr>
+                      <m:t>𝟏</m:t>
+                    </m:r>
+                    <m:r>
+                      <a:rPr lang="en-US" b="1" i="1" smtClean="0">
+                        <a:solidFill>
+                          <a:srgbClr val="C00000"/>
+                        </a:solidFill>
+                        <a:latin typeface="Cambria Math" charset="0"/>
+                      </a:rPr>
+                      <m:t>,+</m:t>
+                    </m:r>
+                    <m:r>
+                      <a:rPr lang="en-US" b="1" i="1" smtClean="0">
+                        <a:solidFill>
+                          <a:srgbClr val="C00000"/>
+                        </a:solidFill>
+                        <a:latin typeface="Cambria Math" charset="0"/>
+                      </a:rPr>
+                      <m:t>𝟏</m:t>
+                    </m:r>
+                    <m:r>
+                      <a:rPr lang="en-US" b="1" i="1" smtClean="0">
+                        <a:solidFill>
+                          <a:srgbClr val="C00000"/>
+                        </a:solidFill>
+                        <a:latin typeface="Cambria Math" charset="0"/>
+                      </a:rPr>
+                      <m:t>]</m:t>
+                    </m:r>
+                  </m:oMath>
+                </a14:m>
                 <a:r>
-                  <a:rPr lang="en-US" smtClean="0"/>
-                  <a:t>hidden </a:t>
-                </a:r>
-                <a:r>
-                  <a:rPr lang="en-US" smtClean="0"/>
-                  <a:t>layer in [-1,+1]</a:t>
+                  <a:rPr lang="en-US" dirty="0" smtClean="0">
+                    <a:solidFill>
+                      <a:srgbClr val="C00000"/>
+                    </a:solidFill>
+                  </a:rPr>
+                  <a:t> </a:t>
                 </a:r>
                 <a:endParaRPr lang="en-US" dirty="0"/>
               </a:p>
               <a:p>
-                <a14:m>
-                  <m:oMath xmlns:m="http://schemas.openxmlformats.org/officeDocument/2006/math">
-                    <m:r>
-                      <a:rPr lang="en-US" b="1" i="1" smtClean="0">
-                        <a:latin typeface="Cambria Math" charset="0"/>
-                      </a:rPr>
-                      <m:t>𝜼</m:t>
-                    </m:r>
-                  </m:oMath>
-                </a14:m>
                 <a:r>
-                  <a:rPr lang="en-US" dirty="0" smtClean="0"/>
-                  <a:t>: noise vector, </a:t>
-                </a:r>
-                <a14:m>
-                  <m:oMath xmlns:m="http://schemas.openxmlformats.org/officeDocument/2006/math">
-                    <m:r>
-                      <a:rPr lang="en-US" b="1" i="1" smtClean="0">
-                        <a:latin typeface="Cambria Math" charset="0"/>
-                      </a:rPr>
-                      <m:t>𝜼</m:t>
-                    </m:r>
-                    <m:r>
-                      <a:rPr lang="en-US" b="1" i="1" smtClean="0">
-                        <a:latin typeface="Cambria Math" charset="0"/>
-                      </a:rPr>
-                      <m:t>~</m:t>
-                    </m:r>
-                    <m:r>
-                      <a:rPr lang="en-US" b="1" i="1" smtClean="0">
-                        <a:latin typeface="Cambria Math" charset="0"/>
-                        <a:ea typeface="Cambria Math" charset="0"/>
-                        <a:cs typeface="Cambria Math" charset="0"/>
-                      </a:rPr>
-                      <m:t>𝓝</m:t>
-                    </m:r>
-                    <m:r>
-                      <a:rPr lang="en-US" b="1" i="1" smtClean="0">
-                        <a:latin typeface="Cambria Math" charset="0"/>
-                      </a:rPr>
-                      <m:t>(</m:t>
-                    </m:r>
-                    <m:r>
-                      <a:rPr lang="en-US" b="1" i="1" smtClean="0">
-                        <a:latin typeface="Cambria Math" charset="0"/>
-                      </a:rPr>
-                      <m:t>𝟎</m:t>
-                    </m:r>
-                    <m:r>
-                      <a:rPr lang="en-US" b="1" i="1" smtClean="0">
-                        <a:latin typeface="Cambria Math" charset="0"/>
-                      </a:rPr>
-                      <m:t>,?)</m:t>
-                    </m:r>
-                  </m:oMath>
-                </a14:m>
-                <a:endParaRPr lang="en-US" dirty="0" smtClean="0"/>
-              </a:p>
-              <a:p>
-                <a:r>
-                  <a:rPr lang="en-US" dirty="0" smtClean="0"/>
-                  <a:t>attractor net dynamics</a:t>
+                  <a:rPr lang="en-US" dirty="0" smtClean="0">
+                    <a:solidFill>
+                      <a:schemeClr val="tx1"/>
+                    </a:solidFill>
+                  </a:rPr>
+                  <a:t>Attractor net dynamics</a:t>
                 </a:r>
               </a:p>
               <a:p>
@@ -18879,6 +23120,9 @@
                       <m:sSubPr>
                         <m:ctrlPr>
                           <a:rPr lang="en-US" b="1" i="1" smtClean="0">
+                            <a:solidFill>
+                              <a:srgbClr val="7030A0"/>
+                            </a:solidFill>
                             <a:latin typeface="Cambria Math" charset="0"/>
                           </a:rPr>
                         </m:ctrlPr>
@@ -18886,6 +23130,9 @@
                       <m:e>
                         <m:r>
                           <a:rPr lang="en-US" b="1" i="1" smtClean="0">
+                            <a:solidFill>
+                              <a:srgbClr val="7030A0"/>
+                            </a:solidFill>
                             <a:latin typeface="Cambria Math" charset="0"/>
                           </a:rPr>
                           <m:t>𝒂</m:t>
@@ -18894,6 +23141,9 @@
                       <m:sub>
                         <m:r>
                           <a:rPr lang="en-US" b="1" i="1" smtClean="0">
+                            <a:solidFill>
+                              <a:srgbClr val="7030A0"/>
+                            </a:solidFill>
                             <a:latin typeface="Cambria Math" charset="0"/>
                           </a:rPr>
                           <m:t>𝟎</m:t>
@@ -18902,19 +23152,29 @@
                     </m:sSub>
                     <m:r>
                       <a:rPr lang="en-US" b="1" i="1" smtClean="0">
+                        <a:solidFill>
+                          <a:srgbClr val="7030A0"/>
+                        </a:solidFill>
                         <a:latin typeface="Cambria Math" charset="0"/>
                       </a:rPr>
                       <m:t>=</m:t>
                     </m:r>
                     <m:r>
                       <a:rPr lang="en-US" b="1" i="1" smtClean="0">
+                        <a:solidFill>
+                          <a:srgbClr val="7030A0"/>
+                        </a:solidFill>
                         <a:latin typeface="Cambria Math" charset="0"/>
                       </a:rPr>
                       <m:t>𝟎</m:t>
                     </m:r>
                   </m:oMath>
                 </a14:m>
-                <a:endParaRPr lang="en-US" b="1" dirty="0" smtClean="0"/>
+                <a:endParaRPr lang="en-US" b="1" dirty="0" smtClean="0">
+                  <a:solidFill>
+                    <a:srgbClr val="7030A0"/>
+                  </a:solidFill>
+                </a:endParaRPr>
               </a:p>
               <a:p>
                 <a:pPr lvl="1"/>
@@ -18924,6 +23184,9 @@
                       <m:sSubPr>
                         <m:ctrlPr>
                           <a:rPr lang="en-US" b="1" i="1" smtClean="0">
+                            <a:solidFill>
+                              <a:srgbClr val="7030A0"/>
+                            </a:solidFill>
                             <a:latin typeface="Cambria Math" charset="0"/>
                           </a:rPr>
                         </m:ctrlPr>
@@ -18931,6 +23194,9 @@
                       <m:e>
                         <m:r>
                           <a:rPr lang="en-US" b="1" i="1" smtClean="0">
+                            <a:solidFill>
+                              <a:srgbClr val="7030A0"/>
+                            </a:solidFill>
                             <a:latin typeface="Cambria Math" charset="0"/>
                           </a:rPr>
                           <m:t>𝒂</m:t>
@@ -18939,18 +23205,27 @@
                       <m:sub>
                         <m:r>
                           <a:rPr lang="en-US" b="1" i="1" smtClean="0">
+                            <a:solidFill>
+                              <a:srgbClr val="7030A0"/>
+                            </a:solidFill>
                             <a:latin typeface="Cambria Math" charset="0"/>
                           </a:rPr>
                           <m:t>𝒕</m:t>
                         </m:r>
                         <m:r>
                           <a:rPr lang="en-US" b="1" i="1" smtClean="0">
+                            <a:solidFill>
+                              <a:srgbClr val="7030A0"/>
+                            </a:solidFill>
                             <a:latin typeface="Cambria Math" charset="0"/>
                           </a:rPr>
                           <m:t>,</m:t>
                         </m:r>
                         <m:r>
                           <a:rPr lang="en-US" b="1" i="1" smtClean="0">
+                            <a:solidFill>
+                              <a:srgbClr val="7030A0"/>
+                            </a:solidFill>
                             <a:latin typeface="Cambria Math" charset="0"/>
                           </a:rPr>
                           <m:t>𝒋</m:t>
@@ -18959,12 +23234,18 @@
                     </m:sSub>
                     <m:r>
                       <a:rPr lang="en-US" b="1" i="1" smtClean="0">
+                        <a:solidFill>
+                          <a:srgbClr val="7030A0"/>
+                        </a:solidFill>
                         <a:latin typeface="Cambria Math" charset="0"/>
                       </a:rPr>
                       <m:t>=</m:t>
                     </m:r>
                     <m:r>
                       <a:rPr lang="en-US" b="1" i="1" smtClean="0">
+                        <a:solidFill>
+                          <a:srgbClr val="7030A0"/>
+                        </a:solidFill>
                         <a:latin typeface="Cambria Math" charset="0"/>
                       </a:rPr>
                       <m:t>𝝈</m:t>
@@ -18973,6 +23254,9 @@
                       <m:dPr>
                         <m:ctrlPr>
                           <a:rPr lang="mr-IN" b="1" i="1" smtClean="0">
+                            <a:solidFill>
+                              <a:srgbClr val="7030A0"/>
+                            </a:solidFill>
                             <a:latin typeface="Cambria Math" charset="0"/>
                           </a:rPr>
                         </m:ctrlPr>
@@ -18984,6 +23268,9 @@
                             <m:supHide m:val="on"/>
                             <m:ctrlPr>
                               <a:rPr lang="en-US" b="1" i="1" smtClean="0">
+                                <a:solidFill>
+                                  <a:srgbClr val="7030A0"/>
+                                </a:solidFill>
                                 <a:latin typeface="Cambria Math" charset="0"/>
                               </a:rPr>
                             </m:ctrlPr>
@@ -18991,6 +23278,9 @@
                           <m:sub>
                             <m:r>
                               <a:rPr lang="en-US" b="1" i="1" smtClean="0">
+                                <a:solidFill>
+                                  <a:srgbClr val="7030A0"/>
+                                </a:solidFill>
                                 <a:latin typeface="Cambria Math" charset="0"/>
                               </a:rPr>
                               <m:t>𝒊</m:t>
@@ -19002,6 +23292,9 @@
                               <m:sSubPr>
                                 <m:ctrlPr>
                                   <a:rPr lang="en-US" b="1" i="1" smtClean="0">
+                                    <a:solidFill>
+                                      <a:srgbClr val="7030A0"/>
+                                    </a:solidFill>
                                     <a:latin typeface="Cambria Math" charset="0"/>
                                   </a:rPr>
                                 </m:ctrlPr>
@@ -19011,6 +23304,9 @@
                                   <m:sSubPr>
                                     <m:ctrlPr>
                                       <a:rPr lang="en-US" b="1" i="1" smtClean="0">
+                                        <a:solidFill>
+                                          <a:srgbClr val="00B2B2"/>
+                                        </a:solidFill>
                                         <a:latin typeface="Cambria Math" charset="0"/>
                                       </a:rPr>
                                     </m:ctrlPr>
@@ -19018,6 +23314,9 @@
                                   <m:e>
                                     <m:r>
                                       <a:rPr lang="en-US" b="1" i="1" smtClean="0">
+                                        <a:solidFill>
+                                          <a:srgbClr val="00B2B2"/>
+                                        </a:solidFill>
                                         <a:latin typeface="Cambria Math" charset="0"/>
                                       </a:rPr>
                                       <m:t>𝒘</m:t>
@@ -19026,6 +23325,9 @@
                                   <m:sub>
                                     <m:r>
                                       <a:rPr lang="en-US" b="1" i="1" smtClean="0">
+                                        <a:solidFill>
+                                          <a:srgbClr val="00B2B2"/>
+                                        </a:solidFill>
                                         <a:latin typeface="Cambria Math" charset="0"/>
                                       </a:rPr>
                                       <m:t>𝒋𝒊</m:t>
@@ -19034,6 +23336,9 @@
                                 </m:sSub>
                                 <m:r>
                                   <a:rPr lang="en-US" b="1" i="1" smtClean="0">
+                                    <a:solidFill>
+                                      <a:srgbClr val="7030A0"/>
+                                    </a:solidFill>
                                     <a:latin typeface="Cambria Math" charset="0"/>
                                   </a:rPr>
                                   <m:t>𝒂</m:t>
@@ -19042,30 +23347,45 @@
                               <m:sub>
                                 <m:r>
                                   <a:rPr lang="en-US" b="1" i="1" smtClean="0">
+                                    <a:solidFill>
+                                      <a:srgbClr val="7030A0"/>
+                                    </a:solidFill>
                                     <a:latin typeface="Cambria Math" charset="0"/>
                                   </a:rPr>
                                   <m:t>𝒕</m:t>
                                 </m:r>
                                 <m:r>
                                   <a:rPr lang="en-US" b="1" i="1" smtClean="0">
+                                    <a:solidFill>
+                                      <a:srgbClr val="7030A0"/>
+                                    </a:solidFill>
                                     <a:latin typeface="Cambria Math" charset="0"/>
                                   </a:rPr>
                                   <m:t>−</m:t>
                                 </m:r>
                                 <m:r>
                                   <a:rPr lang="en-US" b="1" i="1" smtClean="0">
+                                    <a:solidFill>
+                                      <a:srgbClr val="7030A0"/>
+                                    </a:solidFill>
                                     <a:latin typeface="Cambria Math" charset="0"/>
                                   </a:rPr>
                                   <m:t>𝟏</m:t>
                                 </m:r>
                                 <m:r>
                                   <a:rPr lang="en-US" b="1" i="1" smtClean="0">
+                                    <a:solidFill>
+                                      <a:srgbClr val="7030A0"/>
+                                    </a:solidFill>
                                     <a:latin typeface="Cambria Math" charset="0"/>
                                   </a:rPr>
                                   <m:t>,</m:t>
                                 </m:r>
                                 <m:r>
                                   <a:rPr lang="en-US" b="1" i="1" smtClean="0">
+                                    <a:solidFill>
+                                      <a:srgbClr val="7030A0"/>
+                                    </a:solidFill>
                                     <a:latin typeface="Cambria Math" charset="0"/>
                                   </a:rPr>
                                   <m:t>𝒊</m:t>
@@ -19076,6 +23396,9 @@
                         </m:nary>
                         <m:r>
                           <a:rPr lang="en-US" b="1" i="1" smtClean="0">
+                            <a:solidFill>
+                              <a:srgbClr val="7030A0"/>
+                            </a:solidFill>
                             <a:latin typeface="Cambria Math" charset="0"/>
                           </a:rPr>
                           <m:t>+</m:t>
@@ -19083,42 +23406,254 @@
                         <m:sSub>
                           <m:sSubPr>
                             <m:ctrlPr>
-                              <a:rPr lang="en-US" b="1" i="1" smtClean="0">
+                              <a:rPr lang="en-US" i="1" smtClean="0">
+                                <a:solidFill>
+                                  <a:srgbClr val="00B2B2"/>
+                                </a:solidFill>
                                 <a:latin typeface="Cambria Math" charset="0"/>
                               </a:rPr>
                             </m:ctrlPr>
                           </m:sSubPr>
                           <m:e>
                             <m:r>
-                              <a:rPr lang="en-US" b="1" i="1" smtClean="0">
+                              <a:rPr lang="en-US" i="1">
+                                <a:solidFill>
+                                  <a:srgbClr val="00B2B2"/>
+                                </a:solidFill>
                                 <a:latin typeface="Cambria Math" charset="0"/>
                               </a:rPr>
-                              <m:t>𝑩</m:t>
+                              <m:t>𝒗</m:t>
                             </m:r>
                           </m:e>
                           <m:sub>
                             <m:r>
-                              <a:rPr lang="en-US" b="1" i="1" smtClean="0">
+                              <a:rPr lang="en-US" i="1">
+                                <a:solidFill>
+                                  <a:srgbClr val="00B2B2"/>
+                                </a:solidFill>
                                 <a:latin typeface="Cambria Math" charset="0"/>
                               </a:rPr>
                               <m:t>𝒋</m:t>
                             </m:r>
                           </m:sub>
                         </m:sSub>
+                        <m:r>
+                          <a:rPr lang="en-US" i="1">
+                            <a:solidFill>
+                              <a:srgbClr val="7030A0"/>
+                            </a:solidFill>
+                            <a:latin typeface="Cambria Math" charset="0"/>
+                          </a:rPr>
+                          <m:t>+</m:t>
+                        </m:r>
+                        <m:sSup>
+                          <m:sSupPr>
+                            <m:ctrlPr>
+                              <a:rPr lang="en-US" i="1">
+                                <a:solidFill>
+                                  <a:srgbClr val="7030A0"/>
+                                </a:solidFill>
+                                <a:latin typeface="Cambria Math" charset="0"/>
+                              </a:rPr>
+                            </m:ctrlPr>
+                          </m:sSupPr>
+                          <m:e>
+                            <m:r>
+                              <a:rPr lang="en-US" b="1" i="1" smtClean="0">
+                                <a:solidFill>
+                                  <a:srgbClr val="00C6BA"/>
+                                </a:solidFill>
+                                <a:latin typeface="Cambria Math" charset="0"/>
+                              </a:rPr>
+                              <m:t>𝒖</m:t>
+                            </m:r>
+                            <m:r>
+                              <a:rPr lang="en-US" i="1">
+                                <a:solidFill>
+                                  <a:srgbClr val="7030A0"/>
+                                </a:solidFill>
+                                <a:latin typeface="Cambria Math" charset="0"/>
+                              </a:rPr>
+                              <m:t>𝝈</m:t>
+                            </m:r>
+                          </m:e>
+                          <m:sup>
+                            <m:r>
+                              <a:rPr lang="en-US" i="1">
+                                <a:solidFill>
+                                  <a:srgbClr val="7030A0"/>
+                                </a:solidFill>
+                                <a:latin typeface="Cambria Math" charset="0"/>
+                              </a:rPr>
+                              <m:t>−</m:t>
+                            </m:r>
+                            <m:r>
+                              <a:rPr lang="en-US" i="1">
+                                <a:solidFill>
+                                  <a:srgbClr val="7030A0"/>
+                                </a:solidFill>
+                                <a:latin typeface="Cambria Math" charset="0"/>
+                              </a:rPr>
+                              <m:t>𝟏</m:t>
+                            </m:r>
+                          </m:sup>
+                        </m:sSup>
+                        <m:r>
+                          <a:rPr lang="en-US" i="1">
+                            <a:solidFill>
+                              <a:srgbClr val="7030A0"/>
+                            </a:solidFill>
+                            <a:latin typeface="Cambria Math" charset="0"/>
+                          </a:rPr>
+                          <m:t>(</m:t>
+                        </m:r>
+                        <m:sSub>
+                          <m:sSubPr>
+                            <m:ctrlPr>
+                              <a:rPr lang="en-US" i="1" smtClean="0">
+                                <a:solidFill>
+                                  <a:srgbClr val="A50002"/>
+                                </a:solidFill>
+                                <a:latin typeface="Cambria Math" charset="0"/>
+                              </a:rPr>
+                            </m:ctrlPr>
+                          </m:sSubPr>
+                          <m:e>
+                            <m:r>
+                              <a:rPr lang="en-US" i="1">
+                                <a:solidFill>
+                                  <a:srgbClr val="A50002"/>
+                                </a:solidFill>
+                                <a:latin typeface="Cambria Math" charset="0"/>
+                              </a:rPr>
+                              <m:t>𝒙</m:t>
+                            </m:r>
+                          </m:e>
+                          <m:sub>
+                            <m:r>
+                              <a:rPr lang="en-US" i="1">
+                                <a:solidFill>
+                                  <a:srgbClr val="A50002"/>
+                                </a:solidFill>
+                                <a:latin typeface="Cambria Math" charset="0"/>
+                              </a:rPr>
+                              <m:t>𝒋</m:t>
+                            </m:r>
+                          </m:sub>
+                        </m:sSub>
+                        <m:r>
+                          <a:rPr lang="en-US" i="1">
+                            <a:solidFill>
+                              <a:srgbClr val="7030A0"/>
+                            </a:solidFill>
+                            <a:latin typeface="Cambria Math" charset="0"/>
+                          </a:rPr>
+                          <m:t>)</m:t>
+                        </m:r>
+                        <m:r>
+                          <m:rPr>
+                            <m:nor/>
+                          </m:rPr>
+                          <a:rPr lang="en-US" dirty="0"/>
+                          <m:t> </m:t>
+                        </m:r>
                       </m:e>
                     </m:d>
                   </m:oMath>
                 </a14:m>
-                <a:endParaRPr lang="en-US" b="1" dirty="0" smtClean="0"/>
+                <a:endParaRPr lang="en-US" b="1" dirty="0" smtClean="0">
+                  <a:solidFill>
+                    <a:srgbClr val="7030A0"/>
+                  </a:solidFill>
+                </a:endParaRPr>
               </a:p>
               <a:p>
                 <a:pPr lvl="1"/>
+                <a:endParaRPr lang="en-US" b="1" dirty="0" smtClean="0">
+                  <a:solidFill>
+                    <a:srgbClr val="7030A0"/>
+                  </a:solidFill>
+                </a:endParaRPr>
+              </a:p>
+              <a:p>
+                <a:pPr lvl="2"/>
+                <a14:m>
+                  <m:oMath xmlns:m="http://schemas.openxmlformats.org/officeDocument/2006/math">
+                    <m:r>
+                      <a:rPr lang="en-US" b="1" i="1" smtClean="0">
+                        <a:solidFill>
+                          <a:schemeClr val="tx1"/>
+                        </a:solidFill>
+                        <a:latin typeface="Cambria Math" charset="0"/>
+                      </a:rPr>
+                      <m:t>𝝈</m:t>
+                    </m:r>
+                    <m:r>
+                      <a:rPr lang="en-US" b="1" i="1" smtClean="0">
+                        <a:solidFill>
+                          <a:schemeClr val="tx1"/>
+                        </a:solidFill>
+                        <a:latin typeface="Cambria Math" charset="0"/>
+                      </a:rPr>
+                      <m:t>≡</m:t>
+                    </m:r>
+                    <m:r>
+                      <a:rPr lang="en-US" b="1" i="0" smtClean="0">
+                        <a:solidFill>
+                          <a:schemeClr val="tx1"/>
+                        </a:solidFill>
+                        <a:latin typeface="Cambria Math" charset="0"/>
+                      </a:rPr>
+                      <m:t>𝐭𝐚𝐧𝐡</m:t>
+                    </m:r>
+                  </m:oMath>
+                </a14:m>
+                <a:endParaRPr lang="en-US" b="1" dirty="0" smtClean="0">
+                  <a:solidFill>
+                    <a:schemeClr val="tx1"/>
+                  </a:solidFill>
+                </a:endParaRPr>
+              </a:p>
+              <a:p>
+                <a:pPr lvl="2"/>
+                <a14:m>
+                  <m:oMath xmlns:m="http://schemas.openxmlformats.org/officeDocument/2006/math">
+                    <m:r>
+                      <a:rPr lang="en-US" i="1">
+                        <a:solidFill>
+                          <a:schemeClr val="tx1"/>
+                        </a:solidFill>
+                        <a:latin typeface="Cambria Math" charset="0"/>
+                      </a:rPr>
+                      <m:t>𝒘</m:t>
+                    </m:r>
+                  </m:oMath>
+                </a14:m>
+                <a:r>
+                  <a:rPr lang="en-US" dirty="0">
+                    <a:solidFill>
+                      <a:schemeClr val="tx1"/>
+                    </a:solidFill>
+                  </a:rPr>
+                  <a:t> is a weight </a:t>
+                </a:r>
+                <a:r>
+                  <a:rPr lang="en-US" dirty="0" smtClean="0">
+                    <a:solidFill>
+                      <a:schemeClr val="tx1"/>
+                    </a:solidFill>
+                  </a:rPr>
+                  <a:t>matrix with </a:t>
+                </a:r>
                 <a14:m>
                   <m:oMath xmlns:m="http://schemas.openxmlformats.org/officeDocument/2006/math">
                     <m:sSub>
                       <m:sSubPr>
                         <m:ctrlPr>
                           <a:rPr lang="en-US" b="1" i="1" smtClean="0">
+                            <a:solidFill>
+                              <a:schemeClr val="tx1"/>
+                            </a:solidFill>
                             <a:latin typeface="Cambria Math" charset="0"/>
                           </a:rPr>
                         </m:ctrlPr>
@@ -19126,22 +23661,31 @@
                       <m:e>
                         <m:r>
                           <a:rPr lang="en-US" b="1" i="1" smtClean="0">
+                            <a:solidFill>
+                              <a:schemeClr val="tx1"/>
+                            </a:solidFill>
                             <a:latin typeface="Cambria Math" charset="0"/>
                           </a:rPr>
-                          <m:t>𝑩</m:t>
+                          <m:t>𝒘</m:t>
                         </m:r>
                       </m:e>
                       <m:sub>
                         <m:r>
                           <a:rPr lang="en-US" b="1" i="1" smtClean="0">
+                            <a:solidFill>
+                              <a:schemeClr val="tx1"/>
+                            </a:solidFill>
                             <a:latin typeface="Cambria Math" charset="0"/>
                           </a:rPr>
-                          <m:t>𝒋</m:t>
+                          <m:t>𝒊𝒋</m:t>
                         </m:r>
                       </m:sub>
                     </m:sSub>
                     <m:r>
                       <a:rPr lang="en-US" b="1" i="1" smtClean="0">
+                        <a:solidFill>
+                          <a:schemeClr val="tx1"/>
+                        </a:solidFill>
                         <a:latin typeface="Cambria Math" charset="0"/>
                       </a:rPr>
                       <m:t>=</m:t>
@@ -19150,6 +23694,9 @@
                       <m:sSubPr>
                         <m:ctrlPr>
                           <a:rPr lang="en-US" b="1" i="1" smtClean="0">
+                            <a:solidFill>
+                              <a:schemeClr val="tx1"/>
+                            </a:solidFill>
                             <a:latin typeface="Cambria Math" charset="0"/>
                           </a:rPr>
                         </m:ctrlPr>
@@ -19157,196 +23704,9 @@
                       <m:e>
                         <m:r>
                           <a:rPr lang="en-US" b="1" i="1" smtClean="0">
-                            <a:latin typeface="Cambria Math" charset="0"/>
-                          </a:rPr>
-                          <m:t>𝒗</m:t>
-                        </m:r>
-                      </m:e>
-                      <m:sub>
-                        <m:r>
-                          <a:rPr lang="en-US" b="1" i="1" smtClean="0">
-                            <a:latin typeface="Cambria Math" charset="0"/>
-                          </a:rPr>
-                          <m:t>𝒋</m:t>
-                        </m:r>
-                      </m:sub>
-                    </m:sSub>
-                    <m:r>
-                      <a:rPr lang="en-US" b="1" i="1" smtClean="0">
-                        <a:latin typeface="Cambria Math" charset="0"/>
-                      </a:rPr>
-                      <m:t>+</m:t>
-                    </m:r>
-                    <m:sSub>
-                      <m:sSubPr>
-                        <m:ctrlPr>
-                          <a:rPr lang="en-US" b="1" i="1" smtClean="0">
-                            <a:latin typeface="Cambria Math" charset="0"/>
-                          </a:rPr>
-                        </m:ctrlPr>
-                      </m:sSubPr>
-                      <m:e>
-                        <m:sSup>
-                          <m:sSupPr>
-                            <m:ctrlPr>
-                              <a:rPr lang="en-US" b="1" i="1" smtClean="0">
-                                <a:latin typeface="Cambria Math" charset="0"/>
-                              </a:rPr>
-                            </m:ctrlPr>
-                          </m:sSupPr>
-                          <m:e>
-                            <m:r>
-                              <a:rPr lang="en-US" b="1" i="1" smtClean="0">
-                                <a:latin typeface="Cambria Math" charset="0"/>
-                              </a:rPr>
-                              <m:t>𝝈</m:t>
-                            </m:r>
-                          </m:e>
-                          <m:sup>
-                            <m:r>
-                              <a:rPr lang="en-US" b="1" i="1" smtClean="0">
-                                <a:latin typeface="Cambria Math" charset="0"/>
-                              </a:rPr>
-                              <m:t>−</m:t>
-                            </m:r>
-                            <m:r>
-                              <a:rPr lang="en-US" b="1" i="1" smtClean="0">
-                                <a:latin typeface="Cambria Math" charset="0"/>
-                              </a:rPr>
-                              <m:t>𝟏</m:t>
-                            </m:r>
-                          </m:sup>
-                        </m:sSup>
-                        <m:r>
-                          <a:rPr lang="en-US" b="1" i="1" smtClean="0">
-                            <a:latin typeface="Cambria Math" charset="0"/>
-                          </a:rPr>
-                          <m:t>(</m:t>
-                        </m:r>
-                        <m:r>
-                          <a:rPr lang="en-US" b="1" i="1" smtClean="0">
-                            <a:latin typeface="Cambria Math" charset="0"/>
-                          </a:rPr>
-                          <m:t>𝒉</m:t>
-                        </m:r>
-                      </m:e>
-                      <m:sub>
-                        <m:r>
-                          <a:rPr lang="en-US" b="1" i="1" smtClean="0">
-                            <a:latin typeface="Cambria Math" charset="0"/>
-                          </a:rPr>
-                          <m:t>𝒋</m:t>
-                        </m:r>
-                      </m:sub>
-                    </m:sSub>
-                    <m:r>
-                      <a:rPr lang="en-US" b="1" i="1" smtClean="0">
-                        <a:latin typeface="Cambria Math" charset="0"/>
-                      </a:rPr>
-                      <m:t>)</m:t>
-                    </m:r>
-                    <m:r>
-                      <a:rPr lang="en-US" b="1" i="1" smtClean="0">
-                        <a:latin typeface="Cambria Math" charset="0"/>
-                      </a:rPr>
-                      <m:t>+</m:t>
-                    </m:r>
-                    <m:sSub>
-                      <m:sSubPr>
-                        <m:ctrlPr>
-                          <a:rPr lang="en-US" b="1" i="1" smtClean="0">
-                            <a:latin typeface="Cambria Math" charset="0"/>
-                          </a:rPr>
-                        </m:ctrlPr>
-                      </m:sSubPr>
-                      <m:e>
-                        <m:r>
-                          <a:rPr lang="en-US" b="1" i="1" smtClean="0">
-                            <a:latin typeface="Cambria Math" charset="0"/>
-                          </a:rPr>
-                          <m:t>𝜼</m:t>
-                        </m:r>
-                      </m:e>
-                      <m:sub>
-                        <m:r>
-                          <a:rPr lang="en-US" b="1" i="1" smtClean="0">
-                            <a:latin typeface="Cambria Math" charset="0"/>
-                          </a:rPr>
-                          <m:t>𝒋</m:t>
-                        </m:r>
-                      </m:sub>
-                    </m:sSub>
-                  </m:oMath>
-                </a14:m>
-                <a:endParaRPr lang="en-US" dirty="0" smtClean="0"/>
-              </a:p>
-              <a:p>
-                <a:pPr lvl="1"/>
-                <a:r>
-                  <a:rPr lang="en-US" dirty="0" smtClean="0"/>
-                  <a:t>Use </a:t>
-                </a:r>
-                <a14:m>
-                  <m:oMath xmlns:m="http://schemas.openxmlformats.org/officeDocument/2006/math">
-                    <m:r>
-                      <a:rPr lang="en-US" b="1" i="1" smtClean="0">
-                        <a:latin typeface="Cambria Math" charset="0"/>
-                      </a:rPr>
-                      <m:t>𝝈</m:t>
-                    </m:r>
-                    <m:r>
-                      <a:rPr lang="en-US" b="1" i="1" smtClean="0">
-                        <a:latin typeface="Cambria Math" charset="0"/>
-                      </a:rPr>
-                      <m:t>≡</m:t>
-                    </m:r>
-                    <m:r>
-                      <a:rPr lang="en-US" b="1" i="0" smtClean="0">
-                        <a:latin typeface="Cambria Math" charset="0"/>
-                      </a:rPr>
-                      <m:t>𝐭𝐚𝐧𝐡</m:t>
-                    </m:r>
-                  </m:oMath>
-                </a14:m>
-                <a:endParaRPr lang="en-US" b="1" dirty="0" smtClean="0"/>
-              </a:p>
-              <a:p>
-                <a:pPr lvl="1"/>
-                <a:r>
-                  <a:rPr lang="en-US" dirty="0"/>
-                  <a:t>where </a:t>
-                </a:r>
-                <a14:m>
-                  <m:oMath xmlns:m="http://schemas.openxmlformats.org/officeDocument/2006/math">
-                    <m:r>
-                      <a:rPr lang="en-US" i="1">
-                        <a:latin typeface="Cambria Math" charset="0"/>
-                      </a:rPr>
-                      <m:t>𝒘</m:t>
-                    </m:r>
-                  </m:oMath>
-                </a14:m>
-                <a:r>
-                  <a:rPr lang="en-US" dirty="0"/>
-                  <a:t> is a weight </a:t>
-                </a:r>
-                <a:r>
-                  <a:rPr lang="en-US" dirty="0" smtClean="0"/>
-                  <a:t>matrix with </a:t>
-                </a:r>
-                <a14:m>
-                  <m:oMath xmlns:m="http://schemas.openxmlformats.org/officeDocument/2006/math">
-                    <m:sSub>
-                      <m:sSubPr>
-                        <m:ctrlPr>
-                          <a:rPr lang="en-US" b="1" i="1" smtClean="0">
-                            <a:latin typeface="Cambria Math" charset="0"/>
-                          </a:rPr>
-                        </m:ctrlPr>
-                      </m:sSubPr>
-                      <m:e>
-                        <m:r>
-                          <a:rPr lang="en-US" b="1" i="1" smtClean="0">
+                            <a:solidFill>
+                              <a:schemeClr val="tx1"/>
+                            </a:solidFill>
                             <a:latin typeface="Cambria Math" charset="0"/>
                           </a:rPr>
                           <m:t>𝒘</m:t>
@@ -19355,37 +23715,9 @@
                       <m:sub>
                         <m:r>
                           <a:rPr lang="en-US" b="1" i="1" smtClean="0">
-                            <a:latin typeface="Cambria Math" charset="0"/>
-                          </a:rPr>
-                          <m:t>𝒊𝒋</m:t>
-                        </m:r>
-                      </m:sub>
-                    </m:sSub>
-                    <m:r>
-                      <a:rPr lang="en-US" b="1" i="1" smtClean="0">
-                        <a:latin typeface="Cambria Math" charset="0"/>
-                      </a:rPr>
-                      <m:t>=</m:t>
-                    </m:r>
-                    <m:sSub>
-                      <m:sSubPr>
-                        <m:ctrlPr>
-                          <a:rPr lang="en-US" b="1" i="1" smtClean="0">
-                            <a:latin typeface="Cambria Math" charset="0"/>
-                          </a:rPr>
-                        </m:ctrlPr>
-                      </m:sSubPr>
-                      <m:e>
-                        <m:r>
-                          <a:rPr lang="en-US" b="1" i="1" smtClean="0">
-                            <a:latin typeface="Cambria Math" charset="0"/>
-                          </a:rPr>
-                          <m:t>𝒘</m:t>
-                        </m:r>
-                      </m:e>
-                      <m:sub>
-                        <m:r>
-                          <a:rPr lang="en-US" b="1" i="1" smtClean="0">
+                            <a:solidFill>
+                              <a:schemeClr val="tx1"/>
+                            </a:solidFill>
                             <a:latin typeface="Cambria Math" charset="0"/>
                           </a:rPr>
                           <m:t>𝒋𝒊</m:t>
@@ -19395,7 +23727,11 @@
                   </m:oMath>
                 </a14:m>
                 <a:r>
-                  <a:rPr lang="en-US" dirty="0" smtClean="0"/>
+                  <a:rPr lang="en-US" dirty="0" smtClean="0">
+                    <a:solidFill>
+                      <a:schemeClr val="tx1"/>
+                    </a:solidFill>
+                  </a:rPr>
                   <a:t> and </a:t>
                 </a:r>
                 <a14:m>
@@ -19404,6 +23740,9 @@
                       <m:sSubPr>
                         <m:ctrlPr>
                           <a:rPr lang="en-US" b="1" i="1" smtClean="0">
+                            <a:solidFill>
+                              <a:schemeClr val="tx1"/>
+                            </a:solidFill>
                             <a:latin typeface="Cambria Math" charset="0"/>
                           </a:rPr>
                         </m:ctrlPr>
@@ -19411,6 +23750,9 @@
                       <m:e>
                         <m:r>
                           <a:rPr lang="en-US" b="1" i="1" smtClean="0">
+                            <a:solidFill>
+                              <a:schemeClr val="tx1"/>
+                            </a:solidFill>
                             <a:latin typeface="Cambria Math" charset="0"/>
                           </a:rPr>
                           <m:t>𝒘</m:t>
@@ -19419,6 +23761,9 @@
                       <m:sub>
                         <m:r>
                           <a:rPr lang="en-US" b="1" i="1" smtClean="0">
+                            <a:solidFill>
+                              <a:schemeClr val="tx1"/>
+                            </a:solidFill>
                             <a:latin typeface="Cambria Math" charset="0"/>
                           </a:rPr>
                           <m:t>𝒊𝒊</m:t>
@@ -19427,36 +23772,48 @@
                     </m:sSub>
                     <m:r>
                       <a:rPr lang="en-US" b="1" i="1" smtClean="0">
+                        <a:solidFill>
+                          <a:schemeClr val="tx1"/>
+                        </a:solidFill>
                         <a:latin typeface="Cambria Math" charset="0"/>
                       </a:rPr>
-                      <m:t>=</m:t>
+                      <m:t>≥</m:t>
                     </m:r>
                     <m:r>
                       <a:rPr lang="en-US" b="1" i="1" smtClean="0">
+                        <a:solidFill>
+                          <a:schemeClr val="tx1"/>
+                        </a:solidFill>
                         <a:latin typeface="Cambria Math" charset="0"/>
                       </a:rPr>
                       <m:t>𝟎</m:t>
                     </m:r>
                   </m:oMath>
                 </a14:m>
-                <a:endParaRPr lang="en-US" b="1" dirty="0" smtClean="0"/>
+                <a:endParaRPr lang="en-US" b="1" dirty="0" smtClean="0">
+                  <a:solidFill>
+                    <a:schemeClr val="tx1"/>
+                  </a:solidFill>
+                </a:endParaRPr>
               </a:p>
               <a:p>
-                <a:pPr lvl="1"/>
-                <a:r>
-                  <a:rPr lang="en-US" dirty="0" smtClean="0"/>
-                  <a:t>where </a:t>
-                </a:r>
+                <a:pPr lvl="2"/>
                 <a14:m>
                   <m:oMath xmlns:m="http://schemas.openxmlformats.org/officeDocument/2006/math">
                     <m:r>
                       <a:rPr lang="en-US" b="1" i="1" smtClean="0">
+                        <a:solidFill>
+                          <a:schemeClr val="tx1"/>
+                        </a:solidFill>
                         <a:latin typeface="Cambria Math" charset="0"/>
                       </a:rPr>
                       <m:t>𝒗</m:t>
                     </m:r>
                     <m:r>
                       <a:rPr lang="en-US" b="1" i="1" smtClean="0">
+                        <a:solidFill>
+                          <a:schemeClr val="tx1"/>
+                        </a:solidFill>
                         <a:latin typeface="Cambria Math" charset="0"/>
                       </a:rPr>
                       <m:t> </m:t>
@@ -19464,14 +23821,12 @@
                   </m:oMath>
                 </a14:m>
                 <a:r>
-                  <a:rPr lang="en-US" dirty="0" smtClean="0"/>
+                  <a:rPr lang="en-US" dirty="0" smtClean="0">
+                    <a:solidFill>
+                      <a:schemeClr val="tx1"/>
+                    </a:solidFill>
+                  </a:rPr>
                   <a:t>is a bias vector</a:t>
-                </a:r>
-              </a:p>
-              <a:p>
-                <a:r>
-                  <a:rPr lang="en-US" dirty="0" smtClean="0"/>
-                  <a:t>Use layer normalization to prevent gradients from being squashed (see section 3.1 of Ba et al. 2016)</a:t>
                 </a:r>
               </a:p>
             </p:txBody>
@@ -19492,7 +23847,7 @@
               <a:blipFill rotWithShape="0">
                 <a:blip r:embed="rId2"/>
                 <a:stretch>
-                  <a:fillRect t="-1282"/>
+                  <a:fillRect l="-164" t="-1667" b="-10385"/>
                 </a:stretch>
               </a:blipFill>
             </p:spPr>
@@ -19511,40 +23866,773 @@
           </p:sp>
         </mc:Fallback>
       </mc:AlternateContent>
-      <p:pic>
-        <p:nvPicPr>
-          <p:cNvPr id="4" name="Picture 3"/>
-          <p:cNvPicPr>
-            <a:picLocks noChangeAspect="1"/>
-          </p:cNvPicPr>
+      <p:grpSp>
+        <p:nvGrpSpPr>
+          <p:cNvPr id="7" name="Group 6"/>
+          <p:cNvGrpSpPr/>
           <p:nvPr/>
-        </p:nvPicPr>
-        <p:blipFill>
-          <a:blip r:embed="rId3">
-            <a:extLst>
-              <a:ext uri="{28A0092B-C50C-407E-A947-70E740481C1C}">
-                <a14:useLocalDpi xmlns:a14="http://schemas.microsoft.com/office/drawing/2010/main" val="0"/>
-              </a:ext>
-            </a:extLst>
-          </a:blip>
-          <a:stretch>
-            <a:fillRect/>
-          </a:stretch>
-        </p:blipFill>
+        </p:nvGrpSpPr>
+        <p:grpSpPr>
+          <a:xfrm>
+            <a:off x="8953576" y="4450647"/>
+            <a:ext cx="1755761" cy="357367"/>
+            <a:chOff x="5838484" y="4644073"/>
+            <a:chExt cx="2169328" cy="441544"/>
+          </a:xfrm>
+        </p:grpSpPr>
+        <p:sp>
+          <p:nvSpPr>
+            <p:cNvPr id="34" name="Oval 33"/>
+            <p:cNvSpPr/>
+            <p:nvPr/>
+          </p:nvSpPr>
+          <p:spPr>
+            <a:xfrm>
+              <a:off x="6305845" y="4677248"/>
+              <a:ext cx="365663" cy="365663"/>
+            </a:xfrm>
+            <a:prstGeom prst="ellipse">
+              <a:avLst/>
+            </a:prstGeom>
+            <a:noFill/>
+            <a:ln w="25400">
+              <a:solidFill>
+                <a:srgbClr val="C00000"/>
+              </a:solidFill>
+            </a:ln>
+          </p:spPr>
+          <p:style>
+            <a:lnRef idx="2">
+              <a:schemeClr val="accent1">
+                <a:shade val="50000"/>
+              </a:schemeClr>
+            </a:lnRef>
+            <a:fillRef idx="1">
+              <a:schemeClr val="accent1"/>
+            </a:fillRef>
+            <a:effectRef idx="0">
+              <a:schemeClr val="accent1"/>
+            </a:effectRef>
+            <a:fontRef idx="minor">
+              <a:schemeClr val="lt1"/>
+            </a:fontRef>
+          </p:style>
+          <p:txBody>
+            <a:bodyPr rtlCol="0" anchor="ctr"/>
+            <a:lstStyle/>
+            <a:p>
+              <a:pPr algn="ctr"/>
+              <a:endParaRPr lang="en-US">
+                <a:solidFill>
+                  <a:schemeClr val="tx1"/>
+                </a:solidFill>
+              </a:endParaRPr>
+            </a:p>
+          </p:txBody>
+        </p:sp>
+        <p:sp>
+          <p:nvSpPr>
+            <p:cNvPr id="35" name="Oval 34"/>
+            <p:cNvSpPr/>
+            <p:nvPr/>
+          </p:nvSpPr>
+          <p:spPr>
+            <a:xfrm>
+              <a:off x="6738431" y="4677248"/>
+              <a:ext cx="365663" cy="365663"/>
+            </a:xfrm>
+            <a:prstGeom prst="ellipse">
+              <a:avLst/>
+            </a:prstGeom>
+            <a:noFill/>
+            <a:ln w="25400">
+              <a:solidFill>
+                <a:srgbClr val="C00000"/>
+              </a:solidFill>
+            </a:ln>
+          </p:spPr>
+          <p:style>
+            <a:lnRef idx="2">
+              <a:schemeClr val="accent1">
+                <a:shade val="50000"/>
+              </a:schemeClr>
+            </a:lnRef>
+            <a:fillRef idx="1">
+              <a:schemeClr val="accent1"/>
+            </a:fillRef>
+            <a:effectRef idx="0">
+              <a:schemeClr val="accent1"/>
+            </a:effectRef>
+            <a:fontRef idx="minor">
+              <a:schemeClr val="lt1"/>
+            </a:fontRef>
+          </p:style>
+          <p:txBody>
+            <a:bodyPr rtlCol="0" anchor="ctr"/>
+            <a:lstStyle/>
+            <a:p>
+              <a:pPr algn="ctr"/>
+              <a:endParaRPr lang="en-US">
+                <a:solidFill>
+                  <a:schemeClr val="tx1"/>
+                </a:solidFill>
+              </a:endParaRPr>
+            </a:p>
+          </p:txBody>
+        </p:sp>
+        <p:sp>
+          <p:nvSpPr>
+            <p:cNvPr id="36" name="Oval 35"/>
+            <p:cNvSpPr/>
+            <p:nvPr/>
+          </p:nvSpPr>
+          <p:spPr>
+            <a:xfrm>
+              <a:off x="7171017" y="4677248"/>
+              <a:ext cx="365663" cy="365663"/>
+            </a:xfrm>
+            <a:prstGeom prst="ellipse">
+              <a:avLst/>
+            </a:prstGeom>
+            <a:noFill/>
+            <a:ln w="25400">
+              <a:solidFill>
+                <a:srgbClr val="C00000"/>
+              </a:solidFill>
+            </a:ln>
+          </p:spPr>
+          <p:style>
+            <a:lnRef idx="2">
+              <a:schemeClr val="accent1">
+                <a:shade val="50000"/>
+              </a:schemeClr>
+            </a:lnRef>
+            <a:fillRef idx="1">
+              <a:schemeClr val="accent1"/>
+            </a:fillRef>
+            <a:effectRef idx="0">
+              <a:schemeClr val="accent1"/>
+            </a:effectRef>
+            <a:fontRef idx="minor">
+              <a:schemeClr val="lt1"/>
+            </a:fontRef>
+          </p:style>
+          <p:txBody>
+            <a:bodyPr rtlCol="0" anchor="ctr"/>
+            <a:lstStyle/>
+            <a:p>
+              <a:pPr algn="ctr"/>
+              <a:endParaRPr lang="en-US">
+                <a:solidFill>
+                  <a:schemeClr val="tx1"/>
+                </a:solidFill>
+              </a:endParaRPr>
+            </a:p>
+          </p:txBody>
+        </p:sp>
+        <p:sp>
+          <p:nvSpPr>
+            <p:cNvPr id="37" name="Oval 36"/>
+            <p:cNvSpPr/>
+            <p:nvPr/>
+          </p:nvSpPr>
+          <p:spPr>
+            <a:xfrm>
+              <a:off x="7603603" y="4677248"/>
+              <a:ext cx="365663" cy="365663"/>
+            </a:xfrm>
+            <a:prstGeom prst="ellipse">
+              <a:avLst/>
+            </a:prstGeom>
+            <a:noFill/>
+            <a:ln w="25400">
+              <a:solidFill>
+                <a:srgbClr val="C00000"/>
+              </a:solidFill>
+            </a:ln>
+          </p:spPr>
+          <p:style>
+            <a:lnRef idx="2">
+              <a:schemeClr val="accent1">
+                <a:shade val="50000"/>
+              </a:schemeClr>
+            </a:lnRef>
+            <a:fillRef idx="1">
+              <a:schemeClr val="accent1"/>
+            </a:fillRef>
+            <a:effectRef idx="0">
+              <a:schemeClr val="accent1"/>
+            </a:effectRef>
+            <a:fontRef idx="minor">
+              <a:schemeClr val="lt1"/>
+            </a:fontRef>
+          </p:style>
+          <p:txBody>
+            <a:bodyPr rtlCol="0" anchor="ctr"/>
+            <a:lstStyle/>
+            <a:p>
+              <a:pPr algn="ctr"/>
+              <a:endParaRPr lang="en-US">
+                <a:solidFill>
+                  <a:schemeClr val="tx1"/>
+                </a:solidFill>
+              </a:endParaRPr>
+            </a:p>
+          </p:txBody>
+        </p:sp>
+        <p:sp>
+          <p:nvSpPr>
+            <p:cNvPr id="38" name="Oval 37"/>
+            <p:cNvSpPr/>
+            <p:nvPr/>
+          </p:nvSpPr>
+          <p:spPr>
+            <a:xfrm>
+              <a:off x="5873259" y="4677248"/>
+              <a:ext cx="365663" cy="365663"/>
+            </a:xfrm>
+            <a:prstGeom prst="ellipse">
+              <a:avLst/>
+            </a:prstGeom>
+            <a:noFill/>
+            <a:ln w="25400">
+              <a:solidFill>
+                <a:srgbClr val="C00000"/>
+              </a:solidFill>
+            </a:ln>
+          </p:spPr>
+          <p:style>
+            <a:lnRef idx="2">
+              <a:schemeClr val="accent1">
+                <a:shade val="50000"/>
+              </a:schemeClr>
+            </a:lnRef>
+            <a:fillRef idx="1">
+              <a:schemeClr val="accent1"/>
+            </a:fillRef>
+            <a:effectRef idx="0">
+              <a:schemeClr val="accent1"/>
+            </a:effectRef>
+            <a:fontRef idx="minor">
+              <a:schemeClr val="lt1"/>
+            </a:fontRef>
+          </p:style>
+          <p:txBody>
+            <a:bodyPr rtlCol="0" anchor="ctr"/>
+            <a:lstStyle/>
+            <a:p>
+              <a:pPr algn="ctr"/>
+              <a:endParaRPr lang="en-US">
+                <a:solidFill>
+                  <a:schemeClr val="tx1"/>
+                </a:solidFill>
+              </a:endParaRPr>
+            </a:p>
+          </p:txBody>
+        </p:sp>
+        <p:sp>
+          <p:nvSpPr>
+            <p:cNvPr id="39" name="Rectangle 38"/>
+            <p:cNvSpPr/>
+            <p:nvPr/>
+          </p:nvSpPr>
+          <p:spPr>
+            <a:xfrm>
+              <a:off x="5838484" y="4644073"/>
+              <a:ext cx="2169328" cy="441544"/>
+            </a:xfrm>
+            <a:prstGeom prst="rect">
+              <a:avLst/>
+            </a:prstGeom>
+            <a:noFill/>
+            <a:ln w="25400">
+              <a:solidFill>
+                <a:srgbClr val="C00000"/>
+              </a:solidFill>
+            </a:ln>
+          </p:spPr>
+          <p:style>
+            <a:lnRef idx="2">
+              <a:schemeClr val="accent1">
+                <a:shade val="50000"/>
+              </a:schemeClr>
+            </a:lnRef>
+            <a:fillRef idx="1">
+              <a:schemeClr val="accent1"/>
+            </a:fillRef>
+            <a:effectRef idx="0">
+              <a:schemeClr val="accent1"/>
+            </a:effectRef>
+            <a:fontRef idx="minor">
+              <a:schemeClr val="lt1"/>
+            </a:fontRef>
+          </p:style>
+          <p:txBody>
+            <a:bodyPr rtlCol="0" anchor="ctr"/>
+            <a:lstStyle/>
+            <a:p>
+              <a:pPr algn="ctr"/>
+              <a:endParaRPr lang="en-US">
+                <a:solidFill>
+                  <a:schemeClr val="tx1"/>
+                </a:solidFill>
+              </a:endParaRPr>
+            </a:p>
+          </p:txBody>
+        </p:sp>
+      </p:grpSp>
+      <p:cxnSp>
+        <p:nvCxnSpPr>
+          <p:cNvPr id="10" name="Straight Arrow Connector 9"/>
+          <p:cNvCxnSpPr>
+            <a:stCxn id="35" idx="0"/>
+            <a:endCxn id="27" idx="2"/>
+          </p:cNvCxnSpPr>
+          <p:nvPr/>
+        </p:nvCxnSpPr>
+        <p:spPr>
+          <a:xfrm flipV="1">
+            <a:off x="9829930" y="3223681"/>
+            <a:ext cx="0" cy="1253816"/>
+          </a:xfrm>
+          <a:prstGeom prst="straightConnector1">
+            <a:avLst/>
+          </a:prstGeom>
+          <a:ln w="50800">
+            <a:solidFill>
+              <a:srgbClr val="C00000"/>
+            </a:solidFill>
+            <a:tailEnd type="triangle"/>
+          </a:ln>
+          <a:effectLst/>
+        </p:spPr>
+        <p:style>
+          <a:lnRef idx="2">
+            <a:schemeClr val="accent1"/>
+          </a:lnRef>
+          <a:fillRef idx="0">
+            <a:schemeClr val="accent1"/>
+          </a:fillRef>
+          <a:effectRef idx="1">
+            <a:schemeClr val="accent1"/>
+          </a:effectRef>
+          <a:fontRef idx="minor">
+            <a:schemeClr val="tx1"/>
+          </a:fontRef>
+        </p:style>
+      </p:cxnSp>
+      <p:cxnSp>
+        <p:nvCxnSpPr>
+          <p:cNvPr id="11" name="Straight Arrow Connector 10"/>
+          <p:cNvCxnSpPr/>
+          <p:nvPr/>
+        </p:nvCxnSpPr>
+        <p:spPr>
+          <a:xfrm flipV="1">
+            <a:off x="9829929" y="2217566"/>
+            <a:ext cx="0" cy="646716"/>
+          </a:xfrm>
+          <a:prstGeom prst="straightConnector1">
+            <a:avLst/>
+          </a:prstGeom>
+          <a:ln w="50800">
+            <a:solidFill>
+              <a:srgbClr val="7030A0"/>
+            </a:solidFill>
+            <a:tailEnd type="triangle"/>
+          </a:ln>
+          <a:effectLst/>
+        </p:spPr>
+        <p:style>
+          <a:lnRef idx="2">
+            <a:schemeClr val="accent1"/>
+          </a:lnRef>
+          <a:fillRef idx="0">
+            <a:schemeClr val="accent1"/>
+          </a:fillRef>
+          <a:effectRef idx="1">
+            <a:schemeClr val="accent1"/>
+          </a:effectRef>
+          <a:fontRef idx="minor">
+            <a:schemeClr val="tx1"/>
+          </a:fontRef>
+        </p:style>
+      </p:cxnSp>
+      <p:grpSp>
+        <p:nvGrpSpPr>
+          <p:cNvPr id="12" name="Group 11"/>
+          <p:cNvGrpSpPr/>
+          <p:nvPr/>
+        </p:nvGrpSpPr>
+        <p:grpSpPr>
+          <a:xfrm>
+            <a:off x="8952049" y="2866314"/>
+            <a:ext cx="1755761" cy="357367"/>
+            <a:chOff x="5838484" y="3917173"/>
+            <a:chExt cx="2169328" cy="441544"/>
+          </a:xfrm>
+        </p:grpSpPr>
+        <p:sp>
+          <p:nvSpPr>
+            <p:cNvPr id="22" name="Oval 21"/>
+            <p:cNvSpPr/>
+            <p:nvPr/>
+          </p:nvSpPr>
+          <p:spPr>
+            <a:xfrm>
+              <a:off x="6305845" y="3950348"/>
+              <a:ext cx="365663" cy="365663"/>
+            </a:xfrm>
+            <a:prstGeom prst="ellipse">
+              <a:avLst/>
+            </a:prstGeom>
+            <a:noFill/>
+            <a:ln w="25400">
+              <a:solidFill>
+                <a:srgbClr val="7030A0"/>
+              </a:solidFill>
+            </a:ln>
+          </p:spPr>
+          <p:style>
+            <a:lnRef idx="2">
+              <a:schemeClr val="accent1">
+                <a:shade val="50000"/>
+              </a:schemeClr>
+            </a:lnRef>
+            <a:fillRef idx="1">
+              <a:schemeClr val="accent1"/>
+            </a:fillRef>
+            <a:effectRef idx="0">
+              <a:schemeClr val="accent1"/>
+            </a:effectRef>
+            <a:fontRef idx="minor">
+              <a:schemeClr val="lt1"/>
+            </a:fontRef>
+          </p:style>
+          <p:txBody>
+            <a:bodyPr rtlCol="0" anchor="ctr"/>
+            <a:lstStyle/>
+            <a:p>
+              <a:pPr algn="ctr"/>
+              <a:endParaRPr lang="en-US">
+                <a:solidFill>
+                  <a:schemeClr val="tx1"/>
+                </a:solidFill>
+              </a:endParaRPr>
+            </a:p>
+          </p:txBody>
+        </p:sp>
+        <p:sp>
+          <p:nvSpPr>
+            <p:cNvPr id="23" name="Oval 22"/>
+            <p:cNvSpPr/>
+            <p:nvPr/>
+          </p:nvSpPr>
+          <p:spPr>
+            <a:xfrm>
+              <a:off x="6738431" y="3950348"/>
+              <a:ext cx="365663" cy="365663"/>
+            </a:xfrm>
+            <a:prstGeom prst="ellipse">
+              <a:avLst/>
+            </a:prstGeom>
+            <a:noFill/>
+            <a:ln w="25400">
+              <a:solidFill>
+                <a:srgbClr val="7030A0"/>
+              </a:solidFill>
+            </a:ln>
+          </p:spPr>
+          <p:style>
+            <a:lnRef idx="2">
+              <a:schemeClr val="accent1">
+                <a:shade val="50000"/>
+              </a:schemeClr>
+            </a:lnRef>
+            <a:fillRef idx="1">
+              <a:schemeClr val="accent1"/>
+            </a:fillRef>
+            <a:effectRef idx="0">
+              <a:schemeClr val="accent1"/>
+            </a:effectRef>
+            <a:fontRef idx="minor">
+              <a:schemeClr val="lt1"/>
+            </a:fontRef>
+          </p:style>
+          <p:txBody>
+            <a:bodyPr rtlCol="0" anchor="ctr"/>
+            <a:lstStyle/>
+            <a:p>
+              <a:pPr algn="ctr"/>
+              <a:endParaRPr lang="en-US">
+                <a:solidFill>
+                  <a:schemeClr val="tx1"/>
+                </a:solidFill>
+              </a:endParaRPr>
+            </a:p>
+          </p:txBody>
+        </p:sp>
+        <p:sp>
+          <p:nvSpPr>
+            <p:cNvPr id="24" name="Oval 23"/>
+            <p:cNvSpPr/>
+            <p:nvPr/>
+          </p:nvSpPr>
+          <p:spPr>
+            <a:xfrm>
+              <a:off x="7171017" y="3950348"/>
+              <a:ext cx="365663" cy="365663"/>
+            </a:xfrm>
+            <a:prstGeom prst="ellipse">
+              <a:avLst/>
+            </a:prstGeom>
+            <a:noFill/>
+            <a:ln w="25400">
+              <a:solidFill>
+                <a:srgbClr val="7030A0"/>
+              </a:solidFill>
+            </a:ln>
+          </p:spPr>
+          <p:style>
+            <a:lnRef idx="2">
+              <a:schemeClr val="accent1">
+                <a:shade val="50000"/>
+              </a:schemeClr>
+            </a:lnRef>
+            <a:fillRef idx="1">
+              <a:schemeClr val="accent1"/>
+            </a:fillRef>
+            <a:effectRef idx="0">
+              <a:schemeClr val="accent1"/>
+            </a:effectRef>
+            <a:fontRef idx="minor">
+              <a:schemeClr val="lt1"/>
+            </a:fontRef>
+          </p:style>
+          <p:txBody>
+            <a:bodyPr rtlCol="0" anchor="ctr"/>
+            <a:lstStyle/>
+            <a:p>
+              <a:pPr algn="ctr"/>
+              <a:endParaRPr lang="en-US">
+                <a:solidFill>
+                  <a:schemeClr val="tx1"/>
+                </a:solidFill>
+              </a:endParaRPr>
+            </a:p>
+          </p:txBody>
+        </p:sp>
+        <p:sp>
+          <p:nvSpPr>
+            <p:cNvPr id="25" name="Oval 24"/>
+            <p:cNvSpPr/>
+            <p:nvPr/>
+          </p:nvSpPr>
+          <p:spPr>
+            <a:xfrm>
+              <a:off x="7603603" y="3950348"/>
+              <a:ext cx="365663" cy="365663"/>
+            </a:xfrm>
+            <a:prstGeom prst="ellipse">
+              <a:avLst/>
+            </a:prstGeom>
+            <a:noFill/>
+            <a:ln w="25400">
+              <a:solidFill>
+                <a:srgbClr val="7030A0"/>
+              </a:solidFill>
+            </a:ln>
+          </p:spPr>
+          <p:style>
+            <a:lnRef idx="2">
+              <a:schemeClr val="accent1">
+                <a:shade val="50000"/>
+              </a:schemeClr>
+            </a:lnRef>
+            <a:fillRef idx="1">
+              <a:schemeClr val="accent1"/>
+            </a:fillRef>
+            <a:effectRef idx="0">
+              <a:schemeClr val="accent1"/>
+            </a:effectRef>
+            <a:fontRef idx="minor">
+              <a:schemeClr val="lt1"/>
+            </a:fontRef>
+          </p:style>
+          <p:txBody>
+            <a:bodyPr rtlCol="0" anchor="ctr"/>
+            <a:lstStyle/>
+            <a:p>
+              <a:pPr algn="ctr"/>
+              <a:endParaRPr lang="en-US">
+                <a:solidFill>
+                  <a:schemeClr val="tx1"/>
+                </a:solidFill>
+              </a:endParaRPr>
+            </a:p>
+          </p:txBody>
+        </p:sp>
+        <p:sp>
+          <p:nvSpPr>
+            <p:cNvPr id="26" name="Oval 25"/>
+            <p:cNvSpPr/>
+            <p:nvPr/>
+          </p:nvSpPr>
+          <p:spPr>
+            <a:xfrm>
+              <a:off x="5873259" y="3950348"/>
+              <a:ext cx="365663" cy="365663"/>
+            </a:xfrm>
+            <a:prstGeom prst="ellipse">
+              <a:avLst/>
+            </a:prstGeom>
+            <a:noFill/>
+            <a:ln w="25400">
+              <a:solidFill>
+                <a:srgbClr val="7030A0"/>
+              </a:solidFill>
+            </a:ln>
+          </p:spPr>
+          <p:style>
+            <a:lnRef idx="2">
+              <a:schemeClr val="accent1">
+                <a:shade val="50000"/>
+              </a:schemeClr>
+            </a:lnRef>
+            <a:fillRef idx="1">
+              <a:schemeClr val="accent1"/>
+            </a:fillRef>
+            <a:effectRef idx="0">
+              <a:schemeClr val="accent1"/>
+            </a:effectRef>
+            <a:fontRef idx="minor">
+              <a:schemeClr val="lt1"/>
+            </a:fontRef>
+          </p:style>
+          <p:txBody>
+            <a:bodyPr rtlCol="0" anchor="ctr"/>
+            <a:lstStyle/>
+            <a:p>
+              <a:pPr algn="ctr"/>
+              <a:endParaRPr lang="en-US">
+                <a:solidFill>
+                  <a:schemeClr val="tx1"/>
+                </a:solidFill>
+              </a:endParaRPr>
+            </a:p>
+          </p:txBody>
+        </p:sp>
+        <p:sp>
+          <p:nvSpPr>
+            <p:cNvPr id="27" name="Rectangle 26"/>
+            <p:cNvSpPr/>
+            <p:nvPr/>
+          </p:nvSpPr>
+          <p:spPr>
+            <a:xfrm>
+              <a:off x="5838484" y="3917173"/>
+              <a:ext cx="2169328" cy="441544"/>
+            </a:xfrm>
+            <a:prstGeom prst="rect">
+              <a:avLst/>
+            </a:prstGeom>
+            <a:noFill/>
+            <a:ln w="25400">
+              <a:solidFill>
+                <a:srgbClr val="7030A0"/>
+              </a:solidFill>
+            </a:ln>
+          </p:spPr>
+          <p:style>
+            <a:lnRef idx="2">
+              <a:schemeClr val="accent1">
+                <a:shade val="50000"/>
+              </a:schemeClr>
+            </a:lnRef>
+            <a:fillRef idx="1">
+              <a:schemeClr val="accent1"/>
+            </a:fillRef>
+            <a:effectRef idx="0">
+              <a:schemeClr val="accent1"/>
+            </a:effectRef>
+            <a:fontRef idx="minor">
+              <a:schemeClr val="lt1"/>
+            </a:fontRef>
+          </p:style>
+          <p:txBody>
+            <a:bodyPr rtlCol="0" anchor="ctr"/>
+            <a:lstStyle/>
+            <a:p>
+              <a:pPr algn="ctr"/>
+              <a:endParaRPr lang="en-US">
+                <a:solidFill>
+                  <a:schemeClr val="tx1"/>
+                </a:solidFill>
+              </a:endParaRPr>
+            </a:p>
+          </p:txBody>
+        </p:sp>
+      </p:grpSp>
+      <p:sp>
+        <p:nvSpPr>
+          <p:cNvPr id="43" name="Curved Left Arrow 42"/>
+          <p:cNvSpPr/>
+          <p:nvPr/>
+        </p:nvSpPr>
         <p:spPr>
           <a:xfrm>
-            <a:off x="7232499" y="4476998"/>
-            <a:ext cx="3761907" cy="1152566"/>
+            <a:off x="10730778" y="2864282"/>
+            <a:ext cx="487771" cy="359399"/>
           </a:xfrm>
-          <a:prstGeom prst="rect">
-            <a:avLst/>
+          <a:prstGeom prst="curvedLeftArrow">
+            <a:avLst>
+              <a:gd name="adj1" fmla="val 14052"/>
+              <a:gd name="adj2" fmla="val 50000"/>
+              <a:gd name="adj3" fmla="val 23783"/>
+            </a:avLst>
           </a:prstGeom>
+          <a:solidFill>
+            <a:srgbClr val="00B2B2"/>
+          </a:solidFill>
+          <a:ln w="25400">
+            <a:solidFill>
+              <a:srgbClr val="00C6BA"/>
+            </a:solidFill>
+          </a:ln>
         </p:spPr>
-      </p:pic>
+        <p:style>
+          <a:lnRef idx="2">
+            <a:schemeClr val="accent1">
+              <a:shade val="50000"/>
+            </a:schemeClr>
+          </a:lnRef>
+          <a:fillRef idx="1">
+            <a:schemeClr val="accent1"/>
+          </a:fillRef>
+          <a:effectRef idx="0">
+            <a:schemeClr val="accent1"/>
+          </a:effectRef>
+          <a:fontRef idx="minor">
+            <a:schemeClr val="lt1"/>
+          </a:fontRef>
+        </p:style>
+        <p:txBody>
+          <a:bodyPr rtlCol="0" anchor="ctr"/>
+          <a:lstStyle/>
+          <a:p>
+            <a:pPr algn="ctr"/>
+            <a:endParaRPr lang="en-US">
+              <a:solidFill>
+                <a:schemeClr val="tx1"/>
+              </a:solidFill>
+            </a:endParaRPr>
+          </a:p>
+        </p:txBody>
+      </p:sp>
     </p:spTree>
     <p:extLst>
       <p:ext uri="{BB962C8B-B14F-4D97-AF65-F5344CB8AC3E}">
-        <p14:creationId xmlns:p14="http://schemas.microsoft.com/office/powerpoint/2010/main" val="2140710329"/>
+        <p14:creationId xmlns:p14="http://schemas.microsoft.com/office/powerpoint/2010/main" val="131765638"/>
       </p:ext>
     </p:extLst>
   </p:cSld>
